--- a/doc/Alta Performance com Java.pptx
+++ b/doc/Alta Performance com Java.pptx
@@ -9,7 +9,27 @@
     <p:sldId id="257" r:id="rId3"/>
     <p:sldId id="258" r:id="rId4"/>
     <p:sldId id="259" r:id="rId5"/>
-    <p:sldId id="260" r:id="rId6"/>
+    <p:sldId id="261" r:id="rId6"/>
+    <p:sldId id="263" r:id="rId7"/>
+    <p:sldId id="260" r:id="rId8"/>
+    <p:sldId id="268" r:id="rId9"/>
+    <p:sldId id="262" r:id="rId10"/>
+    <p:sldId id="264" r:id="rId11"/>
+    <p:sldId id="265" r:id="rId12"/>
+    <p:sldId id="266" r:id="rId13"/>
+    <p:sldId id="267" r:id="rId14"/>
+    <p:sldId id="278" r:id="rId15"/>
+    <p:sldId id="279" r:id="rId16"/>
+    <p:sldId id="280" r:id="rId17"/>
+    <p:sldId id="269" r:id="rId18"/>
+    <p:sldId id="271" r:id="rId19"/>
+    <p:sldId id="272" r:id="rId20"/>
+    <p:sldId id="274" r:id="rId21"/>
+    <p:sldId id="275" r:id="rId22"/>
+    <p:sldId id="270" r:id="rId23"/>
+    <p:sldId id="273" r:id="rId24"/>
+    <p:sldId id="276" r:id="rId25"/>
+    <p:sldId id="277" r:id="rId26"/>
   </p:sldIdLst>
   <p:sldSz cx="9144000" cy="6858000" type="screen4x3"/>
   <p:notesSz cx="6858000" cy="9144000"/>
@@ -13790,6 +13810,2120 @@
   <p:clrMapOvr>
     <a:masterClrMapping/>
   </p:clrMapOvr>
+  <p:timing>
+    <p:tnLst>
+      <p:par>
+        <p:cTn id="1" dur="indefinite" restart="never" nodeType="tmRoot"/>
+      </p:par>
+    </p:tnLst>
+  </p:timing>
+</p:sld>
+</file>
+
+<file path=ppt/slides/slide10.xml><?xml version="1.0" encoding="utf-8"?>
+<p:sld xmlns:a="http://schemas.openxmlformats.org/drawingml/2006/main" xmlns:r="http://schemas.openxmlformats.org/officeDocument/2006/relationships" xmlns:p="http://schemas.openxmlformats.org/presentationml/2006/main">
+  <p:cSld>
+    <p:spTree>
+      <p:nvGrpSpPr>
+        <p:cNvPr id="1" name=""/>
+        <p:cNvGrpSpPr/>
+        <p:nvPr/>
+      </p:nvGrpSpPr>
+      <p:grpSpPr>
+        <a:xfrm>
+          <a:off x="0" y="0"/>
+          <a:ext cx="0" cy="0"/>
+          <a:chOff x="0" y="0"/>
+          <a:chExt cx="0" cy="0"/>
+        </a:xfrm>
+      </p:grpSpPr>
+      <p:sp>
+        <p:nvSpPr>
+          <p:cNvPr id="2" name="Título 1"/>
+          <p:cNvSpPr>
+            <a:spLocks noGrp="1"/>
+          </p:cNvSpPr>
+          <p:nvPr>
+            <p:ph type="title"/>
+          </p:nvPr>
+        </p:nvSpPr>
+        <p:spPr/>
+        <p:txBody>
+          <a:bodyPr/>
+          <a:lstStyle/>
+          <a:p>
+            <a:r>
+              <a:rPr lang="pt-BR" dirty="0" smtClean="0"/>
+              <a:t>Porque Java</a:t>
+            </a:r>
+            <a:endParaRPr lang="pt-BR" dirty="0"/>
+          </a:p>
+        </p:txBody>
+      </p:sp>
+      <p:sp>
+        <p:nvSpPr>
+          <p:cNvPr id="3" name="Espaço Reservado para Conteúdo 2"/>
+          <p:cNvSpPr>
+            <a:spLocks noGrp="1"/>
+          </p:cNvSpPr>
+          <p:nvPr>
+            <p:ph idx="1"/>
+          </p:nvPr>
+        </p:nvSpPr>
+        <p:spPr>
+          <a:xfrm>
+            <a:off x="1043492" y="2276872"/>
+            <a:ext cx="6777317" cy="3508977"/>
+          </a:xfrm>
+        </p:spPr>
+        <p:txBody>
+          <a:bodyPr>
+            <a:noAutofit/>
+          </a:bodyPr>
+          <a:lstStyle/>
+          <a:p>
+            <a:r>
+              <a:rPr lang="en-US" sz="1600" dirty="0"/>
+              <a:t>The team gathered to choose a new name. The suggested words were "dynamic", "revolutionary", "Silk", "jolt", "DNA" etc. They wanted something that reflected the essence of the technology: revolutionary, dynamic, lively, cool, unique, and easy to spell and fun to say</a:t>
+            </a:r>
+            <a:r>
+              <a:rPr lang="en-US" sz="1600" dirty="0" smtClean="0"/>
+              <a:t>.</a:t>
+            </a:r>
+          </a:p>
+          <a:p>
+            <a:endParaRPr lang="en-US" sz="1600" dirty="0"/>
+          </a:p>
+          <a:p>
+            <a:r>
+              <a:rPr lang="en-US" sz="1600" dirty="0"/>
+              <a:t>According to James Gosling "Java was one of the top choices along with </a:t>
+            </a:r>
+            <a:r>
+              <a:rPr lang="en-US" sz="1600" b="1" dirty="0"/>
+              <a:t>Silk</a:t>
+            </a:r>
+            <a:r>
+              <a:rPr lang="en-US" sz="1600" dirty="0"/>
+              <a:t>". Since java was so unique, most of the team members preferred java</a:t>
+            </a:r>
+            <a:r>
+              <a:rPr lang="en-US" sz="1600" dirty="0" smtClean="0"/>
+              <a:t>.</a:t>
+            </a:r>
+          </a:p>
+          <a:p>
+            <a:endParaRPr lang="en-US" sz="1600" dirty="0"/>
+          </a:p>
+          <a:p>
+            <a:r>
+              <a:rPr lang="en-US" sz="1600" dirty="0" smtClean="0"/>
+              <a:t>Java </a:t>
+            </a:r>
+            <a:r>
+              <a:rPr lang="en-US" sz="1600" dirty="0"/>
+              <a:t>is an island of Indonesia where first coffee was produced (called java coffee</a:t>
+            </a:r>
+            <a:r>
+              <a:rPr lang="en-US" sz="1600" dirty="0" smtClean="0"/>
+              <a:t>).</a:t>
+            </a:r>
+          </a:p>
+          <a:p>
+            <a:endParaRPr lang="en-US" sz="1600" dirty="0"/>
+          </a:p>
+          <a:p>
+            <a:r>
+              <a:rPr lang="en-US" sz="1600" dirty="0" smtClean="0"/>
+              <a:t>Originally </a:t>
+            </a:r>
+            <a:r>
+              <a:rPr lang="en-US" sz="1600" dirty="0"/>
+              <a:t>developed by James Gosling at Sun Microsystems (which is now a subsidiary of Oracle Corporation) and released in 1995</a:t>
+            </a:r>
+            <a:r>
+              <a:rPr lang="en-US" sz="1600" dirty="0" smtClean="0"/>
+              <a:t>.</a:t>
+            </a:r>
+          </a:p>
+        </p:txBody>
+      </p:sp>
+    </p:spTree>
+    <p:extLst>
+      <p:ext uri="{BB962C8B-B14F-4D97-AF65-F5344CB8AC3E}">
+        <p14:creationId xmlns:p14="http://schemas.microsoft.com/office/powerpoint/2010/main" val="4110940398"/>
+      </p:ext>
+    </p:extLst>
+  </p:cSld>
+  <p:clrMapOvr>
+    <a:masterClrMapping/>
+  </p:clrMapOvr>
+  <p:timing>
+    <p:tnLst>
+      <p:par>
+        <p:cTn id="1" dur="indefinite" restart="never" nodeType="tmRoot"/>
+      </p:par>
+    </p:tnLst>
+  </p:timing>
+</p:sld>
+</file>
+
+<file path=ppt/slides/slide11.xml><?xml version="1.0" encoding="utf-8"?>
+<p:sld xmlns:a="http://schemas.openxmlformats.org/drawingml/2006/main" xmlns:r="http://schemas.openxmlformats.org/officeDocument/2006/relationships" xmlns:p="http://schemas.openxmlformats.org/presentationml/2006/main">
+  <p:cSld>
+    <p:spTree>
+      <p:nvGrpSpPr>
+        <p:cNvPr id="1" name=""/>
+        <p:cNvGrpSpPr/>
+        <p:nvPr/>
+      </p:nvGrpSpPr>
+      <p:grpSpPr>
+        <a:xfrm>
+          <a:off x="0" y="0"/>
+          <a:ext cx="0" cy="0"/>
+          <a:chOff x="0" y="0"/>
+          <a:chExt cx="0" cy="0"/>
+        </a:xfrm>
+      </p:grpSpPr>
+      <p:sp>
+        <p:nvSpPr>
+          <p:cNvPr id="2" name="Título 1"/>
+          <p:cNvSpPr>
+            <a:spLocks noGrp="1"/>
+          </p:cNvSpPr>
+          <p:nvPr>
+            <p:ph type="title"/>
+          </p:nvPr>
+        </p:nvSpPr>
+        <p:spPr/>
+        <p:txBody>
+          <a:bodyPr/>
+          <a:lstStyle/>
+          <a:p>
+            <a:r>
+              <a:rPr lang="pt-BR" dirty="0" smtClean="0"/>
+              <a:t>Versões</a:t>
+            </a:r>
+            <a:endParaRPr lang="pt-BR" dirty="0"/>
+          </a:p>
+        </p:txBody>
+      </p:sp>
+      <p:graphicFrame>
+        <p:nvGraphicFramePr>
+          <p:cNvPr id="5" name="Espaço Reservado para Conteúdo 4"/>
+          <p:cNvGraphicFramePr>
+            <a:graphicFrameLocks noGrp="1"/>
+          </p:cNvGraphicFramePr>
+          <p:nvPr>
+            <p:ph idx="1"/>
+            <p:extLst>
+              <p:ext uri="{D42A27DB-BD31-4B8C-83A1-F6EECF244321}">
+                <p14:modId xmlns:p14="http://schemas.microsoft.com/office/powerpoint/2010/main" val="37560792"/>
+              </p:ext>
+            </p:extLst>
+          </p:nvPr>
+        </p:nvGraphicFramePr>
+        <p:xfrm>
+          <a:off x="1042988" y="2324100"/>
+          <a:ext cx="6777036" cy="4079240"/>
+        </p:xfrm>
+        <a:graphic>
+          <a:graphicData uri="http://schemas.openxmlformats.org/drawingml/2006/table">
+            <a:tbl>
+              <a:tblPr firstRow="1" bandRow="1">
+                <a:tableStyleId>{5C22544A-7EE6-4342-B048-85BDC9FD1C3A}</a:tableStyleId>
+              </a:tblPr>
+              <a:tblGrid>
+                <a:gridCol w="4518024"/>
+                <a:gridCol w="2259012"/>
+              </a:tblGrid>
+              <a:tr h="370840">
+                <a:tc>
+                  <a:txBody>
+                    <a:bodyPr/>
+                    <a:lstStyle/>
+                    <a:p>
+                      <a:pPr marL="0" marR="0" indent="0" algn="l" defTabSz="914400" rtl="0" eaLnBrk="1" fontAlgn="auto" latinLnBrk="0" hangingPunct="1">
+                        <a:lnSpc>
+                          <a:spcPct val="100000"/>
+                        </a:lnSpc>
+                        <a:spcBef>
+                          <a:spcPts val="0"/>
+                        </a:spcBef>
+                        <a:spcAft>
+                          <a:spcPts val="0"/>
+                        </a:spcAft>
+                        <a:buClrTx/>
+                        <a:buSzTx/>
+                        <a:buFontTx/>
+                        <a:buNone/>
+                        <a:tabLst/>
+                        <a:defRPr/>
+                      </a:pPr>
+                      <a:r>
+                        <a:rPr lang="sv-SE" sz="1800" b="0" i="0" kern="1200" dirty="0" smtClean="0">
+                          <a:solidFill>
+                            <a:schemeClr val="lt1"/>
+                          </a:solidFill>
+                          <a:effectLst/>
+                          <a:latin typeface="+mn-lt"/>
+                          <a:ea typeface="+mn-ea"/>
+                          <a:cs typeface="+mn-cs"/>
+                        </a:rPr>
+                        <a:t>JDK Alpha and Beta (1995)</a:t>
+                      </a:r>
+                      <a:endParaRPr lang="pt-BR" sz="1800" b="0" dirty="0"/>
+                    </a:p>
+                  </a:txBody>
+                  <a:tcPr/>
+                </a:tc>
+                <a:tc>
+                  <a:txBody>
+                    <a:bodyPr/>
+                    <a:lstStyle/>
+                    <a:p>
+                      <a:endParaRPr lang="pt-BR" sz="1800" b="0" dirty="0"/>
+                    </a:p>
+                  </a:txBody>
+                  <a:tcPr/>
+                </a:tc>
+              </a:tr>
+              <a:tr h="370840">
+                <a:tc>
+                  <a:txBody>
+                    <a:bodyPr/>
+                    <a:lstStyle/>
+                    <a:p>
+                      <a:pPr marL="0" marR="0" indent="0" algn="l" defTabSz="914400" rtl="0" eaLnBrk="1" fontAlgn="auto" latinLnBrk="0" hangingPunct="1">
+                        <a:lnSpc>
+                          <a:spcPct val="100000"/>
+                        </a:lnSpc>
+                        <a:spcBef>
+                          <a:spcPts val="0"/>
+                        </a:spcBef>
+                        <a:spcAft>
+                          <a:spcPts val="0"/>
+                        </a:spcAft>
+                        <a:buClrTx/>
+                        <a:buSzTx/>
+                        <a:buFontTx/>
+                        <a:buNone/>
+                        <a:tabLst/>
+                        <a:defRPr/>
+                      </a:pPr>
+                      <a:r>
+                        <a:rPr lang="pt-BR" sz="1800" b="0" i="0" kern="1200" dirty="0" smtClean="0">
+                          <a:solidFill>
+                            <a:schemeClr val="dk1"/>
+                          </a:solidFill>
+                          <a:effectLst/>
+                          <a:latin typeface="+mn-lt"/>
+                          <a:ea typeface="+mn-ea"/>
+                          <a:cs typeface="+mn-cs"/>
+                        </a:rPr>
+                        <a:t>JDK 1.0 (</a:t>
+                      </a:r>
+                      <a:r>
+                        <a:rPr lang="pt-BR" sz="1800" b="0" i="0" kern="1200" dirty="0" err="1" smtClean="0">
+                          <a:solidFill>
+                            <a:schemeClr val="dk1"/>
+                          </a:solidFill>
+                          <a:effectLst/>
+                          <a:latin typeface="+mn-lt"/>
+                          <a:ea typeface="+mn-ea"/>
+                          <a:cs typeface="+mn-cs"/>
+                        </a:rPr>
+                        <a:t>January</a:t>
+                      </a:r>
+                      <a:r>
+                        <a:rPr lang="pt-BR" sz="1800" b="0" i="0" kern="1200" dirty="0" smtClean="0">
+                          <a:solidFill>
+                            <a:schemeClr val="dk1"/>
+                          </a:solidFill>
+                          <a:effectLst/>
+                          <a:latin typeface="+mn-lt"/>
+                          <a:ea typeface="+mn-ea"/>
+                          <a:cs typeface="+mn-cs"/>
+                        </a:rPr>
+                        <a:t> 23, 1996)</a:t>
+                      </a:r>
+                      <a:endParaRPr lang="pt-BR" sz="1800" b="0" dirty="0"/>
+                    </a:p>
+                  </a:txBody>
+                  <a:tcPr/>
+                </a:tc>
+                <a:tc>
+                  <a:txBody>
+                    <a:bodyPr/>
+                    <a:lstStyle/>
+                    <a:p>
+                      <a:r>
+                        <a:rPr lang="pt-BR" sz="1800" b="0" dirty="0" err="1" smtClean="0"/>
+                        <a:t>Oak</a:t>
+                      </a:r>
+                      <a:endParaRPr lang="pt-BR" sz="1800" b="0" dirty="0"/>
+                    </a:p>
+                  </a:txBody>
+                  <a:tcPr/>
+                </a:tc>
+              </a:tr>
+              <a:tr h="370840">
+                <a:tc>
+                  <a:txBody>
+                    <a:bodyPr/>
+                    <a:lstStyle/>
+                    <a:p>
+                      <a:pPr marL="0" marR="0" indent="0" algn="l" defTabSz="914400" rtl="0" eaLnBrk="1" fontAlgn="auto" latinLnBrk="0" hangingPunct="1">
+                        <a:lnSpc>
+                          <a:spcPct val="100000"/>
+                        </a:lnSpc>
+                        <a:spcBef>
+                          <a:spcPts val="0"/>
+                        </a:spcBef>
+                        <a:spcAft>
+                          <a:spcPts val="0"/>
+                        </a:spcAft>
+                        <a:buClrTx/>
+                        <a:buSzTx/>
+                        <a:buFontTx/>
+                        <a:buNone/>
+                        <a:tabLst/>
+                        <a:defRPr/>
+                      </a:pPr>
+                      <a:r>
+                        <a:rPr lang="en-US" sz="1800" b="0" i="0" kern="1200" dirty="0" smtClean="0">
+                          <a:solidFill>
+                            <a:schemeClr val="dk1"/>
+                          </a:solidFill>
+                          <a:effectLst/>
+                          <a:latin typeface="+mn-lt"/>
+                          <a:ea typeface="+mn-ea"/>
+                          <a:cs typeface="+mn-cs"/>
+                        </a:rPr>
+                        <a:t>JDK 1.1 (February 19, 1997)</a:t>
+                      </a:r>
+                    </a:p>
+                  </a:txBody>
+                  <a:tcPr/>
+                </a:tc>
+                <a:tc>
+                  <a:txBody>
+                    <a:bodyPr/>
+                    <a:lstStyle/>
+                    <a:p>
+                      <a:endParaRPr lang="pt-BR" sz="1800" b="0" dirty="0"/>
+                    </a:p>
+                  </a:txBody>
+                  <a:tcPr/>
+                </a:tc>
+              </a:tr>
+              <a:tr h="370840">
+                <a:tc>
+                  <a:txBody>
+                    <a:bodyPr/>
+                    <a:lstStyle/>
+                    <a:p>
+                      <a:pPr marL="0" marR="0" indent="0" algn="l" defTabSz="914400" rtl="0" eaLnBrk="1" fontAlgn="auto" latinLnBrk="0" hangingPunct="1">
+                        <a:lnSpc>
+                          <a:spcPct val="100000"/>
+                        </a:lnSpc>
+                        <a:spcBef>
+                          <a:spcPts val="0"/>
+                        </a:spcBef>
+                        <a:spcAft>
+                          <a:spcPts val="0"/>
+                        </a:spcAft>
+                        <a:buClrTx/>
+                        <a:buSzTx/>
+                        <a:buFontTx/>
+                        <a:buNone/>
+                        <a:tabLst/>
+                        <a:defRPr/>
+                      </a:pPr>
+                      <a:r>
+                        <a:rPr lang="da-DK" sz="1800" b="0" i="0" kern="1200" dirty="0" smtClean="0">
+                          <a:solidFill>
+                            <a:schemeClr val="dk1"/>
+                          </a:solidFill>
+                          <a:effectLst/>
+                          <a:latin typeface="+mn-lt"/>
+                          <a:ea typeface="+mn-ea"/>
+                          <a:cs typeface="+mn-cs"/>
+                        </a:rPr>
+                        <a:t>J2SE 1.2 (December 8, 1998)</a:t>
+                      </a:r>
+                    </a:p>
+                  </a:txBody>
+                  <a:tcPr/>
+                </a:tc>
+                <a:tc>
+                  <a:txBody>
+                    <a:bodyPr/>
+                    <a:lstStyle/>
+                    <a:p>
+                      <a:r>
+                        <a:rPr lang="pt-BR" sz="1800" b="0" i="0" kern="1200" dirty="0" smtClean="0">
+                          <a:solidFill>
+                            <a:schemeClr val="dk1"/>
+                          </a:solidFill>
+                          <a:effectLst/>
+                          <a:latin typeface="+mn-lt"/>
+                          <a:ea typeface="+mn-ea"/>
+                          <a:cs typeface="+mn-cs"/>
+                        </a:rPr>
+                        <a:t>Playground</a:t>
+                      </a:r>
+                      <a:endParaRPr lang="pt-BR" sz="1800" b="0" dirty="0"/>
+                    </a:p>
+                  </a:txBody>
+                  <a:tcPr/>
+                </a:tc>
+              </a:tr>
+              <a:tr h="370840">
+                <a:tc>
+                  <a:txBody>
+                    <a:bodyPr/>
+                    <a:lstStyle/>
+                    <a:p>
+                      <a:pPr marL="0" marR="0" indent="0" algn="l" defTabSz="914400" rtl="0" eaLnBrk="1" fontAlgn="auto" latinLnBrk="0" hangingPunct="1">
+                        <a:lnSpc>
+                          <a:spcPct val="100000"/>
+                        </a:lnSpc>
+                        <a:spcBef>
+                          <a:spcPts val="0"/>
+                        </a:spcBef>
+                        <a:spcAft>
+                          <a:spcPts val="0"/>
+                        </a:spcAft>
+                        <a:buClrTx/>
+                        <a:buSzTx/>
+                        <a:buFontTx/>
+                        <a:buNone/>
+                        <a:tabLst/>
+                        <a:defRPr/>
+                      </a:pPr>
+                      <a:r>
+                        <a:rPr lang="pt-BR" sz="1800" b="0" i="0" kern="1200" dirty="0" smtClean="0">
+                          <a:solidFill>
+                            <a:schemeClr val="dk1"/>
+                          </a:solidFill>
+                          <a:effectLst/>
+                          <a:latin typeface="+mn-lt"/>
+                          <a:ea typeface="+mn-ea"/>
+                          <a:cs typeface="+mn-cs"/>
+                        </a:rPr>
+                        <a:t>J2SE 1.3 (May 8, 2000)</a:t>
+                      </a:r>
+                    </a:p>
+                  </a:txBody>
+                  <a:tcPr/>
+                </a:tc>
+                <a:tc>
+                  <a:txBody>
+                    <a:bodyPr/>
+                    <a:lstStyle/>
+                    <a:p>
+                      <a:r>
+                        <a:rPr lang="pt-BR" sz="1800" b="0" i="0" kern="1200" dirty="0" err="1" smtClean="0">
+                          <a:solidFill>
+                            <a:schemeClr val="dk1"/>
+                          </a:solidFill>
+                          <a:effectLst/>
+                          <a:latin typeface="+mn-lt"/>
+                          <a:ea typeface="+mn-ea"/>
+                          <a:cs typeface="+mn-cs"/>
+                        </a:rPr>
+                        <a:t>Kestrel</a:t>
+                      </a:r>
+                      <a:r>
+                        <a:rPr lang="pt-BR" sz="1800" b="0" i="0" kern="1200" dirty="0" smtClean="0">
+                          <a:solidFill>
+                            <a:schemeClr val="dk1"/>
+                          </a:solidFill>
+                          <a:effectLst/>
+                          <a:latin typeface="+mn-lt"/>
+                          <a:ea typeface="+mn-ea"/>
+                          <a:cs typeface="+mn-cs"/>
+                        </a:rPr>
+                        <a:t> (</a:t>
+                      </a:r>
+                      <a:r>
+                        <a:rPr lang="pt-BR" sz="1800" b="0" i="0" kern="1200" dirty="0" err="1" smtClean="0">
+                          <a:solidFill>
+                            <a:schemeClr val="dk1"/>
+                          </a:solidFill>
+                          <a:effectLst/>
+                          <a:latin typeface="+mn-lt"/>
+                          <a:ea typeface="+mn-ea"/>
+                          <a:cs typeface="+mn-cs"/>
+                        </a:rPr>
+                        <a:t>hotspot</a:t>
+                      </a:r>
+                      <a:r>
+                        <a:rPr lang="pt-BR" sz="1800" b="0" i="0" kern="1200" dirty="0" smtClean="0">
+                          <a:solidFill>
+                            <a:schemeClr val="dk1"/>
+                          </a:solidFill>
+                          <a:effectLst/>
+                          <a:latin typeface="+mn-lt"/>
+                          <a:ea typeface="+mn-ea"/>
+                          <a:cs typeface="+mn-cs"/>
+                        </a:rPr>
+                        <a:t>)</a:t>
+                      </a:r>
+                      <a:endParaRPr lang="pt-BR" sz="1800" b="0" dirty="0"/>
+                    </a:p>
+                  </a:txBody>
+                  <a:tcPr/>
+                </a:tc>
+              </a:tr>
+              <a:tr h="370840">
+                <a:tc>
+                  <a:txBody>
+                    <a:bodyPr/>
+                    <a:lstStyle/>
+                    <a:p>
+                      <a:pPr marL="0" marR="0" indent="0" algn="l" defTabSz="914400" rtl="0" eaLnBrk="1" fontAlgn="auto" latinLnBrk="0" hangingPunct="1">
+                        <a:lnSpc>
+                          <a:spcPct val="100000"/>
+                        </a:lnSpc>
+                        <a:spcBef>
+                          <a:spcPts val="0"/>
+                        </a:spcBef>
+                        <a:spcAft>
+                          <a:spcPts val="0"/>
+                        </a:spcAft>
+                        <a:buClrTx/>
+                        <a:buSzTx/>
+                        <a:buFontTx/>
+                        <a:buNone/>
+                        <a:tabLst/>
+                        <a:defRPr/>
+                      </a:pPr>
+                      <a:r>
+                        <a:rPr lang="pt-BR" sz="1800" b="0" i="0" kern="1200" dirty="0" smtClean="0">
+                          <a:solidFill>
+                            <a:schemeClr val="dk1"/>
+                          </a:solidFill>
+                          <a:effectLst/>
+                          <a:latin typeface="+mn-lt"/>
+                          <a:ea typeface="+mn-ea"/>
+                          <a:cs typeface="+mn-cs"/>
+                        </a:rPr>
+                        <a:t>J2SE 1.4 (</a:t>
+                      </a:r>
+                      <a:r>
+                        <a:rPr lang="pt-BR" sz="1800" b="0" i="0" kern="1200" dirty="0" err="1" smtClean="0">
+                          <a:solidFill>
+                            <a:schemeClr val="dk1"/>
+                          </a:solidFill>
+                          <a:effectLst/>
+                          <a:latin typeface="+mn-lt"/>
+                          <a:ea typeface="+mn-ea"/>
+                          <a:cs typeface="+mn-cs"/>
+                        </a:rPr>
+                        <a:t>February</a:t>
+                      </a:r>
+                      <a:r>
+                        <a:rPr lang="pt-BR" sz="1800" b="0" i="0" kern="1200" dirty="0" smtClean="0">
+                          <a:solidFill>
+                            <a:schemeClr val="dk1"/>
+                          </a:solidFill>
+                          <a:effectLst/>
+                          <a:latin typeface="+mn-lt"/>
+                          <a:ea typeface="+mn-ea"/>
+                          <a:cs typeface="+mn-cs"/>
+                        </a:rPr>
+                        <a:t> 6, 2002)</a:t>
+                      </a:r>
+                    </a:p>
+                  </a:txBody>
+                  <a:tcPr/>
+                </a:tc>
+                <a:tc>
+                  <a:txBody>
+                    <a:bodyPr/>
+                    <a:lstStyle/>
+                    <a:p>
+                      <a:r>
+                        <a:rPr lang="pt-BR" sz="1800" b="0" i="0" kern="1200" dirty="0" smtClean="0">
+                          <a:solidFill>
+                            <a:schemeClr val="dk1"/>
+                          </a:solidFill>
+                          <a:effectLst/>
+                          <a:latin typeface="+mn-lt"/>
+                          <a:ea typeface="+mn-ea"/>
+                          <a:cs typeface="+mn-cs"/>
+                        </a:rPr>
+                        <a:t>Merlin (</a:t>
+                      </a:r>
+                      <a:r>
+                        <a:rPr lang="pt-BR" sz="1800" b="0" i="0" kern="1200" dirty="0" err="1" smtClean="0">
+                          <a:solidFill>
+                            <a:schemeClr val="dk1"/>
+                          </a:solidFill>
+                          <a:effectLst/>
+                          <a:latin typeface="+mn-lt"/>
+                          <a:ea typeface="+mn-ea"/>
+                          <a:cs typeface="+mn-cs"/>
+                        </a:rPr>
+                        <a:t>jcp</a:t>
+                      </a:r>
+                      <a:r>
+                        <a:rPr lang="pt-BR" sz="1800" b="0" i="0" kern="1200" dirty="0" smtClean="0">
+                          <a:solidFill>
+                            <a:schemeClr val="dk1"/>
+                          </a:solidFill>
+                          <a:effectLst/>
+                          <a:latin typeface="+mn-lt"/>
+                          <a:ea typeface="+mn-ea"/>
+                          <a:cs typeface="+mn-cs"/>
+                        </a:rPr>
+                        <a:t>)</a:t>
+                      </a:r>
+                      <a:r>
+                        <a:rPr lang="pt-BR" sz="1800" b="0" i="0" kern="1200" baseline="0" dirty="0" smtClean="0">
+                          <a:solidFill>
+                            <a:schemeClr val="dk1"/>
+                          </a:solidFill>
+                          <a:effectLst/>
+                          <a:latin typeface="+mn-lt"/>
+                          <a:ea typeface="+mn-ea"/>
+                          <a:cs typeface="+mn-cs"/>
+                        </a:rPr>
+                        <a:t> jsr59</a:t>
+                      </a:r>
+                      <a:endParaRPr lang="pt-BR" sz="1800" b="0" dirty="0"/>
+                    </a:p>
+                  </a:txBody>
+                  <a:tcPr/>
+                </a:tc>
+              </a:tr>
+              <a:tr h="370840">
+                <a:tc>
+                  <a:txBody>
+                    <a:bodyPr/>
+                    <a:lstStyle/>
+                    <a:p>
+                      <a:pPr marL="0" marR="0" indent="0" algn="l" defTabSz="914400" rtl="0" eaLnBrk="1" fontAlgn="auto" latinLnBrk="0" hangingPunct="1">
+                        <a:lnSpc>
+                          <a:spcPct val="100000"/>
+                        </a:lnSpc>
+                        <a:spcBef>
+                          <a:spcPts val="0"/>
+                        </a:spcBef>
+                        <a:spcAft>
+                          <a:spcPts val="0"/>
+                        </a:spcAft>
+                        <a:buClrTx/>
+                        <a:buSzTx/>
+                        <a:buFontTx/>
+                        <a:buNone/>
+                        <a:tabLst/>
+                        <a:defRPr/>
+                      </a:pPr>
+                      <a:r>
+                        <a:rPr lang="pt-BR" sz="1800" b="0" i="0" kern="1200" dirty="0" smtClean="0">
+                          <a:solidFill>
+                            <a:schemeClr val="dk1"/>
+                          </a:solidFill>
+                          <a:effectLst/>
+                          <a:latin typeface="+mn-lt"/>
+                          <a:ea typeface="+mn-ea"/>
+                          <a:cs typeface="+mn-cs"/>
+                        </a:rPr>
+                        <a:t>J2SE 5.0 (</a:t>
+                      </a:r>
+                      <a:r>
+                        <a:rPr lang="pt-BR" sz="1800" b="0" i="0" kern="1200" dirty="0" err="1" smtClean="0">
+                          <a:solidFill>
+                            <a:schemeClr val="dk1"/>
+                          </a:solidFill>
+                          <a:effectLst/>
+                          <a:latin typeface="+mn-lt"/>
+                          <a:ea typeface="+mn-ea"/>
+                          <a:cs typeface="+mn-cs"/>
+                        </a:rPr>
+                        <a:t>September</a:t>
+                      </a:r>
+                      <a:r>
+                        <a:rPr lang="pt-BR" sz="1800" b="0" i="0" kern="1200" dirty="0" smtClean="0">
+                          <a:solidFill>
+                            <a:schemeClr val="dk1"/>
+                          </a:solidFill>
+                          <a:effectLst/>
+                          <a:latin typeface="+mn-lt"/>
+                          <a:ea typeface="+mn-ea"/>
+                          <a:cs typeface="+mn-cs"/>
+                        </a:rPr>
+                        <a:t> 30, 2004)</a:t>
+                      </a:r>
+                    </a:p>
+                  </a:txBody>
+                  <a:tcPr/>
+                </a:tc>
+                <a:tc>
+                  <a:txBody>
+                    <a:bodyPr/>
+                    <a:lstStyle/>
+                    <a:p>
+                      <a:r>
+                        <a:rPr lang="pt-BR" sz="1800" b="0" i="0" kern="1200" dirty="0" smtClean="0">
+                          <a:solidFill>
+                            <a:schemeClr val="dk1"/>
+                          </a:solidFill>
+                          <a:effectLst/>
+                          <a:latin typeface="+mn-lt"/>
+                          <a:ea typeface="+mn-ea"/>
+                          <a:cs typeface="+mn-cs"/>
+                        </a:rPr>
+                        <a:t>Tiger</a:t>
+                      </a:r>
+                      <a:endParaRPr lang="pt-BR" sz="1800" b="0" dirty="0"/>
+                    </a:p>
+                  </a:txBody>
+                  <a:tcPr/>
+                </a:tc>
+              </a:tr>
+              <a:tr h="370840">
+                <a:tc>
+                  <a:txBody>
+                    <a:bodyPr/>
+                    <a:lstStyle/>
+                    <a:p>
+                      <a:pPr marL="0" marR="0" indent="0" algn="l" defTabSz="914400" rtl="0" eaLnBrk="1" fontAlgn="auto" latinLnBrk="0" hangingPunct="1">
+                        <a:lnSpc>
+                          <a:spcPct val="100000"/>
+                        </a:lnSpc>
+                        <a:spcBef>
+                          <a:spcPts val="0"/>
+                        </a:spcBef>
+                        <a:spcAft>
+                          <a:spcPts val="0"/>
+                        </a:spcAft>
+                        <a:buClrTx/>
+                        <a:buSzTx/>
+                        <a:buFontTx/>
+                        <a:buNone/>
+                        <a:tabLst/>
+                        <a:defRPr/>
+                      </a:pPr>
+                      <a:r>
+                        <a:rPr lang="pt-BR" sz="1800" b="0" i="0" kern="1200" dirty="0" smtClean="0">
+                          <a:solidFill>
+                            <a:schemeClr val="dk1"/>
+                          </a:solidFill>
+                          <a:effectLst/>
+                          <a:latin typeface="+mn-lt"/>
+                          <a:ea typeface="+mn-ea"/>
+                          <a:cs typeface="+mn-cs"/>
+                        </a:rPr>
+                        <a:t>Java SE 6 (</a:t>
+                      </a:r>
+                      <a:r>
+                        <a:rPr lang="pt-BR" sz="1800" b="0" i="0" kern="1200" dirty="0" err="1" smtClean="0">
+                          <a:solidFill>
+                            <a:schemeClr val="dk1"/>
+                          </a:solidFill>
+                          <a:effectLst/>
+                          <a:latin typeface="+mn-lt"/>
+                          <a:ea typeface="+mn-ea"/>
+                          <a:cs typeface="+mn-cs"/>
+                        </a:rPr>
+                        <a:t>December</a:t>
+                      </a:r>
+                      <a:r>
+                        <a:rPr lang="pt-BR" sz="1800" b="0" i="0" kern="1200" dirty="0" smtClean="0">
+                          <a:solidFill>
+                            <a:schemeClr val="dk1"/>
+                          </a:solidFill>
+                          <a:effectLst/>
+                          <a:latin typeface="+mn-lt"/>
+                          <a:ea typeface="+mn-ea"/>
+                          <a:cs typeface="+mn-cs"/>
+                        </a:rPr>
+                        <a:t> 11, 2006)</a:t>
+                      </a:r>
+                    </a:p>
+                  </a:txBody>
+                  <a:tcPr/>
+                </a:tc>
+                <a:tc>
+                  <a:txBody>
+                    <a:bodyPr/>
+                    <a:lstStyle/>
+                    <a:p>
+                      <a:r>
+                        <a:rPr lang="pt-BR" sz="1800" b="0" i="0" kern="1200" dirty="0" err="1" smtClean="0">
+                          <a:solidFill>
+                            <a:schemeClr val="dk1"/>
+                          </a:solidFill>
+                          <a:effectLst/>
+                          <a:latin typeface="+mn-lt"/>
+                          <a:ea typeface="+mn-ea"/>
+                          <a:cs typeface="+mn-cs"/>
+                        </a:rPr>
+                        <a:t>Mustang</a:t>
+                      </a:r>
+                      <a:endParaRPr lang="pt-BR" sz="1800" b="0" dirty="0"/>
+                    </a:p>
+                  </a:txBody>
+                  <a:tcPr/>
+                </a:tc>
+              </a:tr>
+              <a:tr h="370840">
+                <a:tc gridSpan="2">
+                  <a:txBody>
+                    <a:bodyPr/>
+                    <a:lstStyle/>
+                    <a:p>
+                      <a:pPr marL="0" marR="0" indent="0" algn="ctr" defTabSz="914400" rtl="0" eaLnBrk="1" fontAlgn="auto" latinLnBrk="0" hangingPunct="1">
+                        <a:lnSpc>
+                          <a:spcPct val="100000"/>
+                        </a:lnSpc>
+                        <a:spcBef>
+                          <a:spcPts val="0"/>
+                        </a:spcBef>
+                        <a:spcAft>
+                          <a:spcPts val="0"/>
+                        </a:spcAft>
+                        <a:buClrTx/>
+                        <a:buSzTx/>
+                        <a:buFontTx/>
+                        <a:buNone/>
+                        <a:tabLst/>
+                        <a:defRPr/>
+                      </a:pPr>
+                      <a:r>
+                        <a:rPr lang="pt-BR" sz="1800" b="0" i="0" kern="1200" dirty="0" smtClean="0">
+                          <a:solidFill>
+                            <a:schemeClr val="dk1"/>
+                          </a:solidFill>
+                          <a:effectLst/>
+                          <a:latin typeface="+mn-lt"/>
+                          <a:ea typeface="+mn-ea"/>
+                          <a:cs typeface="+mn-cs"/>
+                        </a:rPr>
+                        <a:t>--- Oracle---</a:t>
+                      </a:r>
+                      <a:r>
+                        <a:rPr lang="pt-BR" sz="1800" b="0" i="0" kern="1200" baseline="0" dirty="0" smtClean="0">
+                          <a:solidFill>
+                            <a:schemeClr val="dk1"/>
+                          </a:solidFill>
+                          <a:effectLst/>
+                          <a:latin typeface="+mn-lt"/>
+                          <a:ea typeface="+mn-ea"/>
+                          <a:cs typeface="+mn-cs"/>
+                        </a:rPr>
+                        <a:t> 2010</a:t>
+                      </a:r>
+                      <a:endParaRPr lang="pt-BR" sz="1800" b="0" i="0" kern="1200" dirty="0" smtClean="0">
+                        <a:solidFill>
+                          <a:schemeClr val="dk1"/>
+                        </a:solidFill>
+                        <a:effectLst/>
+                        <a:latin typeface="+mn-lt"/>
+                        <a:ea typeface="+mn-ea"/>
+                        <a:cs typeface="+mn-cs"/>
+                      </a:endParaRPr>
+                    </a:p>
+                  </a:txBody>
+                  <a:tcPr/>
+                </a:tc>
+                <a:tc hMerge="1">
+                  <a:txBody>
+                    <a:bodyPr/>
+                    <a:lstStyle/>
+                    <a:p>
+                      <a:endParaRPr lang="pt-BR" sz="1800" b="0" dirty="0"/>
+                    </a:p>
+                  </a:txBody>
+                  <a:tcPr/>
+                </a:tc>
+              </a:tr>
+              <a:tr h="370840">
+                <a:tc>
+                  <a:txBody>
+                    <a:bodyPr/>
+                    <a:lstStyle/>
+                    <a:p>
+                      <a:pPr marL="0" marR="0" indent="0" algn="l" defTabSz="914400" rtl="0" eaLnBrk="1" fontAlgn="auto" latinLnBrk="0" hangingPunct="1">
+                        <a:lnSpc>
+                          <a:spcPct val="100000"/>
+                        </a:lnSpc>
+                        <a:spcBef>
+                          <a:spcPts val="0"/>
+                        </a:spcBef>
+                        <a:spcAft>
+                          <a:spcPts val="0"/>
+                        </a:spcAft>
+                        <a:buClrTx/>
+                        <a:buSzTx/>
+                        <a:buFontTx/>
+                        <a:buNone/>
+                        <a:tabLst/>
+                        <a:defRPr/>
+                      </a:pPr>
+                      <a:r>
+                        <a:rPr lang="pt-BR" sz="1800" b="0" i="0" kern="1200" dirty="0" smtClean="0">
+                          <a:solidFill>
+                            <a:schemeClr val="dk1"/>
+                          </a:solidFill>
+                          <a:effectLst/>
+                          <a:latin typeface="+mn-lt"/>
+                          <a:ea typeface="+mn-ea"/>
+                          <a:cs typeface="+mn-cs"/>
+                        </a:rPr>
+                        <a:t>Java SE 7 (July 28, 2011)</a:t>
+                      </a:r>
+                    </a:p>
+                  </a:txBody>
+                  <a:tcPr/>
+                </a:tc>
+                <a:tc>
+                  <a:txBody>
+                    <a:bodyPr/>
+                    <a:lstStyle/>
+                    <a:p>
+                      <a:r>
+                        <a:rPr lang="pt-BR" sz="1800" b="0" i="1" kern="1200" dirty="0" err="1" smtClean="0">
+                          <a:solidFill>
+                            <a:schemeClr val="dk1"/>
+                          </a:solidFill>
+                          <a:effectLst/>
+                          <a:latin typeface="+mn-lt"/>
+                          <a:ea typeface="+mn-ea"/>
+                          <a:cs typeface="+mn-cs"/>
+                        </a:rPr>
+                        <a:t>Dolphin</a:t>
+                      </a:r>
+                      <a:endParaRPr lang="pt-BR" sz="1800" b="0" dirty="0"/>
+                    </a:p>
+                  </a:txBody>
+                  <a:tcPr/>
+                </a:tc>
+              </a:tr>
+              <a:tr h="370840">
+                <a:tc>
+                  <a:txBody>
+                    <a:bodyPr/>
+                    <a:lstStyle/>
+                    <a:p>
+                      <a:pPr marL="0" marR="0" indent="0" algn="l" defTabSz="914400" rtl="0" eaLnBrk="1" fontAlgn="auto" latinLnBrk="0" hangingPunct="1">
+                        <a:lnSpc>
+                          <a:spcPct val="100000"/>
+                        </a:lnSpc>
+                        <a:spcBef>
+                          <a:spcPts val="0"/>
+                        </a:spcBef>
+                        <a:spcAft>
+                          <a:spcPts val="0"/>
+                        </a:spcAft>
+                        <a:buClrTx/>
+                        <a:buSzTx/>
+                        <a:buFontTx/>
+                        <a:buNone/>
+                        <a:tabLst/>
+                        <a:defRPr/>
+                      </a:pPr>
+                      <a:r>
+                        <a:rPr lang="pt-BR" sz="1800" b="0" i="0" kern="1200" dirty="0" smtClean="0">
+                          <a:solidFill>
+                            <a:schemeClr val="dk1"/>
+                          </a:solidFill>
+                          <a:effectLst/>
+                          <a:latin typeface="+mn-lt"/>
+                          <a:ea typeface="+mn-ea"/>
+                          <a:cs typeface="+mn-cs"/>
+                        </a:rPr>
+                        <a:t>Java SE 8 (</a:t>
+                      </a:r>
+                      <a:r>
+                        <a:rPr lang="pt-BR" sz="1800" b="0" i="0" kern="1200" dirty="0" err="1" smtClean="0">
+                          <a:solidFill>
+                            <a:schemeClr val="dk1"/>
+                          </a:solidFill>
+                          <a:effectLst/>
+                          <a:latin typeface="+mn-lt"/>
+                          <a:ea typeface="+mn-ea"/>
+                          <a:cs typeface="+mn-cs"/>
+                        </a:rPr>
+                        <a:t>March</a:t>
+                      </a:r>
+                      <a:r>
+                        <a:rPr lang="pt-BR" sz="1800" b="0" i="0" kern="1200" dirty="0" smtClean="0">
+                          <a:solidFill>
+                            <a:schemeClr val="dk1"/>
+                          </a:solidFill>
+                          <a:effectLst/>
+                          <a:latin typeface="+mn-lt"/>
+                          <a:ea typeface="+mn-ea"/>
+                          <a:cs typeface="+mn-cs"/>
+                        </a:rPr>
+                        <a:t> 18, 2014)</a:t>
+                      </a:r>
+                    </a:p>
+                  </a:txBody>
+                  <a:tcPr/>
+                </a:tc>
+                <a:tc>
+                  <a:txBody>
+                    <a:bodyPr/>
+                    <a:lstStyle/>
+                    <a:p>
+                      <a:endParaRPr lang="pt-BR" sz="1800" b="0" dirty="0"/>
+                    </a:p>
+                  </a:txBody>
+                  <a:tcPr/>
+                </a:tc>
+              </a:tr>
+            </a:tbl>
+          </a:graphicData>
+        </a:graphic>
+      </p:graphicFrame>
+    </p:spTree>
+    <p:extLst>
+      <p:ext uri="{BB962C8B-B14F-4D97-AF65-F5344CB8AC3E}">
+        <p14:creationId xmlns:p14="http://schemas.microsoft.com/office/powerpoint/2010/main" val="960314418"/>
+      </p:ext>
+    </p:extLst>
+  </p:cSld>
+  <p:clrMapOvr>
+    <a:masterClrMapping/>
+  </p:clrMapOvr>
+  <p:timing>
+    <p:tnLst>
+      <p:par>
+        <p:cTn id="1" dur="indefinite" restart="never" nodeType="tmRoot"/>
+      </p:par>
+    </p:tnLst>
+  </p:timing>
+</p:sld>
+</file>
+
+<file path=ppt/slides/slide12.xml><?xml version="1.0" encoding="utf-8"?>
+<p:sld xmlns:a="http://schemas.openxmlformats.org/drawingml/2006/main" xmlns:r="http://schemas.openxmlformats.org/officeDocument/2006/relationships" xmlns:p="http://schemas.openxmlformats.org/presentationml/2006/main">
+  <p:cSld>
+    <p:spTree>
+      <p:nvGrpSpPr>
+        <p:cNvPr id="1" name=""/>
+        <p:cNvGrpSpPr/>
+        <p:nvPr/>
+      </p:nvGrpSpPr>
+      <p:grpSpPr>
+        <a:xfrm>
+          <a:off x="0" y="0"/>
+          <a:ext cx="0" cy="0"/>
+          <a:chOff x="0" y="0"/>
+          <a:chExt cx="0" cy="0"/>
+        </a:xfrm>
+      </p:grpSpPr>
+      <p:sp>
+        <p:nvSpPr>
+          <p:cNvPr id="2" name="Título 1"/>
+          <p:cNvSpPr>
+            <a:spLocks noGrp="1"/>
+          </p:cNvSpPr>
+          <p:nvPr>
+            <p:ph type="title"/>
+          </p:nvPr>
+        </p:nvSpPr>
+        <p:spPr/>
+        <p:txBody>
+          <a:bodyPr>
+            <a:normAutofit/>
+          </a:bodyPr>
+          <a:lstStyle/>
+          <a:p>
+            <a:r>
+              <a:rPr lang="en-US" sz="1600" dirty="0"/>
+              <a:t>To promote and support community involvement in the development, adoption and evangelism of </a:t>
+            </a:r>
+            <a:r>
+              <a:rPr lang="en-US" sz="1600" dirty="0" err="1"/>
+              <a:t>OpenJDK</a:t>
+            </a:r>
+            <a:r>
+              <a:rPr lang="en-US" sz="1600" dirty="0"/>
+              <a:t> projects</a:t>
+            </a:r>
+            <a:endParaRPr lang="pt-BR" sz="1600" dirty="0"/>
+          </a:p>
+        </p:txBody>
+      </p:sp>
+      <p:sp>
+        <p:nvSpPr>
+          <p:cNvPr id="3" name="Espaço Reservado para Conteúdo 2"/>
+          <p:cNvSpPr>
+            <a:spLocks noGrp="1"/>
+          </p:cNvSpPr>
+          <p:nvPr>
+            <p:ph idx="1"/>
+          </p:nvPr>
+        </p:nvSpPr>
+        <p:spPr/>
+        <p:txBody>
+          <a:bodyPr/>
+          <a:lstStyle/>
+          <a:p>
+            <a:endParaRPr lang="pt-BR"/>
+          </a:p>
+        </p:txBody>
+      </p:sp>
+      <p:pic>
+        <p:nvPicPr>
+          <p:cNvPr id="2051" name="Picture 3"/>
+          <p:cNvPicPr>
+            <a:picLocks noChangeAspect="1" noChangeArrowheads="1"/>
+          </p:cNvPicPr>
+          <p:nvPr/>
+        </p:nvPicPr>
+        <p:blipFill>
+          <a:blip r:embed="rId2">
+            <a:extLst>
+              <a:ext uri="{28A0092B-C50C-407E-A947-70E740481C1C}">
+                <a14:useLocalDpi xmlns:a14="http://schemas.microsoft.com/office/drawing/2010/main" val="0"/>
+              </a:ext>
+            </a:extLst>
+          </a:blip>
+          <a:srcRect/>
+          <a:stretch>
+            <a:fillRect/>
+          </a:stretch>
+        </p:blipFill>
+        <p:spPr bwMode="auto">
+          <a:xfrm>
+            <a:off x="504056" y="2276872"/>
+            <a:ext cx="8172400" cy="3805412"/>
+          </a:xfrm>
+          <a:prstGeom prst="rect">
+            <a:avLst/>
+          </a:prstGeom>
+          <a:noFill/>
+          <a:ln>
+            <a:noFill/>
+          </a:ln>
+          <a:extLst>
+            <a:ext uri="{909E8E84-426E-40DD-AFC4-6F175D3DCCD1}">
+              <a14:hiddenFill xmlns:a14="http://schemas.microsoft.com/office/drawing/2010/main">
+                <a:solidFill>
+                  <a:schemeClr val="accent1"/>
+                </a:solidFill>
+              </a14:hiddenFill>
+            </a:ext>
+            <a:ext uri="{91240B29-F687-4F45-9708-019B960494DF}">
+              <a14:hiddenLine xmlns:a14="http://schemas.microsoft.com/office/drawing/2010/main" w="9525">
+                <a:solidFill>
+                  <a:schemeClr val="tx1"/>
+                </a:solidFill>
+                <a:miter lim="800000"/>
+                <a:headEnd/>
+                <a:tailEnd/>
+              </a14:hiddenLine>
+            </a:ext>
+          </a:extLst>
+        </p:spPr>
+      </p:pic>
+    </p:spTree>
+    <p:extLst>
+      <p:ext uri="{BB962C8B-B14F-4D97-AF65-F5344CB8AC3E}">
+        <p14:creationId xmlns:p14="http://schemas.microsoft.com/office/powerpoint/2010/main" val="2694923220"/>
+      </p:ext>
+    </p:extLst>
+  </p:cSld>
+  <p:clrMapOvr>
+    <a:masterClrMapping/>
+  </p:clrMapOvr>
+  <p:timing>
+    <p:tnLst>
+      <p:par>
+        <p:cTn id="1" dur="indefinite" restart="never" nodeType="tmRoot"/>
+      </p:par>
+    </p:tnLst>
+  </p:timing>
+</p:sld>
+</file>
+
+<file path=ppt/slides/slide13.xml><?xml version="1.0" encoding="utf-8"?>
+<p:sld xmlns:a="http://schemas.openxmlformats.org/drawingml/2006/main" xmlns:r="http://schemas.openxmlformats.org/officeDocument/2006/relationships" xmlns:p="http://schemas.openxmlformats.org/presentationml/2006/main">
+  <p:cSld>
+    <p:spTree>
+      <p:nvGrpSpPr>
+        <p:cNvPr id="1" name=""/>
+        <p:cNvGrpSpPr/>
+        <p:nvPr/>
+      </p:nvGrpSpPr>
+      <p:grpSpPr>
+        <a:xfrm>
+          <a:off x="0" y="0"/>
+          <a:ext cx="0" cy="0"/>
+          <a:chOff x="0" y="0"/>
+          <a:chExt cx="0" cy="0"/>
+        </a:xfrm>
+      </p:grpSpPr>
+      <p:sp>
+        <p:nvSpPr>
+          <p:cNvPr id="2" name="Título 1"/>
+          <p:cNvSpPr>
+            <a:spLocks noGrp="1"/>
+          </p:cNvSpPr>
+          <p:nvPr>
+            <p:ph type="ctrTitle"/>
+          </p:nvPr>
+        </p:nvSpPr>
+        <p:spPr/>
+        <p:txBody>
+          <a:bodyPr>
+            <a:normAutofit/>
+          </a:bodyPr>
+          <a:lstStyle/>
+          <a:p>
+            <a:r>
+              <a:rPr lang="pt-BR" dirty="0" smtClean="0"/>
+              <a:t>Presente</a:t>
+            </a:r>
+            <a:endParaRPr lang="pt-BR" dirty="0"/>
+          </a:p>
+        </p:txBody>
+      </p:sp>
+      <p:sp>
+        <p:nvSpPr>
+          <p:cNvPr id="4" name="Espaço Reservado para Conteúdo 3"/>
+          <p:cNvSpPr>
+            <a:spLocks noGrp="1"/>
+          </p:cNvSpPr>
+          <p:nvPr>
+            <p:ph type="subTitle" idx="1"/>
+          </p:nvPr>
+        </p:nvSpPr>
+        <p:spPr/>
+        <p:txBody>
+          <a:bodyPr/>
+          <a:lstStyle/>
+          <a:p>
+            <a:r>
+              <a:rPr lang="pt-BR" dirty="0" smtClean="0"/>
+              <a:t>Java hoje</a:t>
+            </a:r>
+            <a:endParaRPr lang="pt-BR" dirty="0"/>
+          </a:p>
+        </p:txBody>
+      </p:sp>
+    </p:spTree>
+    <p:extLst>
+      <p:ext uri="{BB962C8B-B14F-4D97-AF65-F5344CB8AC3E}">
+        <p14:creationId xmlns:p14="http://schemas.microsoft.com/office/powerpoint/2010/main" val="899771645"/>
+      </p:ext>
+    </p:extLst>
+  </p:cSld>
+  <p:clrMapOvr>
+    <a:masterClrMapping/>
+  </p:clrMapOvr>
+  <p:timing>
+    <p:tnLst>
+      <p:par>
+        <p:cTn id="1" dur="indefinite" restart="never" nodeType="tmRoot"/>
+      </p:par>
+    </p:tnLst>
+  </p:timing>
+</p:sld>
+</file>
+
+<file path=ppt/slides/slide14.xml><?xml version="1.0" encoding="utf-8"?>
+<p:sld xmlns:a="http://schemas.openxmlformats.org/drawingml/2006/main" xmlns:r="http://schemas.openxmlformats.org/officeDocument/2006/relationships" xmlns:p="http://schemas.openxmlformats.org/presentationml/2006/main">
+  <p:cSld>
+    <p:spTree>
+      <p:nvGrpSpPr>
+        <p:cNvPr id="1" name=""/>
+        <p:cNvGrpSpPr/>
+        <p:nvPr/>
+      </p:nvGrpSpPr>
+      <p:grpSpPr>
+        <a:xfrm>
+          <a:off x="0" y="0"/>
+          <a:ext cx="0" cy="0"/>
+          <a:chOff x="0" y="0"/>
+          <a:chExt cx="0" cy="0"/>
+        </a:xfrm>
+      </p:grpSpPr>
+      <p:sp>
+        <p:nvSpPr>
+          <p:cNvPr id="2" name="Título 1"/>
+          <p:cNvSpPr>
+            <a:spLocks noGrp="1"/>
+          </p:cNvSpPr>
+          <p:nvPr>
+            <p:ph type="title"/>
+          </p:nvPr>
+        </p:nvSpPr>
+        <p:spPr/>
+        <p:txBody>
+          <a:bodyPr>
+            <a:normAutofit/>
+          </a:bodyPr>
+          <a:lstStyle/>
+          <a:p>
+            <a:r>
+              <a:rPr lang="pt-BR" dirty="0" smtClean="0"/>
+              <a:t>JCP e JSR</a:t>
+            </a:r>
+            <a:endParaRPr lang="pt-BR" dirty="0"/>
+          </a:p>
+        </p:txBody>
+      </p:sp>
+      <p:sp>
+        <p:nvSpPr>
+          <p:cNvPr id="4" name="Espaço Reservado para Conteúdo 3"/>
+          <p:cNvSpPr>
+            <a:spLocks noGrp="1"/>
+          </p:cNvSpPr>
+          <p:nvPr>
+            <p:ph idx="1"/>
+          </p:nvPr>
+        </p:nvSpPr>
+        <p:spPr/>
+        <p:txBody>
+          <a:bodyPr>
+            <a:normAutofit fontScale="92500" lnSpcReduction="10000"/>
+          </a:bodyPr>
+          <a:lstStyle/>
+          <a:p>
+            <a:r>
+              <a:rPr lang="en-US" dirty="0"/>
+              <a:t>Welcome to jcp.org, home of the Java Community </a:t>
+            </a:r>
+            <a:r>
+              <a:rPr lang="en-US" dirty="0" err="1"/>
+              <a:t>Process</a:t>
+            </a:r>
+            <a:r>
+              <a:rPr lang="en-US" baseline="30000" dirty="0" err="1"/>
+              <a:t>SM</a:t>
+            </a:r>
+            <a:r>
+              <a:rPr lang="en-US" dirty="0"/>
+              <a:t> (JCP</a:t>
+            </a:r>
+            <a:r>
+              <a:rPr lang="en-US" baseline="30000" dirty="0"/>
+              <a:t>SM</a:t>
+            </a:r>
+            <a:r>
+              <a:rPr lang="en-US" dirty="0"/>
+              <a:t>) Program. The JCP is the mechanism for developing standard technical specifications for Java technology. Anyone can register for the site and participate in reviewing and providing feedback for the Java Specification Requests (JSRs), and anyone can sign up to become a JCP Member and then participate on the Expert Group of a JSR or even submit their own JSR Proposals.</a:t>
+            </a:r>
+            <a:endParaRPr lang="pt-BR" dirty="0"/>
+          </a:p>
+        </p:txBody>
+      </p:sp>
+    </p:spTree>
+    <p:extLst>
+      <p:ext uri="{BB962C8B-B14F-4D97-AF65-F5344CB8AC3E}">
+        <p14:creationId xmlns:p14="http://schemas.microsoft.com/office/powerpoint/2010/main" val="3289232690"/>
+      </p:ext>
+    </p:extLst>
+  </p:cSld>
+  <p:clrMapOvr>
+    <a:masterClrMapping/>
+  </p:clrMapOvr>
+  <p:timing>
+    <p:tnLst>
+      <p:par>
+        <p:cTn id="1" dur="indefinite" restart="never" nodeType="tmRoot"/>
+      </p:par>
+    </p:tnLst>
+  </p:timing>
+</p:sld>
+</file>
+
+<file path=ppt/slides/slide15.xml><?xml version="1.0" encoding="utf-8"?>
+<p:sld xmlns:a="http://schemas.openxmlformats.org/drawingml/2006/main" xmlns:r="http://schemas.openxmlformats.org/officeDocument/2006/relationships" xmlns:p="http://schemas.openxmlformats.org/presentationml/2006/main">
+  <p:cSld>
+    <p:spTree>
+      <p:nvGrpSpPr>
+        <p:cNvPr id="1" name=""/>
+        <p:cNvGrpSpPr/>
+        <p:nvPr/>
+      </p:nvGrpSpPr>
+      <p:grpSpPr>
+        <a:xfrm>
+          <a:off x="0" y="0"/>
+          <a:ext cx="0" cy="0"/>
+          <a:chOff x="0" y="0"/>
+          <a:chExt cx="0" cy="0"/>
+        </a:xfrm>
+      </p:grpSpPr>
+      <p:sp>
+        <p:nvSpPr>
+          <p:cNvPr id="2" name="Título 1"/>
+          <p:cNvSpPr>
+            <a:spLocks noGrp="1"/>
+          </p:cNvSpPr>
+          <p:nvPr>
+            <p:ph type="title"/>
+          </p:nvPr>
+        </p:nvSpPr>
+        <p:spPr/>
+        <p:txBody>
+          <a:bodyPr>
+            <a:normAutofit/>
+          </a:bodyPr>
+          <a:lstStyle/>
+          <a:p>
+            <a:r>
+              <a:rPr lang="pt-BR" dirty="0"/>
+              <a:t>JDK </a:t>
+            </a:r>
+            <a:r>
+              <a:rPr lang="pt-BR" dirty="0" err="1"/>
+              <a:t>Enhancement</a:t>
+            </a:r>
+            <a:r>
+              <a:rPr lang="pt-BR" dirty="0"/>
+              <a:t> </a:t>
+            </a:r>
+            <a:r>
+              <a:rPr lang="pt-BR" dirty="0" err="1" smtClean="0"/>
+              <a:t>Proposal</a:t>
+            </a:r>
+            <a:endParaRPr lang="pt-BR" dirty="0"/>
+          </a:p>
+        </p:txBody>
+      </p:sp>
+      <p:sp>
+        <p:nvSpPr>
+          <p:cNvPr id="4" name="Espaço Reservado para Conteúdo 3"/>
+          <p:cNvSpPr>
+            <a:spLocks noGrp="1"/>
+          </p:cNvSpPr>
+          <p:nvPr>
+            <p:ph idx="1"/>
+          </p:nvPr>
+        </p:nvSpPr>
+        <p:spPr/>
+        <p:txBody>
+          <a:bodyPr>
+            <a:normAutofit/>
+          </a:bodyPr>
+          <a:lstStyle/>
+          <a:p>
+            <a:r>
+              <a:rPr lang="en-US" dirty="0"/>
+              <a:t>The </a:t>
+            </a:r>
+            <a:r>
+              <a:rPr lang="en-US" b="1" dirty="0"/>
+              <a:t>JDK Enhancement Proposal</a:t>
+            </a:r>
+            <a:r>
+              <a:rPr lang="en-US" dirty="0"/>
+              <a:t> (or </a:t>
+            </a:r>
+            <a:r>
+              <a:rPr lang="en-US" b="1" dirty="0"/>
+              <a:t>JEP</a:t>
+            </a:r>
+            <a:r>
+              <a:rPr lang="en-US" dirty="0"/>
+              <a:t>) is a process drafted by </a:t>
+            </a:r>
+            <a:r>
+              <a:rPr lang="en-US" dirty="0" smtClean="0"/>
+              <a:t>Oracle Corporation</a:t>
+            </a:r>
+            <a:r>
+              <a:rPr lang="en-US" dirty="0"/>
+              <a:t> for collecting proposals for enhancements to </a:t>
+            </a:r>
+            <a:r>
+              <a:rPr lang="en-US" dirty="0" smtClean="0"/>
+              <a:t>the Java Development Kit</a:t>
+            </a:r>
+            <a:r>
+              <a:rPr lang="en-US" dirty="0"/>
+              <a:t> </a:t>
+            </a:r>
+            <a:r>
+              <a:rPr lang="en-US" dirty="0" smtClean="0"/>
+              <a:t>and</a:t>
+            </a:r>
+            <a:r>
+              <a:rPr lang="en-US" dirty="0"/>
+              <a:t> </a:t>
+            </a:r>
+            <a:r>
+              <a:rPr lang="en-US" dirty="0" err="1" smtClean="0"/>
+              <a:t>OpenDK</a:t>
+            </a:r>
+            <a:r>
+              <a:rPr lang="en-US" dirty="0" smtClean="0"/>
+              <a:t>.</a:t>
+            </a:r>
+            <a:endParaRPr lang="pt-BR" dirty="0"/>
+          </a:p>
+        </p:txBody>
+      </p:sp>
+    </p:spTree>
+    <p:extLst>
+      <p:ext uri="{BB962C8B-B14F-4D97-AF65-F5344CB8AC3E}">
+        <p14:creationId xmlns:p14="http://schemas.microsoft.com/office/powerpoint/2010/main" val="264998169"/>
+      </p:ext>
+    </p:extLst>
+  </p:cSld>
+  <p:clrMapOvr>
+    <a:masterClrMapping/>
+  </p:clrMapOvr>
+  <p:timing>
+    <p:tnLst>
+      <p:par>
+        <p:cTn id="1" dur="indefinite" restart="never" nodeType="tmRoot"/>
+      </p:par>
+    </p:tnLst>
+  </p:timing>
+</p:sld>
+</file>
+
+<file path=ppt/slides/slide16.xml><?xml version="1.0" encoding="utf-8"?>
+<p:sld xmlns:a="http://schemas.openxmlformats.org/drawingml/2006/main" xmlns:r="http://schemas.openxmlformats.org/officeDocument/2006/relationships" xmlns:p="http://schemas.openxmlformats.org/presentationml/2006/main">
+  <p:cSld>
+    <p:spTree>
+      <p:nvGrpSpPr>
+        <p:cNvPr id="1" name=""/>
+        <p:cNvGrpSpPr/>
+        <p:nvPr/>
+      </p:nvGrpSpPr>
+      <p:grpSpPr>
+        <a:xfrm>
+          <a:off x="0" y="0"/>
+          <a:ext cx="0" cy="0"/>
+          <a:chOff x="0" y="0"/>
+          <a:chExt cx="0" cy="0"/>
+        </a:xfrm>
+      </p:grpSpPr>
+      <p:sp>
+        <p:nvSpPr>
+          <p:cNvPr id="2" name="Título 1"/>
+          <p:cNvSpPr>
+            <a:spLocks noGrp="1"/>
+          </p:cNvSpPr>
+          <p:nvPr>
+            <p:ph type="title"/>
+          </p:nvPr>
+        </p:nvSpPr>
+        <p:spPr/>
+        <p:txBody>
+          <a:bodyPr>
+            <a:normAutofit fontScale="90000"/>
+          </a:bodyPr>
+          <a:lstStyle/>
+          <a:p>
+            <a:r>
+              <a:rPr lang="pt-BR" dirty="0" smtClean="0"/>
+              <a:t>Meta-circular</a:t>
+            </a:r>
+            <a:r>
+              <a:rPr lang="pt-BR" dirty="0" smtClean="0"/>
+              <a:t> / </a:t>
+            </a:r>
+            <a:r>
+              <a:rPr lang="pt-BR" dirty="0"/>
+              <a:t>Linguagens Dinâmicas </a:t>
+            </a:r>
+            <a:endParaRPr lang="pt-BR" dirty="0"/>
+          </a:p>
+        </p:txBody>
+      </p:sp>
+      <p:sp>
+        <p:nvSpPr>
+          <p:cNvPr id="4" name="Espaço Reservado para Conteúdo 3"/>
+          <p:cNvSpPr>
+            <a:spLocks noGrp="1"/>
+          </p:cNvSpPr>
+          <p:nvPr>
+            <p:ph idx="1"/>
+          </p:nvPr>
+        </p:nvSpPr>
+        <p:spPr/>
+        <p:txBody>
+          <a:bodyPr>
+            <a:normAutofit/>
+          </a:bodyPr>
+          <a:lstStyle/>
+          <a:p>
+            <a:r>
+              <a:rPr lang="en-US" dirty="0" smtClean="0"/>
+              <a:t>Maxine - JVM</a:t>
+            </a:r>
+          </a:p>
+          <a:p>
+            <a:r>
+              <a:rPr lang="en-US" dirty="0" err="1" smtClean="0"/>
+              <a:t>Graal</a:t>
+            </a:r>
+            <a:r>
+              <a:rPr lang="en-US" dirty="0" smtClean="0"/>
+              <a:t> VM – </a:t>
+            </a:r>
+            <a:r>
+              <a:rPr lang="en-US" dirty="0" err="1" smtClean="0"/>
+              <a:t>compilador</a:t>
+            </a:r>
+            <a:r>
+              <a:rPr lang="en-US" dirty="0" smtClean="0"/>
+              <a:t> e </a:t>
+            </a:r>
+            <a:r>
+              <a:rPr lang="en-US" dirty="0" err="1" smtClean="0"/>
+              <a:t>interpretador</a:t>
+            </a:r>
+            <a:endParaRPr lang="en-US" dirty="0" smtClean="0"/>
+          </a:p>
+          <a:p>
+            <a:r>
+              <a:rPr lang="en-US" dirty="0" err="1" smtClean="0"/>
+              <a:t>Jruby</a:t>
+            </a:r>
+            <a:endParaRPr lang="en-US" dirty="0" smtClean="0"/>
+          </a:p>
+          <a:p>
+            <a:r>
+              <a:rPr lang="en-US" dirty="0" err="1" smtClean="0"/>
+              <a:t>Jython</a:t>
+            </a:r>
+            <a:endParaRPr lang="en-US" dirty="0" smtClean="0"/>
+          </a:p>
+          <a:p>
+            <a:r>
+              <a:rPr lang="en-US" dirty="0" err="1" smtClean="0"/>
+              <a:t>Nashorn</a:t>
+            </a:r>
+            <a:endParaRPr lang="en-US" dirty="0" smtClean="0"/>
+          </a:p>
+          <a:p>
+            <a:r>
+              <a:rPr lang="en-US" dirty="0" smtClean="0"/>
+              <a:t>Scala</a:t>
+            </a:r>
+          </a:p>
+          <a:p>
+            <a:r>
+              <a:rPr lang="en-US" smtClean="0"/>
+              <a:t>Groovy</a:t>
+            </a:r>
+            <a:endParaRPr lang="pt-BR" dirty="0"/>
+          </a:p>
+        </p:txBody>
+      </p:sp>
+    </p:spTree>
+    <p:extLst>
+      <p:ext uri="{BB962C8B-B14F-4D97-AF65-F5344CB8AC3E}">
+        <p14:creationId xmlns:p14="http://schemas.microsoft.com/office/powerpoint/2010/main" val="4260718970"/>
+      </p:ext>
+    </p:extLst>
+  </p:cSld>
+  <p:clrMapOvr>
+    <a:masterClrMapping/>
+  </p:clrMapOvr>
+  <p:timing>
+    <p:tnLst>
+      <p:par>
+        <p:cTn id="1" dur="indefinite" restart="never" nodeType="tmRoot"/>
+      </p:par>
+    </p:tnLst>
+  </p:timing>
+</p:sld>
+</file>
+
+<file path=ppt/slides/slide17.xml><?xml version="1.0" encoding="utf-8"?>
+<p:sld xmlns:a="http://schemas.openxmlformats.org/drawingml/2006/main" xmlns:r="http://schemas.openxmlformats.org/officeDocument/2006/relationships" xmlns:p="http://schemas.openxmlformats.org/presentationml/2006/main">
+  <p:cSld>
+    <p:spTree>
+      <p:nvGrpSpPr>
+        <p:cNvPr id="1" name=""/>
+        <p:cNvGrpSpPr/>
+        <p:nvPr/>
+      </p:nvGrpSpPr>
+      <p:grpSpPr>
+        <a:xfrm>
+          <a:off x="0" y="0"/>
+          <a:ext cx="0" cy="0"/>
+          <a:chOff x="0" y="0"/>
+          <a:chExt cx="0" cy="0"/>
+        </a:xfrm>
+      </p:grpSpPr>
+      <p:sp>
+        <p:nvSpPr>
+          <p:cNvPr id="3" name="Espaço Reservado para Conteúdo 2"/>
+          <p:cNvSpPr>
+            <a:spLocks noGrp="1"/>
+          </p:cNvSpPr>
+          <p:nvPr>
+            <p:ph idx="1"/>
+          </p:nvPr>
+        </p:nvSpPr>
+        <p:spPr/>
+        <p:txBody>
+          <a:bodyPr/>
+          <a:lstStyle/>
+          <a:p>
+            <a:endParaRPr lang="pt-BR"/>
+          </a:p>
+        </p:txBody>
+      </p:sp>
+      <p:sp>
+        <p:nvSpPr>
+          <p:cNvPr id="4" name="Título 3"/>
+          <p:cNvSpPr>
+            <a:spLocks noGrp="1"/>
+          </p:cNvSpPr>
+          <p:nvPr>
+            <p:ph type="title"/>
+          </p:nvPr>
+        </p:nvSpPr>
+        <p:spPr/>
+        <p:txBody>
+          <a:bodyPr/>
+          <a:lstStyle/>
+          <a:p>
+            <a:endParaRPr lang="pt-BR"/>
+          </a:p>
+        </p:txBody>
+      </p:sp>
+      <p:pic>
+        <p:nvPicPr>
+          <p:cNvPr id="5123" name="Picture 3"/>
+          <p:cNvPicPr>
+            <a:picLocks noChangeAspect="1" noChangeArrowheads="1"/>
+          </p:cNvPicPr>
+          <p:nvPr/>
+        </p:nvPicPr>
+        <p:blipFill>
+          <a:blip r:embed="rId2">
+            <a:extLst>
+              <a:ext uri="{28A0092B-C50C-407E-A947-70E740481C1C}">
+                <a14:useLocalDpi xmlns:a14="http://schemas.microsoft.com/office/drawing/2010/main" val="0"/>
+              </a:ext>
+            </a:extLst>
+          </a:blip>
+          <a:srcRect/>
+          <a:stretch>
+            <a:fillRect/>
+          </a:stretch>
+        </p:blipFill>
+        <p:spPr bwMode="auto">
+          <a:xfrm>
+            <a:off x="1259632" y="729382"/>
+            <a:ext cx="6495676" cy="5795962"/>
+          </a:xfrm>
+          <a:prstGeom prst="rect">
+            <a:avLst/>
+          </a:prstGeom>
+          <a:noFill/>
+          <a:ln>
+            <a:noFill/>
+          </a:ln>
+          <a:extLst>
+            <a:ext uri="{909E8E84-426E-40DD-AFC4-6F175D3DCCD1}">
+              <a14:hiddenFill xmlns:a14="http://schemas.microsoft.com/office/drawing/2010/main">
+                <a:solidFill>
+                  <a:schemeClr val="accent1"/>
+                </a:solidFill>
+              </a14:hiddenFill>
+            </a:ext>
+            <a:ext uri="{91240B29-F687-4F45-9708-019B960494DF}">
+              <a14:hiddenLine xmlns:a14="http://schemas.microsoft.com/office/drawing/2010/main" w="9525">
+                <a:solidFill>
+                  <a:schemeClr val="tx1"/>
+                </a:solidFill>
+                <a:miter lim="800000"/>
+                <a:headEnd/>
+                <a:tailEnd/>
+              </a14:hiddenLine>
+            </a:ext>
+          </a:extLst>
+        </p:spPr>
+      </p:pic>
+    </p:spTree>
+    <p:extLst>
+      <p:ext uri="{BB962C8B-B14F-4D97-AF65-F5344CB8AC3E}">
+        <p14:creationId xmlns:p14="http://schemas.microsoft.com/office/powerpoint/2010/main" val="4053640432"/>
+      </p:ext>
+    </p:extLst>
+  </p:cSld>
+  <p:clrMapOvr>
+    <a:masterClrMapping/>
+  </p:clrMapOvr>
+  <p:timing>
+    <p:tnLst>
+      <p:par>
+        <p:cTn id="1" dur="indefinite" restart="never" nodeType="tmRoot"/>
+      </p:par>
+    </p:tnLst>
+  </p:timing>
+</p:sld>
+</file>
+
+<file path=ppt/slides/slide18.xml><?xml version="1.0" encoding="utf-8"?>
+<p:sld xmlns:a="http://schemas.openxmlformats.org/drawingml/2006/main" xmlns:r="http://schemas.openxmlformats.org/officeDocument/2006/relationships" xmlns:p="http://schemas.openxmlformats.org/presentationml/2006/main">
+  <p:cSld>
+    <p:spTree>
+      <p:nvGrpSpPr>
+        <p:cNvPr id="1" name=""/>
+        <p:cNvGrpSpPr/>
+        <p:nvPr/>
+      </p:nvGrpSpPr>
+      <p:grpSpPr>
+        <a:xfrm>
+          <a:off x="0" y="0"/>
+          <a:ext cx="0" cy="0"/>
+          <a:chOff x="0" y="0"/>
+          <a:chExt cx="0" cy="0"/>
+        </a:xfrm>
+      </p:grpSpPr>
+      <p:sp>
+        <p:nvSpPr>
+          <p:cNvPr id="3" name="Espaço Reservado para Conteúdo 2"/>
+          <p:cNvSpPr>
+            <a:spLocks noGrp="1"/>
+          </p:cNvSpPr>
+          <p:nvPr>
+            <p:ph idx="1"/>
+          </p:nvPr>
+        </p:nvSpPr>
+        <p:spPr/>
+        <p:txBody>
+          <a:bodyPr/>
+          <a:lstStyle/>
+          <a:p>
+            <a:endParaRPr lang="pt-BR"/>
+          </a:p>
+        </p:txBody>
+      </p:sp>
+      <p:sp>
+        <p:nvSpPr>
+          <p:cNvPr id="4" name="Título 3"/>
+          <p:cNvSpPr>
+            <a:spLocks noGrp="1"/>
+          </p:cNvSpPr>
+          <p:nvPr>
+            <p:ph type="title"/>
+          </p:nvPr>
+        </p:nvSpPr>
+        <p:spPr>
+          <a:xfrm>
+            <a:off x="1014493" y="404664"/>
+            <a:ext cx="4896662" cy="1143000"/>
+          </a:xfrm>
+        </p:spPr>
+        <p:txBody>
+          <a:bodyPr/>
+          <a:lstStyle/>
+          <a:p>
+            <a:r>
+              <a:rPr lang="pt-BR" dirty="0" smtClean="0"/>
+              <a:t>TIOB</a:t>
+            </a:r>
+            <a:endParaRPr lang="pt-BR" dirty="0"/>
+          </a:p>
+        </p:txBody>
+      </p:sp>
+      <p:pic>
+        <p:nvPicPr>
+          <p:cNvPr id="7170" name="Picture 2"/>
+          <p:cNvPicPr>
+            <a:picLocks noChangeAspect="1" noChangeArrowheads="1"/>
+          </p:cNvPicPr>
+          <p:nvPr/>
+        </p:nvPicPr>
+        <p:blipFill>
+          <a:blip r:embed="rId2">
+            <a:extLst>
+              <a:ext uri="{28A0092B-C50C-407E-A947-70E740481C1C}">
+                <a14:useLocalDpi xmlns:a14="http://schemas.microsoft.com/office/drawing/2010/main" val="0"/>
+              </a:ext>
+            </a:extLst>
+          </a:blip>
+          <a:srcRect/>
+          <a:stretch>
+            <a:fillRect/>
+          </a:stretch>
+        </p:blipFill>
+        <p:spPr bwMode="auto">
+          <a:xfrm>
+            <a:off x="1033462" y="1602829"/>
+            <a:ext cx="7077075" cy="4562475"/>
+          </a:xfrm>
+          <a:prstGeom prst="rect">
+            <a:avLst/>
+          </a:prstGeom>
+          <a:noFill/>
+          <a:ln>
+            <a:noFill/>
+          </a:ln>
+          <a:extLst>
+            <a:ext uri="{909E8E84-426E-40DD-AFC4-6F175D3DCCD1}">
+              <a14:hiddenFill xmlns:a14="http://schemas.microsoft.com/office/drawing/2010/main">
+                <a:solidFill>
+                  <a:schemeClr val="accent1"/>
+                </a:solidFill>
+              </a14:hiddenFill>
+            </a:ext>
+            <a:ext uri="{91240B29-F687-4F45-9708-019B960494DF}">
+              <a14:hiddenLine xmlns:a14="http://schemas.microsoft.com/office/drawing/2010/main" w="9525">
+                <a:solidFill>
+                  <a:schemeClr val="tx1"/>
+                </a:solidFill>
+                <a:miter lim="800000"/>
+                <a:headEnd/>
+                <a:tailEnd/>
+              </a14:hiddenLine>
+            </a:ext>
+          </a:extLst>
+        </p:spPr>
+      </p:pic>
+    </p:spTree>
+    <p:extLst>
+      <p:ext uri="{BB962C8B-B14F-4D97-AF65-F5344CB8AC3E}">
+        <p14:creationId xmlns:p14="http://schemas.microsoft.com/office/powerpoint/2010/main" val="3743232939"/>
+      </p:ext>
+    </p:extLst>
+  </p:cSld>
+  <p:clrMapOvr>
+    <a:masterClrMapping/>
+  </p:clrMapOvr>
+  <p:timing>
+    <p:tnLst>
+      <p:par>
+        <p:cTn id="1" dur="indefinite" restart="never" nodeType="tmRoot"/>
+      </p:par>
+    </p:tnLst>
+  </p:timing>
+</p:sld>
+</file>
+
+<file path=ppt/slides/slide19.xml><?xml version="1.0" encoding="utf-8"?>
+<p:sld xmlns:a="http://schemas.openxmlformats.org/drawingml/2006/main" xmlns:r="http://schemas.openxmlformats.org/officeDocument/2006/relationships" xmlns:p="http://schemas.openxmlformats.org/presentationml/2006/main">
+  <p:cSld>
+    <p:spTree>
+      <p:nvGrpSpPr>
+        <p:cNvPr id="1" name=""/>
+        <p:cNvGrpSpPr/>
+        <p:nvPr/>
+      </p:nvGrpSpPr>
+      <p:grpSpPr>
+        <a:xfrm>
+          <a:off x="0" y="0"/>
+          <a:ext cx="0" cy="0"/>
+          <a:chOff x="0" y="0"/>
+          <a:chExt cx="0" cy="0"/>
+        </a:xfrm>
+      </p:grpSpPr>
+      <p:sp>
+        <p:nvSpPr>
+          <p:cNvPr id="3" name="Espaço Reservado para Conteúdo 2"/>
+          <p:cNvSpPr>
+            <a:spLocks noGrp="1"/>
+          </p:cNvSpPr>
+          <p:nvPr>
+            <p:ph idx="1"/>
+          </p:nvPr>
+        </p:nvSpPr>
+        <p:spPr/>
+        <p:txBody>
+          <a:bodyPr/>
+          <a:lstStyle/>
+          <a:p>
+            <a:endParaRPr lang="pt-BR" dirty="0"/>
+          </a:p>
+        </p:txBody>
+      </p:sp>
+      <p:sp>
+        <p:nvSpPr>
+          <p:cNvPr id="4" name="Título 3"/>
+          <p:cNvSpPr>
+            <a:spLocks noGrp="1"/>
+          </p:cNvSpPr>
+          <p:nvPr>
+            <p:ph type="title"/>
+          </p:nvPr>
+        </p:nvSpPr>
+        <p:spPr>
+          <a:xfrm>
+            <a:off x="1014493" y="404664"/>
+            <a:ext cx="4896662" cy="1143000"/>
+          </a:xfrm>
+        </p:spPr>
+        <p:txBody>
+          <a:bodyPr/>
+          <a:lstStyle/>
+          <a:p>
+            <a:r>
+              <a:rPr lang="pt-BR" dirty="0" smtClean="0"/>
+              <a:t>IEEE</a:t>
+            </a:r>
+            <a:endParaRPr lang="pt-BR" dirty="0"/>
+          </a:p>
+        </p:txBody>
+      </p:sp>
+      <p:pic>
+        <p:nvPicPr>
+          <p:cNvPr id="8194" name="Picture 2" descr="http://imagens.canaltech.com.br/62104-Ranking-IEEE.png"/>
+          <p:cNvPicPr>
+            <a:picLocks noChangeAspect="1" noChangeArrowheads="1"/>
+          </p:cNvPicPr>
+          <p:nvPr/>
+        </p:nvPicPr>
+        <p:blipFill>
+          <a:blip r:embed="rId2">
+            <a:extLst>
+              <a:ext uri="{28A0092B-C50C-407E-A947-70E740481C1C}">
+                <a14:useLocalDpi xmlns:a14="http://schemas.microsoft.com/office/drawing/2010/main" val="0"/>
+              </a:ext>
+            </a:extLst>
+          </a:blip>
+          <a:srcRect/>
+          <a:stretch>
+            <a:fillRect/>
+          </a:stretch>
+        </p:blipFill>
+        <p:spPr bwMode="auto">
+          <a:xfrm>
+            <a:off x="1547664" y="1695797"/>
+            <a:ext cx="5915025" cy="4181475"/>
+          </a:xfrm>
+          <a:prstGeom prst="rect">
+            <a:avLst/>
+          </a:prstGeom>
+          <a:noFill/>
+          <a:extLst>
+            <a:ext uri="{909E8E84-426E-40DD-AFC4-6F175D3DCCD1}">
+              <a14:hiddenFill xmlns:a14="http://schemas.microsoft.com/office/drawing/2010/main">
+                <a:solidFill>
+                  <a:srgbClr val="FFFFFF"/>
+                </a:solidFill>
+              </a14:hiddenFill>
+            </a:ext>
+          </a:extLst>
+        </p:spPr>
+      </p:pic>
+    </p:spTree>
+    <p:extLst>
+      <p:ext uri="{BB962C8B-B14F-4D97-AF65-F5344CB8AC3E}">
+        <p14:creationId xmlns:p14="http://schemas.microsoft.com/office/powerpoint/2010/main" val="4175810858"/>
+      </p:ext>
+    </p:extLst>
+  </p:cSld>
+  <p:clrMapOvr>
+    <a:masterClrMapping/>
+  </p:clrMapOvr>
+  <p:timing>
+    <p:tnLst>
+      <p:par>
+        <p:cTn id="1" dur="indefinite" restart="never" nodeType="tmRoot"/>
+      </p:par>
+    </p:tnLst>
+  </p:timing>
 </p:sld>
 </file>
 
@@ -13856,6 +15990,1930 @@
     <p:extLst>
       <p:ext uri="{BB962C8B-B14F-4D97-AF65-F5344CB8AC3E}">
         <p14:creationId xmlns:p14="http://schemas.microsoft.com/office/powerpoint/2010/main" val="1912956617"/>
+      </p:ext>
+    </p:extLst>
+  </p:cSld>
+  <p:clrMapOvr>
+    <a:masterClrMapping/>
+  </p:clrMapOvr>
+  <p:timing>
+    <p:tnLst>
+      <p:par>
+        <p:cTn id="1" dur="indefinite" restart="never" nodeType="tmRoot"/>
+      </p:par>
+    </p:tnLst>
+  </p:timing>
+</p:sld>
+</file>
+
+<file path=ppt/slides/slide20.xml><?xml version="1.0" encoding="utf-8"?>
+<p:sld xmlns:a="http://schemas.openxmlformats.org/drawingml/2006/main" xmlns:r="http://schemas.openxmlformats.org/officeDocument/2006/relationships" xmlns:p="http://schemas.openxmlformats.org/presentationml/2006/main">
+  <p:cSld>
+    <p:spTree>
+      <p:nvGrpSpPr>
+        <p:cNvPr id="1" name=""/>
+        <p:cNvGrpSpPr/>
+        <p:nvPr/>
+      </p:nvGrpSpPr>
+      <p:grpSpPr>
+        <a:xfrm>
+          <a:off x="0" y="0"/>
+          <a:ext cx="0" cy="0"/>
+          <a:chOff x="0" y="0"/>
+          <a:chExt cx="0" cy="0"/>
+        </a:xfrm>
+      </p:grpSpPr>
+      <p:sp>
+        <p:nvSpPr>
+          <p:cNvPr id="2" name="Título 1"/>
+          <p:cNvSpPr>
+            <a:spLocks noGrp="1"/>
+          </p:cNvSpPr>
+          <p:nvPr>
+            <p:ph type="title"/>
+          </p:nvPr>
+        </p:nvSpPr>
+        <p:spPr/>
+        <p:txBody>
+          <a:bodyPr/>
+          <a:lstStyle/>
+          <a:p>
+            <a:r>
+              <a:rPr lang="pt-BR" dirty="0" smtClean="0"/>
+              <a:t>Radar </a:t>
+            </a:r>
+            <a:r>
+              <a:rPr lang="pt-BR" dirty="0" err="1" smtClean="0"/>
+              <a:t>thoughtworks</a:t>
+            </a:r>
+            <a:endParaRPr lang="pt-BR" dirty="0"/>
+          </a:p>
+        </p:txBody>
+      </p:sp>
+      <p:sp>
+        <p:nvSpPr>
+          <p:cNvPr id="3" name="Espaço Reservado para Conteúdo 2"/>
+          <p:cNvSpPr>
+            <a:spLocks noGrp="1"/>
+          </p:cNvSpPr>
+          <p:nvPr>
+            <p:ph idx="1"/>
+          </p:nvPr>
+        </p:nvSpPr>
+        <p:spPr/>
+        <p:txBody>
+          <a:bodyPr/>
+          <a:lstStyle/>
+          <a:p>
+            <a:endParaRPr lang="pt-BR"/>
+          </a:p>
+        </p:txBody>
+      </p:sp>
+      <p:pic>
+        <p:nvPicPr>
+          <p:cNvPr id="10242" name="Picture 2"/>
+          <p:cNvPicPr>
+            <a:picLocks noChangeAspect="1" noChangeArrowheads="1"/>
+          </p:cNvPicPr>
+          <p:nvPr/>
+        </p:nvPicPr>
+        <p:blipFill>
+          <a:blip r:embed="rId2">
+            <a:extLst>
+              <a:ext uri="{28A0092B-C50C-407E-A947-70E740481C1C}">
+                <a14:useLocalDpi xmlns:a14="http://schemas.microsoft.com/office/drawing/2010/main" val="0"/>
+              </a:ext>
+            </a:extLst>
+          </a:blip>
+          <a:srcRect/>
+          <a:stretch>
+            <a:fillRect/>
+          </a:stretch>
+        </p:blipFill>
+        <p:spPr bwMode="auto">
+          <a:xfrm>
+            <a:off x="288033" y="2260936"/>
+            <a:ext cx="8676455" cy="3688344"/>
+          </a:xfrm>
+          <a:prstGeom prst="rect">
+            <a:avLst/>
+          </a:prstGeom>
+          <a:noFill/>
+          <a:ln>
+            <a:noFill/>
+          </a:ln>
+          <a:extLst>
+            <a:ext uri="{909E8E84-426E-40DD-AFC4-6F175D3DCCD1}">
+              <a14:hiddenFill xmlns:a14="http://schemas.microsoft.com/office/drawing/2010/main">
+                <a:solidFill>
+                  <a:schemeClr val="accent1"/>
+                </a:solidFill>
+              </a14:hiddenFill>
+            </a:ext>
+            <a:ext uri="{91240B29-F687-4F45-9708-019B960494DF}">
+              <a14:hiddenLine xmlns:a14="http://schemas.microsoft.com/office/drawing/2010/main" w="9525">
+                <a:solidFill>
+                  <a:schemeClr val="tx1"/>
+                </a:solidFill>
+                <a:miter lim="800000"/>
+                <a:headEnd/>
+                <a:tailEnd/>
+              </a14:hiddenLine>
+            </a:ext>
+          </a:extLst>
+        </p:spPr>
+      </p:pic>
+    </p:spTree>
+    <p:extLst>
+      <p:ext uri="{BB962C8B-B14F-4D97-AF65-F5344CB8AC3E}">
+        <p14:creationId xmlns:p14="http://schemas.microsoft.com/office/powerpoint/2010/main" val="646288024"/>
+      </p:ext>
+    </p:extLst>
+  </p:cSld>
+  <p:clrMapOvr>
+    <a:masterClrMapping/>
+  </p:clrMapOvr>
+  <p:timing>
+    <p:tnLst>
+      <p:par>
+        <p:cTn id="1" dur="indefinite" restart="never" nodeType="tmRoot"/>
+      </p:par>
+    </p:tnLst>
+  </p:timing>
+</p:sld>
+</file>
+
+<file path=ppt/slides/slide21.xml><?xml version="1.0" encoding="utf-8"?>
+<p:sld xmlns:a="http://schemas.openxmlformats.org/drawingml/2006/main" xmlns:r="http://schemas.openxmlformats.org/officeDocument/2006/relationships" xmlns:p="http://schemas.openxmlformats.org/presentationml/2006/main">
+  <p:cSld>
+    <p:spTree>
+      <p:nvGrpSpPr>
+        <p:cNvPr id="1" name=""/>
+        <p:cNvGrpSpPr/>
+        <p:nvPr/>
+      </p:nvGrpSpPr>
+      <p:grpSpPr>
+        <a:xfrm>
+          <a:off x="0" y="0"/>
+          <a:ext cx="0" cy="0"/>
+          <a:chOff x="0" y="0"/>
+          <a:chExt cx="0" cy="0"/>
+        </a:xfrm>
+      </p:grpSpPr>
+      <p:sp>
+        <p:nvSpPr>
+          <p:cNvPr id="4" name="Título 3"/>
+          <p:cNvSpPr>
+            <a:spLocks noGrp="1"/>
+          </p:cNvSpPr>
+          <p:nvPr>
+            <p:ph type="ctrTitle"/>
+          </p:nvPr>
+        </p:nvSpPr>
+        <p:spPr/>
+        <p:txBody>
+          <a:bodyPr/>
+          <a:lstStyle/>
+          <a:p>
+            <a:r>
+              <a:rPr lang="pt-BR" dirty="0" smtClean="0"/>
+              <a:t>Mercado de Trabalho</a:t>
+            </a:r>
+            <a:endParaRPr lang="pt-BR" dirty="0"/>
+          </a:p>
+        </p:txBody>
+      </p:sp>
+      <p:sp>
+        <p:nvSpPr>
+          <p:cNvPr id="5" name="Subtítulo 4"/>
+          <p:cNvSpPr>
+            <a:spLocks noGrp="1"/>
+          </p:cNvSpPr>
+          <p:nvPr>
+            <p:ph type="subTitle" idx="1"/>
+          </p:nvPr>
+        </p:nvSpPr>
+        <p:spPr/>
+        <p:txBody>
+          <a:bodyPr/>
+          <a:lstStyle/>
+          <a:p>
+            <a:r>
+              <a:rPr lang="pt-BR" dirty="0" smtClean="0"/>
+              <a:t>No Brasil e no Mundo</a:t>
+            </a:r>
+            <a:endParaRPr lang="pt-BR" dirty="0"/>
+          </a:p>
+        </p:txBody>
+      </p:sp>
+    </p:spTree>
+    <p:extLst>
+      <p:ext uri="{BB962C8B-B14F-4D97-AF65-F5344CB8AC3E}">
+        <p14:creationId xmlns:p14="http://schemas.microsoft.com/office/powerpoint/2010/main" val="1598746975"/>
+      </p:ext>
+    </p:extLst>
+  </p:cSld>
+  <p:clrMapOvr>
+    <a:masterClrMapping/>
+  </p:clrMapOvr>
+</p:sld>
+</file>
+
+<file path=ppt/slides/slide22.xml><?xml version="1.0" encoding="utf-8"?>
+<p:sld xmlns:a="http://schemas.openxmlformats.org/drawingml/2006/main" xmlns:r="http://schemas.openxmlformats.org/officeDocument/2006/relationships" xmlns:p="http://schemas.openxmlformats.org/presentationml/2006/main">
+  <p:cSld>
+    <p:spTree>
+      <p:nvGrpSpPr>
+        <p:cNvPr id="1" name=""/>
+        <p:cNvGrpSpPr/>
+        <p:nvPr/>
+      </p:nvGrpSpPr>
+      <p:grpSpPr>
+        <a:xfrm>
+          <a:off x="0" y="0"/>
+          <a:ext cx="0" cy="0"/>
+          <a:chOff x="0" y="0"/>
+          <a:chExt cx="0" cy="0"/>
+        </a:xfrm>
+      </p:grpSpPr>
+      <p:sp>
+        <p:nvSpPr>
+          <p:cNvPr id="3" name="Espaço Reservado para Conteúdo 2"/>
+          <p:cNvSpPr>
+            <a:spLocks noGrp="1"/>
+          </p:cNvSpPr>
+          <p:nvPr>
+            <p:ph idx="1"/>
+          </p:nvPr>
+        </p:nvSpPr>
+        <p:spPr/>
+        <p:txBody>
+          <a:bodyPr/>
+          <a:lstStyle/>
+          <a:p>
+            <a:endParaRPr lang="pt-BR"/>
+          </a:p>
+        </p:txBody>
+      </p:sp>
+      <p:sp>
+        <p:nvSpPr>
+          <p:cNvPr id="4" name="Título 3"/>
+          <p:cNvSpPr>
+            <a:spLocks noGrp="1"/>
+          </p:cNvSpPr>
+          <p:nvPr>
+            <p:ph type="title"/>
+          </p:nvPr>
+        </p:nvSpPr>
+        <p:spPr/>
+        <p:txBody>
+          <a:bodyPr/>
+          <a:lstStyle/>
+          <a:p>
+            <a:endParaRPr lang="pt-BR"/>
+          </a:p>
+        </p:txBody>
+      </p:sp>
+      <p:pic>
+        <p:nvPicPr>
+          <p:cNvPr id="6146" name="Picture 2" descr="http://blog.newrelic.com/wp-content/uploads/Dice-chart1.jpg"/>
+          <p:cNvPicPr>
+            <a:picLocks noChangeAspect="1" noChangeArrowheads="1"/>
+          </p:cNvPicPr>
+          <p:nvPr/>
+        </p:nvPicPr>
+        <p:blipFill>
+          <a:blip r:embed="rId2">
+            <a:extLst>
+              <a:ext uri="{28A0092B-C50C-407E-A947-70E740481C1C}">
+                <a14:useLocalDpi xmlns:a14="http://schemas.microsoft.com/office/drawing/2010/main" val="0"/>
+              </a:ext>
+            </a:extLst>
+          </a:blip>
+          <a:srcRect/>
+          <a:stretch>
+            <a:fillRect/>
+          </a:stretch>
+        </p:blipFill>
+        <p:spPr bwMode="auto">
+          <a:xfrm>
+            <a:off x="1115615" y="980728"/>
+            <a:ext cx="7082197" cy="5472608"/>
+          </a:xfrm>
+          <a:prstGeom prst="rect">
+            <a:avLst/>
+          </a:prstGeom>
+          <a:noFill/>
+          <a:extLst>
+            <a:ext uri="{909E8E84-426E-40DD-AFC4-6F175D3DCCD1}">
+              <a14:hiddenFill xmlns:a14="http://schemas.microsoft.com/office/drawing/2010/main">
+                <a:solidFill>
+                  <a:srgbClr val="FFFFFF"/>
+                </a:solidFill>
+              </a14:hiddenFill>
+            </a:ext>
+          </a:extLst>
+        </p:spPr>
+      </p:pic>
+      <p:sp>
+        <p:nvSpPr>
+          <p:cNvPr id="6" name="Título 3"/>
+          <p:cNvSpPr txBox="1">
+            <a:spLocks/>
+          </p:cNvSpPr>
+          <p:nvPr/>
+        </p:nvSpPr>
+        <p:spPr>
+          <a:xfrm>
+            <a:off x="1014493" y="404664"/>
+            <a:ext cx="4896662" cy="1143000"/>
+          </a:xfrm>
+          <a:prstGeom prst="rect">
+            <a:avLst/>
+          </a:prstGeom>
+        </p:spPr>
+        <p:txBody>
+          <a:bodyPr vert="horz" lIns="91440" tIns="45720" rIns="91440" bIns="45720" rtlCol="0" anchor="b">
+            <a:normAutofit/>
+          </a:bodyPr>
+          <a:lstStyle>
+            <a:lvl1pPr algn="l" defTabSz="914400" rtl="0" eaLnBrk="1" latinLnBrk="0" hangingPunct="1">
+              <a:spcBef>
+                <a:spcPct val="0"/>
+              </a:spcBef>
+              <a:buNone/>
+              <a:defRPr sz="4000" kern="1200">
+                <a:solidFill>
+                  <a:schemeClr val="accent1"/>
+                </a:solidFill>
+                <a:latin typeface="+mj-lt"/>
+                <a:ea typeface="+mj-ea"/>
+                <a:cs typeface="+mj-cs"/>
+              </a:defRPr>
+            </a:lvl1pPr>
+            <a:lvl2pPr eaLnBrk="1" hangingPunct="1">
+              <a:defRPr>
+                <a:solidFill>
+                  <a:schemeClr val="tx2"/>
+                </a:solidFill>
+              </a:defRPr>
+            </a:lvl2pPr>
+            <a:lvl3pPr eaLnBrk="1" hangingPunct="1">
+              <a:defRPr>
+                <a:solidFill>
+                  <a:schemeClr val="tx2"/>
+                </a:solidFill>
+              </a:defRPr>
+            </a:lvl3pPr>
+            <a:lvl4pPr eaLnBrk="1" hangingPunct="1">
+              <a:defRPr>
+                <a:solidFill>
+                  <a:schemeClr val="tx2"/>
+                </a:solidFill>
+              </a:defRPr>
+            </a:lvl4pPr>
+            <a:lvl5pPr eaLnBrk="1" hangingPunct="1">
+              <a:defRPr>
+                <a:solidFill>
+                  <a:schemeClr val="tx2"/>
+                </a:solidFill>
+              </a:defRPr>
+            </a:lvl5pPr>
+            <a:lvl6pPr eaLnBrk="1" hangingPunct="1">
+              <a:defRPr>
+                <a:solidFill>
+                  <a:schemeClr val="tx2"/>
+                </a:solidFill>
+              </a:defRPr>
+            </a:lvl6pPr>
+            <a:lvl7pPr eaLnBrk="1" hangingPunct="1">
+              <a:defRPr>
+                <a:solidFill>
+                  <a:schemeClr val="tx2"/>
+                </a:solidFill>
+              </a:defRPr>
+            </a:lvl7pPr>
+            <a:lvl8pPr eaLnBrk="1" hangingPunct="1">
+              <a:defRPr>
+                <a:solidFill>
+                  <a:schemeClr val="tx2"/>
+                </a:solidFill>
+              </a:defRPr>
+            </a:lvl8pPr>
+            <a:lvl9pPr eaLnBrk="1" hangingPunct="1">
+              <a:defRPr>
+                <a:solidFill>
+                  <a:schemeClr val="tx2"/>
+                </a:solidFill>
+              </a:defRPr>
+            </a:lvl9pPr>
+          </a:lstStyle>
+          <a:p>
+            <a:r>
+              <a:rPr lang="pt-BR" dirty="0" smtClean="0"/>
+              <a:t>Dice.com</a:t>
+            </a:r>
+            <a:endParaRPr lang="pt-BR" dirty="0"/>
+          </a:p>
+        </p:txBody>
+      </p:sp>
+    </p:spTree>
+    <p:extLst>
+      <p:ext uri="{BB962C8B-B14F-4D97-AF65-F5344CB8AC3E}">
+        <p14:creationId xmlns:p14="http://schemas.microsoft.com/office/powerpoint/2010/main" val="3513376502"/>
+      </p:ext>
+    </p:extLst>
+  </p:cSld>
+  <p:clrMapOvr>
+    <a:masterClrMapping/>
+  </p:clrMapOvr>
+</p:sld>
+</file>
+
+<file path=ppt/slides/slide23.xml><?xml version="1.0" encoding="utf-8"?>
+<p:sld xmlns:a="http://schemas.openxmlformats.org/drawingml/2006/main" xmlns:r="http://schemas.openxmlformats.org/officeDocument/2006/relationships" xmlns:p="http://schemas.openxmlformats.org/presentationml/2006/main">
+  <p:cSld>
+    <p:spTree>
+      <p:nvGrpSpPr>
+        <p:cNvPr id="1" name=""/>
+        <p:cNvGrpSpPr/>
+        <p:nvPr/>
+      </p:nvGrpSpPr>
+      <p:grpSpPr>
+        <a:xfrm>
+          <a:off x="0" y="0"/>
+          <a:ext cx="0" cy="0"/>
+          <a:chOff x="0" y="0"/>
+          <a:chExt cx="0" cy="0"/>
+        </a:xfrm>
+      </p:grpSpPr>
+      <p:sp>
+        <p:nvSpPr>
+          <p:cNvPr id="3" name="Espaço Reservado para Conteúdo 2"/>
+          <p:cNvSpPr>
+            <a:spLocks noGrp="1"/>
+          </p:cNvSpPr>
+          <p:nvPr>
+            <p:ph idx="1"/>
+          </p:nvPr>
+        </p:nvSpPr>
+        <p:spPr/>
+        <p:txBody>
+          <a:bodyPr/>
+          <a:lstStyle/>
+          <a:p>
+            <a:endParaRPr lang="pt-BR" dirty="0"/>
+          </a:p>
+        </p:txBody>
+      </p:sp>
+      <p:sp>
+        <p:nvSpPr>
+          <p:cNvPr id="4" name="Título 3"/>
+          <p:cNvSpPr>
+            <a:spLocks noGrp="1"/>
+          </p:cNvSpPr>
+          <p:nvPr>
+            <p:ph type="title"/>
+          </p:nvPr>
+        </p:nvSpPr>
+        <p:spPr>
+          <a:xfrm>
+            <a:off x="1014493" y="404664"/>
+            <a:ext cx="4896662" cy="1143000"/>
+          </a:xfrm>
+        </p:spPr>
+        <p:txBody>
+          <a:bodyPr/>
+          <a:lstStyle/>
+          <a:p>
+            <a:r>
+              <a:rPr lang="pt-BR" dirty="0" smtClean="0"/>
+              <a:t>www.apinfo.com</a:t>
+            </a:r>
+            <a:endParaRPr lang="pt-BR" dirty="0"/>
+          </a:p>
+        </p:txBody>
+      </p:sp>
+      <p:pic>
+        <p:nvPicPr>
+          <p:cNvPr id="9218" name="Picture 2"/>
+          <p:cNvPicPr>
+            <a:picLocks noChangeAspect="1" noChangeArrowheads="1"/>
+          </p:cNvPicPr>
+          <p:nvPr/>
+        </p:nvPicPr>
+        <p:blipFill>
+          <a:blip r:embed="rId2">
+            <a:extLst>
+              <a:ext uri="{28A0092B-C50C-407E-A947-70E740481C1C}">
+                <a14:useLocalDpi xmlns:a14="http://schemas.microsoft.com/office/drawing/2010/main" val="0"/>
+              </a:ext>
+            </a:extLst>
+          </a:blip>
+          <a:srcRect/>
+          <a:stretch>
+            <a:fillRect/>
+          </a:stretch>
+        </p:blipFill>
+        <p:spPr bwMode="auto">
+          <a:xfrm>
+            <a:off x="373882" y="1972154"/>
+            <a:ext cx="8446590" cy="3329054"/>
+          </a:xfrm>
+          <a:prstGeom prst="rect">
+            <a:avLst/>
+          </a:prstGeom>
+          <a:noFill/>
+          <a:ln>
+            <a:noFill/>
+          </a:ln>
+          <a:extLst>
+            <a:ext uri="{909E8E84-426E-40DD-AFC4-6F175D3DCCD1}">
+              <a14:hiddenFill xmlns:a14="http://schemas.microsoft.com/office/drawing/2010/main">
+                <a:solidFill>
+                  <a:schemeClr val="accent1"/>
+                </a:solidFill>
+              </a14:hiddenFill>
+            </a:ext>
+            <a:ext uri="{91240B29-F687-4F45-9708-019B960494DF}">
+              <a14:hiddenLine xmlns:a14="http://schemas.microsoft.com/office/drawing/2010/main" w="9525">
+                <a:solidFill>
+                  <a:schemeClr val="tx1"/>
+                </a:solidFill>
+                <a:miter lim="800000"/>
+                <a:headEnd/>
+                <a:tailEnd/>
+              </a14:hiddenLine>
+            </a:ext>
+          </a:extLst>
+        </p:spPr>
+      </p:pic>
+    </p:spTree>
+    <p:extLst>
+      <p:ext uri="{BB962C8B-B14F-4D97-AF65-F5344CB8AC3E}">
+        <p14:creationId xmlns:p14="http://schemas.microsoft.com/office/powerpoint/2010/main" val="3166873597"/>
+      </p:ext>
+    </p:extLst>
+  </p:cSld>
+  <p:clrMapOvr>
+    <a:masterClrMapping/>
+  </p:clrMapOvr>
+</p:sld>
+</file>
+
+<file path=ppt/slides/slide24.xml><?xml version="1.0" encoding="utf-8"?>
+<p:sld xmlns:a="http://schemas.openxmlformats.org/drawingml/2006/main" xmlns:r="http://schemas.openxmlformats.org/officeDocument/2006/relationships" xmlns:p="http://schemas.openxmlformats.org/presentationml/2006/main">
+  <p:cSld>
+    <p:spTree>
+      <p:nvGrpSpPr>
+        <p:cNvPr id="1" name=""/>
+        <p:cNvGrpSpPr/>
+        <p:nvPr/>
+      </p:nvGrpSpPr>
+      <p:grpSpPr>
+        <a:xfrm>
+          <a:off x="0" y="0"/>
+          <a:ext cx="0" cy="0"/>
+          <a:chOff x="0" y="0"/>
+          <a:chExt cx="0" cy="0"/>
+        </a:xfrm>
+      </p:grpSpPr>
+      <p:sp>
+        <p:nvSpPr>
+          <p:cNvPr id="2" name="Título 1"/>
+          <p:cNvSpPr>
+            <a:spLocks noGrp="1"/>
+          </p:cNvSpPr>
+          <p:nvPr>
+            <p:ph type="title"/>
+          </p:nvPr>
+        </p:nvSpPr>
+        <p:spPr/>
+        <p:txBody>
+          <a:bodyPr>
+            <a:normAutofit/>
+          </a:bodyPr>
+          <a:lstStyle/>
+          <a:p>
+            <a:r>
+              <a:rPr lang="pt-BR" dirty="0" smtClean="0"/>
+              <a:t>Algumas empresas</a:t>
+            </a:r>
+            <a:endParaRPr lang="pt-BR" dirty="0"/>
+          </a:p>
+        </p:txBody>
+      </p:sp>
+      <p:sp>
+        <p:nvSpPr>
+          <p:cNvPr id="3" name="Espaço Reservado para Conteúdo 2"/>
+          <p:cNvSpPr>
+            <a:spLocks noGrp="1"/>
+          </p:cNvSpPr>
+          <p:nvPr>
+            <p:ph idx="1"/>
+          </p:nvPr>
+        </p:nvSpPr>
+        <p:spPr/>
+        <p:txBody>
+          <a:bodyPr/>
+          <a:lstStyle/>
+          <a:p>
+            <a:endParaRPr lang="pt-BR" dirty="0"/>
+          </a:p>
+        </p:txBody>
+      </p:sp>
+      <p:pic>
+        <p:nvPicPr>
+          <p:cNvPr id="11266" name="Picture 2" descr="Mitsubishi Logo"/>
+          <p:cNvPicPr>
+            <a:picLocks noChangeAspect="1" noChangeArrowheads="1"/>
+          </p:cNvPicPr>
+          <p:nvPr/>
+        </p:nvPicPr>
+        <p:blipFill>
+          <a:blip r:embed="rId2">
+            <a:extLst>
+              <a:ext uri="{28A0092B-C50C-407E-A947-70E740481C1C}">
+                <a14:useLocalDpi xmlns:a14="http://schemas.microsoft.com/office/drawing/2010/main" val="0"/>
+              </a:ext>
+            </a:extLst>
+          </a:blip>
+          <a:srcRect/>
+          <a:stretch>
+            <a:fillRect/>
+          </a:stretch>
+        </p:blipFill>
+        <p:spPr bwMode="auto">
+          <a:xfrm>
+            <a:off x="467544" y="2348880"/>
+            <a:ext cx="2016224" cy="1172223"/>
+          </a:xfrm>
+          <a:prstGeom prst="rect">
+            <a:avLst/>
+          </a:prstGeom>
+          <a:noFill/>
+          <a:extLst>
+            <a:ext uri="{909E8E84-426E-40DD-AFC4-6F175D3DCCD1}">
+              <a14:hiddenFill xmlns:a14="http://schemas.microsoft.com/office/drawing/2010/main">
+                <a:solidFill>
+                  <a:srgbClr val="FFFFFF"/>
+                </a:solidFill>
+              </a14:hiddenFill>
+            </a:ext>
+          </a:extLst>
+        </p:spPr>
+      </p:pic>
+      <p:pic>
+        <p:nvPicPr>
+          <p:cNvPr id="11268" name="Picture 4" descr="CCEE e adimplência"/>
+          <p:cNvPicPr>
+            <a:picLocks noChangeAspect="1" noChangeArrowheads="1"/>
+          </p:cNvPicPr>
+          <p:nvPr/>
+        </p:nvPicPr>
+        <p:blipFill>
+          <a:blip r:embed="rId3" cstate="print">
+            <a:extLst>
+              <a:ext uri="{28A0092B-C50C-407E-A947-70E740481C1C}">
+                <a14:useLocalDpi xmlns:a14="http://schemas.microsoft.com/office/drawing/2010/main" val="0"/>
+              </a:ext>
+            </a:extLst>
+          </a:blip>
+          <a:srcRect/>
+          <a:stretch>
+            <a:fillRect/>
+          </a:stretch>
+        </p:blipFill>
+        <p:spPr bwMode="auto">
+          <a:xfrm>
+            <a:off x="755576" y="3521103"/>
+            <a:ext cx="2016224" cy="1282723"/>
+          </a:xfrm>
+          <a:prstGeom prst="rect">
+            <a:avLst/>
+          </a:prstGeom>
+          <a:noFill/>
+          <a:extLst>
+            <a:ext uri="{909E8E84-426E-40DD-AFC4-6F175D3DCCD1}">
+              <a14:hiddenFill xmlns:a14="http://schemas.microsoft.com/office/drawing/2010/main">
+                <a:solidFill>
+                  <a:srgbClr val="FFFFFF"/>
+                </a:solidFill>
+              </a14:hiddenFill>
+            </a:ext>
+          </a:extLst>
+        </p:spPr>
+      </p:pic>
+      <p:pic>
+        <p:nvPicPr>
+          <p:cNvPr id="11270" name="Picture 6" descr="http://baixae.org/wp-content/uploads/2015/02/Bosch.jpg"/>
+          <p:cNvPicPr>
+            <a:picLocks noChangeAspect="1" noChangeArrowheads="1"/>
+          </p:cNvPicPr>
+          <p:nvPr/>
+        </p:nvPicPr>
+        <p:blipFill>
+          <a:blip r:embed="rId4" cstate="print">
+            <a:extLst>
+              <a:ext uri="{28A0092B-C50C-407E-A947-70E740481C1C}">
+                <a14:useLocalDpi xmlns:a14="http://schemas.microsoft.com/office/drawing/2010/main" val="0"/>
+              </a:ext>
+            </a:extLst>
+          </a:blip>
+          <a:srcRect/>
+          <a:stretch>
+            <a:fillRect/>
+          </a:stretch>
+        </p:blipFill>
+        <p:spPr bwMode="auto">
+          <a:xfrm>
+            <a:off x="827584" y="4653135"/>
+            <a:ext cx="2104066" cy="1306043"/>
+          </a:xfrm>
+          <a:prstGeom prst="rect">
+            <a:avLst/>
+          </a:prstGeom>
+          <a:noFill/>
+          <a:extLst>
+            <a:ext uri="{909E8E84-426E-40DD-AFC4-6F175D3DCCD1}">
+              <a14:hiddenFill xmlns:a14="http://schemas.microsoft.com/office/drawing/2010/main">
+                <a:solidFill>
+                  <a:srgbClr val="FFFFFF"/>
+                </a:solidFill>
+              </a14:hiddenFill>
+            </a:ext>
+          </a:extLst>
+        </p:spPr>
+      </p:pic>
+      <p:pic>
+        <p:nvPicPr>
+          <p:cNvPr id="11272" name="Picture 8" descr="https://pbs.twimg.com/profile_images/3540976963/ccf11950bf0bc7e8bef76a8eb7b5a0f0_400x400.jpeg"/>
+          <p:cNvPicPr>
+            <a:picLocks noChangeAspect="1" noChangeArrowheads="1"/>
+          </p:cNvPicPr>
+          <p:nvPr/>
+        </p:nvPicPr>
+        <p:blipFill>
+          <a:blip r:embed="rId5" cstate="print">
+            <a:extLst>
+              <a:ext uri="{28A0092B-C50C-407E-A947-70E740481C1C}">
+                <a14:useLocalDpi xmlns:a14="http://schemas.microsoft.com/office/drawing/2010/main" val="0"/>
+              </a:ext>
+            </a:extLst>
+          </a:blip>
+          <a:srcRect/>
+          <a:stretch>
+            <a:fillRect/>
+          </a:stretch>
+        </p:blipFill>
+        <p:spPr bwMode="auto">
+          <a:xfrm>
+            <a:off x="2411760" y="2391785"/>
+            <a:ext cx="965479" cy="965479"/>
+          </a:xfrm>
+          <a:prstGeom prst="rect">
+            <a:avLst/>
+          </a:prstGeom>
+          <a:noFill/>
+          <a:extLst>
+            <a:ext uri="{909E8E84-426E-40DD-AFC4-6F175D3DCCD1}">
+              <a14:hiddenFill xmlns:a14="http://schemas.microsoft.com/office/drawing/2010/main">
+                <a:solidFill>
+                  <a:srgbClr val="FFFFFF"/>
+                </a:solidFill>
+              </a14:hiddenFill>
+            </a:ext>
+          </a:extLst>
+        </p:spPr>
+      </p:pic>
+      <p:pic>
+        <p:nvPicPr>
+          <p:cNvPr id="11276" name="Picture 12" descr="http://www.mastercssa.com.br/wp-content/uploads/2015/04/Dell_SonicWALL_Bradesco.jpg"/>
+          <p:cNvPicPr>
+            <a:picLocks noChangeAspect="1" noChangeArrowheads="1"/>
+          </p:cNvPicPr>
+          <p:nvPr/>
+        </p:nvPicPr>
+        <p:blipFill>
+          <a:blip r:embed="rId6" cstate="print">
+            <a:extLst>
+              <a:ext uri="{28A0092B-C50C-407E-A947-70E740481C1C}">
+                <a14:useLocalDpi xmlns:a14="http://schemas.microsoft.com/office/drawing/2010/main" val="0"/>
+              </a:ext>
+            </a:extLst>
+          </a:blip>
+          <a:srcRect/>
+          <a:stretch>
+            <a:fillRect/>
+          </a:stretch>
+        </p:blipFill>
+        <p:spPr bwMode="auto">
+          <a:xfrm>
+            <a:off x="3347864" y="4803826"/>
+            <a:ext cx="2304256" cy="1072919"/>
+          </a:xfrm>
+          <a:prstGeom prst="rect">
+            <a:avLst/>
+          </a:prstGeom>
+          <a:noFill/>
+          <a:extLst>
+            <a:ext uri="{909E8E84-426E-40DD-AFC4-6F175D3DCCD1}">
+              <a14:hiddenFill xmlns:a14="http://schemas.microsoft.com/office/drawing/2010/main">
+                <a:solidFill>
+                  <a:srgbClr val="FFFFFF"/>
+                </a:solidFill>
+              </a14:hiddenFill>
+            </a:ext>
+          </a:extLst>
+        </p:spPr>
+      </p:pic>
+      <p:pic>
+        <p:nvPicPr>
+          <p:cNvPr id="11278" name="Picture 14" descr="http://upload.wikimedia.org/wikipedia/commons/thumb/0/0f/General_Motors.svg/150px-General_Motors.svg.png"/>
+          <p:cNvPicPr>
+            <a:picLocks noChangeAspect="1" noChangeArrowheads="1"/>
+          </p:cNvPicPr>
+          <p:nvPr/>
+        </p:nvPicPr>
+        <p:blipFill>
+          <a:blip r:embed="rId7">
+            <a:extLst>
+              <a:ext uri="{28A0092B-C50C-407E-A947-70E740481C1C}">
+                <a14:useLocalDpi xmlns:a14="http://schemas.microsoft.com/office/drawing/2010/main" val="0"/>
+              </a:ext>
+            </a:extLst>
+          </a:blip>
+          <a:srcRect/>
+          <a:stretch>
+            <a:fillRect/>
+          </a:stretch>
+        </p:blipFill>
+        <p:spPr bwMode="auto">
+          <a:xfrm>
+            <a:off x="3167093" y="3491146"/>
+            <a:ext cx="1214228" cy="1206134"/>
+          </a:xfrm>
+          <a:prstGeom prst="rect">
+            <a:avLst/>
+          </a:prstGeom>
+          <a:noFill/>
+          <a:extLst>
+            <a:ext uri="{909E8E84-426E-40DD-AFC4-6F175D3DCCD1}">
+              <a14:hiddenFill xmlns:a14="http://schemas.microsoft.com/office/drawing/2010/main">
+                <a:solidFill>
+                  <a:srgbClr val="FFFFFF"/>
+                </a:solidFill>
+              </a14:hiddenFill>
+            </a:ext>
+          </a:extLst>
+        </p:spPr>
+      </p:pic>
+      <p:pic>
+        <p:nvPicPr>
+          <p:cNvPr id="11280" name="Picture 16" descr="https://valberlucio.files.wordpress.com/2014/10/basa.jpg"/>
+          <p:cNvPicPr>
+            <a:picLocks noChangeAspect="1" noChangeArrowheads="1"/>
+          </p:cNvPicPr>
+          <p:nvPr/>
+        </p:nvPicPr>
+        <p:blipFill>
+          <a:blip r:embed="rId8" cstate="print">
+            <a:extLst>
+              <a:ext uri="{28A0092B-C50C-407E-A947-70E740481C1C}">
+                <a14:useLocalDpi xmlns:a14="http://schemas.microsoft.com/office/drawing/2010/main" val="0"/>
+              </a:ext>
+            </a:extLst>
+          </a:blip>
+          <a:srcRect/>
+          <a:stretch>
+            <a:fillRect/>
+          </a:stretch>
+        </p:blipFill>
+        <p:spPr bwMode="auto">
+          <a:xfrm>
+            <a:off x="5868144" y="4653135"/>
+            <a:ext cx="1850486" cy="1110480"/>
+          </a:xfrm>
+          <a:prstGeom prst="rect">
+            <a:avLst/>
+          </a:prstGeom>
+          <a:noFill/>
+          <a:extLst>
+            <a:ext uri="{909E8E84-426E-40DD-AFC4-6F175D3DCCD1}">
+              <a14:hiddenFill xmlns:a14="http://schemas.microsoft.com/office/drawing/2010/main">
+                <a:solidFill>
+                  <a:srgbClr val="FFFFFF"/>
+                </a:solidFill>
+              </a14:hiddenFill>
+            </a:ext>
+          </a:extLst>
+        </p:spPr>
+      </p:pic>
+      <p:pic>
+        <p:nvPicPr>
+          <p:cNvPr id="11282" name="Picture 18" descr="http://imprensaoeste.com/wp-content/uploads/2013/09/prodesp.jpg"/>
+          <p:cNvPicPr>
+            <a:picLocks noChangeAspect="1" noChangeArrowheads="1"/>
+          </p:cNvPicPr>
+          <p:nvPr/>
+        </p:nvPicPr>
+        <p:blipFill>
+          <a:blip r:embed="rId9" cstate="print">
+            <a:extLst>
+              <a:ext uri="{28A0092B-C50C-407E-A947-70E740481C1C}">
+                <a14:useLocalDpi xmlns:a14="http://schemas.microsoft.com/office/drawing/2010/main" val="0"/>
+              </a:ext>
+            </a:extLst>
+          </a:blip>
+          <a:srcRect/>
+          <a:stretch>
+            <a:fillRect/>
+          </a:stretch>
+        </p:blipFill>
+        <p:spPr bwMode="auto">
+          <a:xfrm>
+            <a:off x="4716016" y="3694790"/>
+            <a:ext cx="1800200" cy="870065"/>
+          </a:xfrm>
+          <a:prstGeom prst="rect">
+            <a:avLst/>
+          </a:prstGeom>
+          <a:noFill/>
+          <a:extLst>
+            <a:ext uri="{909E8E84-426E-40DD-AFC4-6F175D3DCCD1}">
+              <a14:hiddenFill xmlns:a14="http://schemas.microsoft.com/office/drawing/2010/main">
+                <a:solidFill>
+                  <a:srgbClr val="FFFFFF"/>
+                </a:solidFill>
+              </a14:hiddenFill>
+            </a:ext>
+          </a:extLst>
+        </p:spPr>
+      </p:pic>
+      <p:pic>
+        <p:nvPicPr>
+          <p:cNvPr id="11284" name="Picture 20" descr="http://opnear.utdallas.edu/projects/int_coll_pix/cpqd.gif"/>
+          <p:cNvPicPr>
+            <a:picLocks noChangeAspect="1" noChangeArrowheads="1"/>
+          </p:cNvPicPr>
+          <p:nvPr/>
+        </p:nvPicPr>
+        <p:blipFill>
+          <a:blip r:embed="rId10" cstate="print">
+            <a:extLst>
+              <a:ext uri="{28A0092B-C50C-407E-A947-70E740481C1C}">
+                <a14:useLocalDpi xmlns:a14="http://schemas.microsoft.com/office/drawing/2010/main" val="0"/>
+              </a:ext>
+            </a:extLst>
+          </a:blip>
+          <a:srcRect/>
+          <a:stretch>
+            <a:fillRect/>
+          </a:stretch>
+        </p:blipFill>
+        <p:spPr bwMode="auto">
+          <a:xfrm>
+            <a:off x="3563888" y="2364082"/>
+            <a:ext cx="1634867" cy="993182"/>
+          </a:xfrm>
+          <a:prstGeom prst="rect">
+            <a:avLst/>
+          </a:prstGeom>
+          <a:noFill/>
+          <a:extLst>
+            <a:ext uri="{909E8E84-426E-40DD-AFC4-6F175D3DCCD1}">
+              <a14:hiddenFill xmlns:a14="http://schemas.microsoft.com/office/drawing/2010/main">
+                <a:solidFill>
+                  <a:srgbClr val="FFFFFF"/>
+                </a:solidFill>
+              </a14:hiddenFill>
+            </a:ext>
+          </a:extLst>
+        </p:spPr>
+      </p:pic>
+      <p:sp>
+        <p:nvSpPr>
+          <p:cNvPr id="4" name="AutoShape 22" descr="Resultado de imagem para governo de mato grosso do sul"/>
+          <p:cNvSpPr>
+            <a:spLocks noChangeAspect="1" noChangeArrowheads="1"/>
+          </p:cNvSpPr>
+          <p:nvPr/>
+        </p:nvSpPr>
+        <p:spPr bwMode="auto">
+          <a:xfrm>
+            <a:off x="155575" y="-144463"/>
+            <a:ext cx="304800" cy="304801"/>
+          </a:xfrm>
+          <a:prstGeom prst="rect">
+            <a:avLst/>
+          </a:prstGeom>
+          <a:noFill/>
+          <a:extLst>
+            <a:ext uri="{909E8E84-426E-40DD-AFC4-6F175D3DCCD1}">
+              <a14:hiddenFill xmlns:a14="http://schemas.microsoft.com/office/drawing/2010/main">
+                <a:solidFill>
+                  <a:srgbClr val="FFFFFF"/>
+                </a:solidFill>
+              </a14:hiddenFill>
+            </a:ext>
+          </a:extLst>
+        </p:spPr>
+        <p:txBody>
+          <a:bodyPr vert="horz" wrap="square" lIns="91440" tIns="45720" rIns="91440" bIns="45720" numCol="1" anchor="t" anchorCtr="0" compatLnSpc="1">
+            <a:prstTxWarp prst="textNoShape">
+              <a:avLst/>
+            </a:prstTxWarp>
+          </a:bodyPr>
+          <a:lstStyle/>
+          <a:p>
+            <a:endParaRPr lang="pt-BR"/>
+          </a:p>
+        </p:txBody>
+      </p:sp>
+      <p:sp>
+        <p:nvSpPr>
+          <p:cNvPr id="5" name="AutoShape 24" descr="Resultado de imagem para governo de mato grosso do sul"/>
+          <p:cNvSpPr>
+            <a:spLocks noChangeAspect="1" noChangeArrowheads="1"/>
+          </p:cNvSpPr>
+          <p:nvPr/>
+        </p:nvSpPr>
+        <p:spPr bwMode="auto">
+          <a:xfrm>
+            <a:off x="307975" y="7937"/>
+            <a:ext cx="304800" cy="304801"/>
+          </a:xfrm>
+          <a:prstGeom prst="rect">
+            <a:avLst/>
+          </a:prstGeom>
+          <a:noFill/>
+          <a:extLst>
+            <a:ext uri="{909E8E84-426E-40DD-AFC4-6F175D3DCCD1}">
+              <a14:hiddenFill xmlns:a14="http://schemas.microsoft.com/office/drawing/2010/main">
+                <a:solidFill>
+                  <a:srgbClr val="FFFFFF"/>
+                </a:solidFill>
+              </a14:hiddenFill>
+            </a:ext>
+          </a:extLst>
+        </p:spPr>
+        <p:txBody>
+          <a:bodyPr vert="horz" wrap="square" lIns="91440" tIns="45720" rIns="91440" bIns="45720" numCol="1" anchor="t" anchorCtr="0" compatLnSpc="1">
+            <a:prstTxWarp prst="textNoShape">
+              <a:avLst/>
+            </a:prstTxWarp>
+          </a:bodyPr>
+          <a:lstStyle/>
+          <a:p>
+            <a:endParaRPr lang="pt-BR"/>
+          </a:p>
+        </p:txBody>
+      </p:sp>
+      <p:pic>
+        <p:nvPicPr>
+          <p:cNvPr id="11290" name="Picture 26" descr="http://www.ivihoje.com.br/index.php/noticias/thumbs/arquivos-noticias-imagens-7a528f763b07665f37b769c19faec09f.jpg/300/300"/>
+          <p:cNvPicPr>
+            <a:picLocks noChangeAspect="1" noChangeArrowheads="1"/>
+          </p:cNvPicPr>
+          <p:nvPr/>
+        </p:nvPicPr>
+        <p:blipFill>
+          <a:blip r:embed="rId11">
+            <a:extLst>
+              <a:ext uri="{28A0092B-C50C-407E-A947-70E740481C1C}">
+                <a14:useLocalDpi xmlns:a14="http://schemas.microsoft.com/office/drawing/2010/main" val="0"/>
+              </a:ext>
+            </a:extLst>
+          </a:blip>
+          <a:srcRect/>
+          <a:stretch>
+            <a:fillRect/>
+          </a:stretch>
+        </p:blipFill>
+        <p:spPr bwMode="auto">
+          <a:xfrm>
+            <a:off x="5364088" y="2436477"/>
+            <a:ext cx="2304256" cy="729682"/>
+          </a:xfrm>
+          <a:prstGeom prst="rect">
+            <a:avLst/>
+          </a:prstGeom>
+          <a:noFill/>
+          <a:extLst>
+            <a:ext uri="{909E8E84-426E-40DD-AFC4-6F175D3DCCD1}">
+              <a14:hiddenFill xmlns:a14="http://schemas.microsoft.com/office/drawing/2010/main">
+                <a:solidFill>
+                  <a:srgbClr val="FFFFFF"/>
+                </a:solidFill>
+              </a14:hiddenFill>
+            </a:ext>
+          </a:extLst>
+        </p:spPr>
+      </p:pic>
+      <p:sp>
+        <p:nvSpPr>
+          <p:cNvPr id="6" name="AutoShape 28" descr="Resultado de imagem para pr news"/>
+          <p:cNvSpPr>
+            <a:spLocks noChangeAspect="1" noChangeArrowheads="1"/>
+          </p:cNvSpPr>
+          <p:nvPr/>
+        </p:nvSpPr>
+        <p:spPr bwMode="auto">
+          <a:xfrm>
+            <a:off x="460375" y="160337"/>
+            <a:ext cx="304800" cy="304801"/>
+          </a:xfrm>
+          <a:prstGeom prst="rect">
+            <a:avLst/>
+          </a:prstGeom>
+          <a:noFill/>
+          <a:extLst>
+            <a:ext uri="{909E8E84-426E-40DD-AFC4-6F175D3DCCD1}">
+              <a14:hiddenFill xmlns:a14="http://schemas.microsoft.com/office/drawing/2010/main">
+                <a:solidFill>
+                  <a:srgbClr val="FFFFFF"/>
+                </a:solidFill>
+              </a14:hiddenFill>
+            </a:ext>
+          </a:extLst>
+        </p:spPr>
+        <p:txBody>
+          <a:bodyPr vert="horz" wrap="square" lIns="91440" tIns="45720" rIns="91440" bIns="45720" numCol="1" anchor="t" anchorCtr="0" compatLnSpc="1">
+            <a:prstTxWarp prst="textNoShape">
+              <a:avLst/>
+            </a:prstTxWarp>
+          </a:bodyPr>
+          <a:lstStyle/>
+          <a:p>
+            <a:endParaRPr lang="pt-BR"/>
+          </a:p>
+        </p:txBody>
+      </p:sp>
+      <p:sp>
+        <p:nvSpPr>
+          <p:cNvPr id="7" name="AutoShape 30" descr="Resultado de imagem para pr news"/>
+          <p:cNvSpPr>
+            <a:spLocks noChangeAspect="1" noChangeArrowheads="1"/>
+          </p:cNvSpPr>
+          <p:nvPr/>
+        </p:nvSpPr>
+        <p:spPr bwMode="auto">
+          <a:xfrm>
+            <a:off x="612775" y="312737"/>
+            <a:ext cx="304800" cy="304801"/>
+          </a:xfrm>
+          <a:prstGeom prst="rect">
+            <a:avLst/>
+          </a:prstGeom>
+          <a:noFill/>
+          <a:extLst>
+            <a:ext uri="{909E8E84-426E-40DD-AFC4-6F175D3DCCD1}">
+              <a14:hiddenFill xmlns:a14="http://schemas.microsoft.com/office/drawing/2010/main">
+                <a:solidFill>
+                  <a:srgbClr val="FFFFFF"/>
+                </a:solidFill>
+              </a14:hiddenFill>
+            </a:ext>
+          </a:extLst>
+        </p:spPr>
+        <p:txBody>
+          <a:bodyPr vert="horz" wrap="square" lIns="91440" tIns="45720" rIns="91440" bIns="45720" numCol="1" anchor="t" anchorCtr="0" compatLnSpc="1">
+            <a:prstTxWarp prst="textNoShape">
+              <a:avLst/>
+            </a:prstTxWarp>
+          </a:bodyPr>
+          <a:lstStyle/>
+          <a:p>
+            <a:endParaRPr lang="pt-BR"/>
+          </a:p>
+        </p:txBody>
+      </p:sp>
+      <p:pic>
+        <p:nvPicPr>
+          <p:cNvPr id="11296" name="Picture 32" descr="http://static1.1.sqspcdn.com/static/f/594174/22378989/1365192538357/PRNews-CMYK-as-of-2-6-13.png?token=gKIRe1wQZ7rymqRZ5XLx7%2BjeYwQ%3D"/>
+          <p:cNvPicPr>
+            <a:picLocks noChangeAspect="1" noChangeArrowheads="1"/>
+          </p:cNvPicPr>
+          <p:nvPr/>
+        </p:nvPicPr>
+        <p:blipFill>
+          <a:blip r:embed="rId12" cstate="print">
+            <a:extLst>
+              <a:ext uri="{28A0092B-C50C-407E-A947-70E740481C1C}">
+                <a14:useLocalDpi xmlns:a14="http://schemas.microsoft.com/office/drawing/2010/main" val="0"/>
+              </a:ext>
+            </a:extLst>
+          </a:blip>
+          <a:srcRect/>
+          <a:stretch>
+            <a:fillRect/>
+          </a:stretch>
+        </p:blipFill>
+        <p:spPr bwMode="auto">
+          <a:xfrm>
+            <a:off x="5820184" y="3357264"/>
+            <a:ext cx="1904181" cy="542959"/>
+          </a:xfrm>
+          <a:prstGeom prst="rect">
+            <a:avLst/>
+          </a:prstGeom>
+          <a:noFill/>
+          <a:extLst>
+            <a:ext uri="{909E8E84-426E-40DD-AFC4-6F175D3DCCD1}">
+              <a14:hiddenFill xmlns:a14="http://schemas.microsoft.com/office/drawing/2010/main">
+                <a:solidFill>
+                  <a:srgbClr val="FFFFFF"/>
+                </a:solidFill>
+              </a14:hiddenFill>
+            </a:ext>
+          </a:extLst>
+        </p:spPr>
+      </p:pic>
+    </p:spTree>
+    <p:extLst>
+      <p:ext uri="{BB962C8B-B14F-4D97-AF65-F5344CB8AC3E}">
+        <p14:creationId xmlns:p14="http://schemas.microsoft.com/office/powerpoint/2010/main" val="1499758657"/>
+      </p:ext>
+    </p:extLst>
+  </p:cSld>
+  <p:clrMapOvr>
+    <a:masterClrMapping/>
+  </p:clrMapOvr>
+</p:sld>
+</file>
+
+<file path=ppt/slides/slide25.xml><?xml version="1.0" encoding="utf-8"?>
+<p:sld xmlns:a="http://schemas.openxmlformats.org/drawingml/2006/main" xmlns:r="http://schemas.openxmlformats.org/officeDocument/2006/relationships" xmlns:p="http://schemas.openxmlformats.org/presentationml/2006/main">
+  <p:cSld>
+    <p:spTree>
+      <p:nvGrpSpPr>
+        <p:cNvPr id="1" name=""/>
+        <p:cNvGrpSpPr/>
+        <p:nvPr/>
+      </p:nvGrpSpPr>
+      <p:grpSpPr>
+        <a:xfrm>
+          <a:off x="0" y="0"/>
+          <a:ext cx="0" cy="0"/>
+          <a:chOff x="0" y="0"/>
+          <a:chExt cx="0" cy="0"/>
+        </a:xfrm>
+      </p:grpSpPr>
+      <p:sp>
+        <p:nvSpPr>
+          <p:cNvPr id="2" name="Título 1"/>
+          <p:cNvSpPr>
+            <a:spLocks noGrp="1"/>
+          </p:cNvSpPr>
+          <p:nvPr>
+            <p:ph type="title"/>
+          </p:nvPr>
+        </p:nvSpPr>
+        <p:spPr/>
+        <p:txBody>
+          <a:bodyPr>
+            <a:normAutofit/>
+          </a:bodyPr>
+          <a:lstStyle/>
+          <a:p>
+            <a:r>
+              <a:rPr lang="pt-BR" dirty="0" smtClean="0"/>
+              <a:t>Algumas empresas</a:t>
+            </a:r>
+            <a:endParaRPr lang="pt-BR" dirty="0"/>
+          </a:p>
+        </p:txBody>
+      </p:sp>
+      <p:sp>
+        <p:nvSpPr>
+          <p:cNvPr id="3" name="Espaço Reservado para Conteúdo 2"/>
+          <p:cNvSpPr>
+            <a:spLocks noGrp="1"/>
+          </p:cNvSpPr>
+          <p:nvPr>
+            <p:ph idx="1"/>
+          </p:nvPr>
+        </p:nvSpPr>
+        <p:spPr/>
+        <p:txBody>
+          <a:bodyPr/>
+          <a:lstStyle/>
+          <a:p>
+            <a:endParaRPr lang="pt-BR" dirty="0"/>
+          </a:p>
+        </p:txBody>
+      </p:sp>
+      <p:pic>
+        <p:nvPicPr>
+          <p:cNvPr id="11266" name="Picture 2" descr="Mitsubishi Logo"/>
+          <p:cNvPicPr>
+            <a:picLocks noChangeAspect="1" noChangeArrowheads="1"/>
+          </p:cNvPicPr>
+          <p:nvPr/>
+        </p:nvPicPr>
+        <p:blipFill>
+          <a:blip r:embed="rId2">
+            <a:extLst>
+              <a:ext uri="{28A0092B-C50C-407E-A947-70E740481C1C}">
+                <a14:useLocalDpi xmlns:a14="http://schemas.microsoft.com/office/drawing/2010/main" val="0"/>
+              </a:ext>
+            </a:extLst>
+          </a:blip>
+          <a:srcRect/>
+          <a:stretch>
+            <a:fillRect/>
+          </a:stretch>
+        </p:blipFill>
+        <p:spPr bwMode="auto">
+          <a:xfrm>
+            <a:off x="467544" y="2348880"/>
+            <a:ext cx="2016224" cy="1172223"/>
+          </a:xfrm>
+          <a:prstGeom prst="rect">
+            <a:avLst/>
+          </a:prstGeom>
+          <a:noFill/>
+          <a:extLst>
+            <a:ext uri="{909E8E84-426E-40DD-AFC4-6F175D3DCCD1}">
+              <a14:hiddenFill xmlns:a14="http://schemas.microsoft.com/office/drawing/2010/main">
+                <a:solidFill>
+                  <a:srgbClr val="FFFFFF"/>
+                </a:solidFill>
+              </a14:hiddenFill>
+            </a:ext>
+          </a:extLst>
+        </p:spPr>
+      </p:pic>
+      <p:pic>
+        <p:nvPicPr>
+          <p:cNvPr id="11268" name="Picture 4" descr="CCEE e adimplência"/>
+          <p:cNvPicPr>
+            <a:picLocks noChangeAspect="1" noChangeArrowheads="1"/>
+          </p:cNvPicPr>
+          <p:nvPr/>
+        </p:nvPicPr>
+        <p:blipFill>
+          <a:blip r:embed="rId3" cstate="print">
+            <a:extLst>
+              <a:ext uri="{28A0092B-C50C-407E-A947-70E740481C1C}">
+                <a14:useLocalDpi xmlns:a14="http://schemas.microsoft.com/office/drawing/2010/main" val="0"/>
+              </a:ext>
+            </a:extLst>
+          </a:blip>
+          <a:srcRect/>
+          <a:stretch>
+            <a:fillRect/>
+          </a:stretch>
+        </p:blipFill>
+        <p:spPr bwMode="auto">
+          <a:xfrm>
+            <a:off x="755576" y="3521103"/>
+            <a:ext cx="2016224" cy="1282723"/>
+          </a:xfrm>
+          <a:prstGeom prst="rect">
+            <a:avLst/>
+          </a:prstGeom>
+          <a:noFill/>
+          <a:extLst>
+            <a:ext uri="{909E8E84-426E-40DD-AFC4-6F175D3DCCD1}">
+              <a14:hiddenFill xmlns:a14="http://schemas.microsoft.com/office/drawing/2010/main">
+                <a:solidFill>
+                  <a:srgbClr val="FFFFFF"/>
+                </a:solidFill>
+              </a14:hiddenFill>
+            </a:ext>
+          </a:extLst>
+        </p:spPr>
+      </p:pic>
+      <p:pic>
+        <p:nvPicPr>
+          <p:cNvPr id="11270" name="Picture 6" descr="http://baixae.org/wp-content/uploads/2015/02/Bosch.jpg"/>
+          <p:cNvPicPr>
+            <a:picLocks noChangeAspect="1" noChangeArrowheads="1"/>
+          </p:cNvPicPr>
+          <p:nvPr/>
+        </p:nvPicPr>
+        <p:blipFill>
+          <a:blip r:embed="rId4" cstate="print">
+            <a:extLst>
+              <a:ext uri="{28A0092B-C50C-407E-A947-70E740481C1C}">
+                <a14:useLocalDpi xmlns:a14="http://schemas.microsoft.com/office/drawing/2010/main" val="0"/>
+              </a:ext>
+            </a:extLst>
+          </a:blip>
+          <a:srcRect/>
+          <a:stretch>
+            <a:fillRect/>
+          </a:stretch>
+        </p:blipFill>
+        <p:spPr bwMode="auto">
+          <a:xfrm>
+            <a:off x="827584" y="4653135"/>
+            <a:ext cx="2104066" cy="1306043"/>
+          </a:xfrm>
+          <a:prstGeom prst="rect">
+            <a:avLst/>
+          </a:prstGeom>
+          <a:noFill/>
+          <a:extLst>
+            <a:ext uri="{909E8E84-426E-40DD-AFC4-6F175D3DCCD1}">
+              <a14:hiddenFill xmlns:a14="http://schemas.microsoft.com/office/drawing/2010/main">
+                <a:solidFill>
+                  <a:srgbClr val="FFFFFF"/>
+                </a:solidFill>
+              </a14:hiddenFill>
+            </a:ext>
+          </a:extLst>
+        </p:spPr>
+      </p:pic>
+      <p:pic>
+        <p:nvPicPr>
+          <p:cNvPr id="11272" name="Picture 8" descr="https://pbs.twimg.com/profile_images/3540976963/ccf11950bf0bc7e8bef76a8eb7b5a0f0_400x400.jpeg"/>
+          <p:cNvPicPr>
+            <a:picLocks noChangeAspect="1" noChangeArrowheads="1"/>
+          </p:cNvPicPr>
+          <p:nvPr/>
+        </p:nvPicPr>
+        <p:blipFill>
+          <a:blip r:embed="rId5" cstate="print">
+            <a:extLst>
+              <a:ext uri="{28A0092B-C50C-407E-A947-70E740481C1C}">
+                <a14:useLocalDpi xmlns:a14="http://schemas.microsoft.com/office/drawing/2010/main" val="0"/>
+              </a:ext>
+            </a:extLst>
+          </a:blip>
+          <a:srcRect/>
+          <a:stretch>
+            <a:fillRect/>
+          </a:stretch>
+        </p:blipFill>
+        <p:spPr bwMode="auto">
+          <a:xfrm>
+            <a:off x="2411760" y="2391785"/>
+            <a:ext cx="965479" cy="965479"/>
+          </a:xfrm>
+          <a:prstGeom prst="rect">
+            <a:avLst/>
+          </a:prstGeom>
+          <a:noFill/>
+          <a:extLst>
+            <a:ext uri="{909E8E84-426E-40DD-AFC4-6F175D3DCCD1}">
+              <a14:hiddenFill xmlns:a14="http://schemas.microsoft.com/office/drawing/2010/main">
+                <a:solidFill>
+                  <a:srgbClr val="FFFFFF"/>
+                </a:solidFill>
+              </a14:hiddenFill>
+            </a:ext>
+          </a:extLst>
+        </p:spPr>
+      </p:pic>
+      <p:pic>
+        <p:nvPicPr>
+          <p:cNvPr id="11276" name="Picture 12" descr="http://www.mastercssa.com.br/wp-content/uploads/2015/04/Dell_SonicWALL_Bradesco.jpg"/>
+          <p:cNvPicPr>
+            <a:picLocks noChangeAspect="1" noChangeArrowheads="1"/>
+          </p:cNvPicPr>
+          <p:nvPr/>
+        </p:nvPicPr>
+        <p:blipFill>
+          <a:blip r:embed="rId6" cstate="print">
+            <a:extLst>
+              <a:ext uri="{28A0092B-C50C-407E-A947-70E740481C1C}">
+                <a14:useLocalDpi xmlns:a14="http://schemas.microsoft.com/office/drawing/2010/main" val="0"/>
+              </a:ext>
+            </a:extLst>
+          </a:blip>
+          <a:srcRect/>
+          <a:stretch>
+            <a:fillRect/>
+          </a:stretch>
+        </p:blipFill>
+        <p:spPr bwMode="auto">
+          <a:xfrm>
+            <a:off x="3347864" y="4803826"/>
+            <a:ext cx="2304256" cy="1072919"/>
+          </a:xfrm>
+          <a:prstGeom prst="rect">
+            <a:avLst/>
+          </a:prstGeom>
+          <a:noFill/>
+          <a:extLst>
+            <a:ext uri="{909E8E84-426E-40DD-AFC4-6F175D3DCCD1}">
+              <a14:hiddenFill xmlns:a14="http://schemas.microsoft.com/office/drawing/2010/main">
+                <a:solidFill>
+                  <a:srgbClr val="FFFFFF"/>
+                </a:solidFill>
+              </a14:hiddenFill>
+            </a:ext>
+          </a:extLst>
+        </p:spPr>
+      </p:pic>
+      <p:pic>
+        <p:nvPicPr>
+          <p:cNvPr id="11278" name="Picture 14" descr="http://upload.wikimedia.org/wikipedia/commons/thumb/0/0f/General_Motors.svg/150px-General_Motors.svg.png"/>
+          <p:cNvPicPr>
+            <a:picLocks noChangeAspect="1" noChangeArrowheads="1"/>
+          </p:cNvPicPr>
+          <p:nvPr/>
+        </p:nvPicPr>
+        <p:blipFill>
+          <a:blip r:embed="rId7">
+            <a:extLst>
+              <a:ext uri="{28A0092B-C50C-407E-A947-70E740481C1C}">
+                <a14:useLocalDpi xmlns:a14="http://schemas.microsoft.com/office/drawing/2010/main" val="0"/>
+              </a:ext>
+            </a:extLst>
+          </a:blip>
+          <a:srcRect/>
+          <a:stretch>
+            <a:fillRect/>
+          </a:stretch>
+        </p:blipFill>
+        <p:spPr bwMode="auto">
+          <a:xfrm>
+            <a:off x="3167093" y="3491146"/>
+            <a:ext cx="1214228" cy="1206134"/>
+          </a:xfrm>
+          <a:prstGeom prst="rect">
+            <a:avLst/>
+          </a:prstGeom>
+          <a:noFill/>
+          <a:extLst>
+            <a:ext uri="{909E8E84-426E-40DD-AFC4-6F175D3DCCD1}">
+              <a14:hiddenFill xmlns:a14="http://schemas.microsoft.com/office/drawing/2010/main">
+                <a:solidFill>
+                  <a:srgbClr val="FFFFFF"/>
+                </a:solidFill>
+              </a14:hiddenFill>
+            </a:ext>
+          </a:extLst>
+        </p:spPr>
+      </p:pic>
+      <p:pic>
+        <p:nvPicPr>
+          <p:cNvPr id="11280" name="Picture 16" descr="https://valberlucio.files.wordpress.com/2014/10/basa.jpg"/>
+          <p:cNvPicPr>
+            <a:picLocks noChangeAspect="1" noChangeArrowheads="1"/>
+          </p:cNvPicPr>
+          <p:nvPr/>
+        </p:nvPicPr>
+        <p:blipFill>
+          <a:blip r:embed="rId8" cstate="print">
+            <a:extLst>
+              <a:ext uri="{28A0092B-C50C-407E-A947-70E740481C1C}">
+                <a14:useLocalDpi xmlns:a14="http://schemas.microsoft.com/office/drawing/2010/main" val="0"/>
+              </a:ext>
+            </a:extLst>
+          </a:blip>
+          <a:srcRect/>
+          <a:stretch>
+            <a:fillRect/>
+          </a:stretch>
+        </p:blipFill>
+        <p:spPr bwMode="auto">
+          <a:xfrm>
+            <a:off x="5868144" y="4653135"/>
+            <a:ext cx="1850486" cy="1110480"/>
+          </a:xfrm>
+          <a:prstGeom prst="rect">
+            <a:avLst/>
+          </a:prstGeom>
+          <a:noFill/>
+          <a:extLst>
+            <a:ext uri="{909E8E84-426E-40DD-AFC4-6F175D3DCCD1}">
+              <a14:hiddenFill xmlns:a14="http://schemas.microsoft.com/office/drawing/2010/main">
+                <a:solidFill>
+                  <a:srgbClr val="FFFFFF"/>
+                </a:solidFill>
+              </a14:hiddenFill>
+            </a:ext>
+          </a:extLst>
+        </p:spPr>
+      </p:pic>
+      <p:pic>
+        <p:nvPicPr>
+          <p:cNvPr id="11282" name="Picture 18" descr="http://imprensaoeste.com/wp-content/uploads/2013/09/prodesp.jpg"/>
+          <p:cNvPicPr>
+            <a:picLocks noChangeAspect="1" noChangeArrowheads="1"/>
+          </p:cNvPicPr>
+          <p:nvPr/>
+        </p:nvPicPr>
+        <p:blipFill>
+          <a:blip r:embed="rId9" cstate="print">
+            <a:extLst>
+              <a:ext uri="{28A0092B-C50C-407E-A947-70E740481C1C}">
+                <a14:useLocalDpi xmlns:a14="http://schemas.microsoft.com/office/drawing/2010/main" val="0"/>
+              </a:ext>
+            </a:extLst>
+          </a:blip>
+          <a:srcRect/>
+          <a:stretch>
+            <a:fillRect/>
+          </a:stretch>
+        </p:blipFill>
+        <p:spPr bwMode="auto">
+          <a:xfrm>
+            <a:off x="4716016" y="3694790"/>
+            <a:ext cx="1800200" cy="870065"/>
+          </a:xfrm>
+          <a:prstGeom prst="rect">
+            <a:avLst/>
+          </a:prstGeom>
+          <a:noFill/>
+          <a:extLst>
+            <a:ext uri="{909E8E84-426E-40DD-AFC4-6F175D3DCCD1}">
+              <a14:hiddenFill xmlns:a14="http://schemas.microsoft.com/office/drawing/2010/main">
+                <a:solidFill>
+                  <a:srgbClr val="FFFFFF"/>
+                </a:solidFill>
+              </a14:hiddenFill>
+            </a:ext>
+          </a:extLst>
+        </p:spPr>
+      </p:pic>
+      <p:pic>
+        <p:nvPicPr>
+          <p:cNvPr id="11284" name="Picture 20" descr="http://opnear.utdallas.edu/projects/int_coll_pix/cpqd.gif"/>
+          <p:cNvPicPr>
+            <a:picLocks noChangeAspect="1" noChangeArrowheads="1"/>
+          </p:cNvPicPr>
+          <p:nvPr/>
+        </p:nvPicPr>
+        <p:blipFill>
+          <a:blip r:embed="rId10" cstate="print">
+            <a:extLst>
+              <a:ext uri="{28A0092B-C50C-407E-A947-70E740481C1C}">
+                <a14:useLocalDpi xmlns:a14="http://schemas.microsoft.com/office/drawing/2010/main" val="0"/>
+              </a:ext>
+            </a:extLst>
+          </a:blip>
+          <a:srcRect/>
+          <a:stretch>
+            <a:fillRect/>
+          </a:stretch>
+        </p:blipFill>
+        <p:spPr bwMode="auto">
+          <a:xfrm>
+            <a:off x="3563888" y="2364082"/>
+            <a:ext cx="1634867" cy="993182"/>
+          </a:xfrm>
+          <a:prstGeom prst="rect">
+            <a:avLst/>
+          </a:prstGeom>
+          <a:noFill/>
+          <a:extLst>
+            <a:ext uri="{909E8E84-426E-40DD-AFC4-6F175D3DCCD1}">
+              <a14:hiddenFill xmlns:a14="http://schemas.microsoft.com/office/drawing/2010/main">
+                <a:solidFill>
+                  <a:srgbClr val="FFFFFF"/>
+                </a:solidFill>
+              </a14:hiddenFill>
+            </a:ext>
+          </a:extLst>
+        </p:spPr>
+      </p:pic>
+      <p:sp>
+        <p:nvSpPr>
+          <p:cNvPr id="4" name="AutoShape 22" descr="Resultado de imagem para governo de mato grosso do sul"/>
+          <p:cNvSpPr>
+            <a:spLocks noChangeAspect="1" noChangeArrowheads="1"/>
+          </p:cNvSpPr>
+          <p:nvPr/>
+        </p:nvSpPr>
+        <p:spPr bwMode="auto">
+          <a:xfrm>
+            <a:off x="155575" y="-144463"/>
+            <a:ext cx="304800" cy="304801"/>
+          </a:xfrm>
+          <a:prstGeom prst="rect">
+            <a:avLst/>
+          </a:prstGeom>
+          <a:noFill/>
+          <a:extLst>
+            <a:ext uri="{909E8E84-426E-40DD-AFC4-6F175D3DCCD1}">
+              <a14:hiddenFill xmlns:a14="http://schemas.microsoft.com/office/drawing/2010/main">
+                <a:solidFill>
+                  <a:srgbClr val="FFFFFF"/>
+                </a:solidFill>
+              </a14:hiddenFill>
+            </a:ext>
+          </a:extLst>
+        </p:spPr>
+        <p:txBody>
+          <a:bodyPr vert="horz" wrap="square" lIns="91440" tIns="45720" rIns="91440" bIns="45720" numCol="1" anchor="t" anchorCtr="0" compatLnSpc="1">
+            <a:prstTxWarp prst="textNoShape">
+              <a:avLst/>
+            </a:prstTxWarp>
+          </a:bodyPr>
+          <a:lstStyle/>
+          <a:p>
+            <a:endParaRPr lang="pt-BR"/>
+          </a:p>
+        </p:txBody>
+      </p:sp>
+      <p:sp>
+        <p:nvSpPr>
+          <p:cNvPr id="5" name="AutoShape 24" descr="Resultado de imagem para governo de mato grosso do sul"/>
+          <p:cNvSpPr>
+            <a:spLocks noChangeAspect="1" noChangeArrowheads="1"/>
+          </p:cNvSpPr>
+          <p:nvPr/>
+        </p:nvSpPr>
+        <p:spPr bwMode="auto">
+          <a:xfrm>
+            <a:off x="307975" y="7937"/>
+            <a:ext cx="304800" cy="304801"/>
+          </a:xfrm>
+          <a:prstGeom prst="rect">
+            <a:avLst/>
+          </a:prstGeom>
+          <a:noFill/>
+          <a:extLst>
+            <a:ext uri="{909E8E84-426E-40DD-AFC4-6F175D3DCCD1}">
+              <a14:hiddenFill xmlns:a14="http://schemas.microsoft.com/office/drawing/2010/main">
+                <a:solidFill>
+                  <a:srgbClr val="FFFFFF"/>
+                </a:solidFill>
+              </a14:hiddenFill>
+            </a:ext>
+          </a:extLst>
+        </p:spPr>
+        <p:txBody>
+          <a:bodyPr vert="horz" wrap="square" lIns="91440" tIns="45720" rIns="91440" bIns="45720" numCol="1" anchor="t" anchorCtr="0" compatLnSpc="1">
+            <a:prstTxWarp prst="textNoShape">
+              <a:avLst/>
+            </a:prstTxWarp>
+          </a:bodyPr>
+          <a:lstStyle/>
+          <a:p>
+            <a:endParaRPr lang="pt-BR"/>
+          </a:p>
+        </p:txBody>
+      </p:sp>
+      <p:pic>
+        <p:nvPicPr>
+          <p:cNvPr id="11290" name="Picture 26" descr="http://www.ivihoje.com.br/index.php/noticias/thumbs/arquivos-noticias-imagens-7a528f763b07665f37b769c19faec09f.jpg/300/300"/>
+          <p:cNvPicPr>
+            <a:picLocks noChangeAspect="1" noChangeArrowheads="1"/>
+          </p:cNvPicPr>
+          <p:nvPr/>
+        </p:nvPicPr>
+        <p:blipFill>
+          <a:blip r:embed="rId11">
+            <a:extLst>
+              <a:ext uri="{28A0092B-C50C-407E-A947-70E740481C1C}">
+                <a14:useLocalDpi xmlns:a14="http://schemas.microsoft.com/office/drawing/2010/main" val="0"/>
+              </a:ext>
+            </a:extLst>
+          </a:blip>
+          <a:srcRect/>
+          <a:stretch>
+            <a:fillRect/>
+          </a:stretch>
+        </p:blipFill>
+        <p:spPr bwMode="auto">
+          <a:xfrm>
+            <a:off x="5364088" y="2436477"/>
+            <a:ext cx="2304256" cy="729682"/>
+          </a:xfrm>
+          <a:prstGeom prst="rect">
+            <a:avLst/>
+          </a:prstGeom>
+          <a:noFill/>
+          <a:extLst>
+            <a:ext uri="{909E8E84-426E-40DD-AFC4-6F175D3DCCD1}">
+              <a14:hiddenFill xmlns:a14="http://schemas.microsoft.com/office/drawing/2010/main">
+                <a:solidFill>
+                  <a:srgbClr val="FFFFFF"/>
+                </a:solidFill>
+              </a14:hiddenFill>
+            </a:ext>
+          </a:extLst>
+        </p:spPr>
+      </p:pic>
+      <p:sp>
+        <p:nvSpPr>
+          <p:cNvPr id="6" name="AutoShape 28" descr="Resultado de imagem para pr news"/>
+          <p:cNvSpPr>
+            <a:spLocks noChangeAspect="1" noChangeArrowheads="1"/>
+          </p:cNvSpPr>
+          <p:nvPr/>
+        </p:nvSpPr>
+        <p:spPr bwMode="auto">
+          <a:xfrm>
+            <a:off x="460375" y="160337"/>
+            <a:ext cx="304800" cy="304801"/>
+          </a:xfrm>
+          <a:prstGeom prst="rect">
+            <a:avLst/>
+          </a:prstGeom>
+          <a:noFill/>
+          <a:extLst>
+            <a:ext uri="{909E8E84-426E-40DD-AFC4-6F175D3DCCD1}">
+              <a14:hiddenFill xmlns:a14="http://schemas.microsoft.com/office/drawing/2010/main">
+                <a:solidFill>
+                  <a:srgbClr val="FFFFFF"/>
+                </a:solidFill>
+              </a14:hiddenFill>
+            </a:ext>
+          </a:extLst>
+        </p:spPr>
+        <p:txBody>
+          <a:bodyPr vert="horz" wrap="square" lIns="91440" tIns="45720" rIns="91440" bIns="45720" numCol="1" anchor="t" anchorCtr="0" compatLnSpc="1">
+            <a:prstTxWarp prst="textNoShape">
+              <a:avLst/>
+            </a:prstTxWarp>
+          </a:bodyPr>
+          <a:lstStyle/>
+          <a:p>
+            <a:endParaRPr lang="pt-BR"/>
+          </a:p>
+        </p:txBody>
+      </p:sp>
+      <p:sp>
+        <p:nvSpPr>
+          <p:cNvPr id="7" name="AutoShape 30" descr="Resultado de imagem para pr news"/>
+          <p:cNvSpPr>
+            <a:spLocks noChangeAspect="1" noChangeArrowheads="1"/>
+          </p:cNvSpPr>
+          <p:nvPr/>
+        </p:nvSpPr>
+        <p:spPr bwMode="auto">
+          <a:xfrm>
+            <a:off x="612775" y="312737"/>
+            <a:ext cx="304800" cy="304801"/>
+          </a:xfrm>
+          <a:prstGeom prst="rect">
+            <a:avLst/>
+          </a:prstGeom>
+          <a:noFill/>
+          <a:extLst>
+            <a:ext uri="{909E8E84-426E-40DD-AFC4-6F175D3DCCD1}">
+              <a14:hiddenFill xmlns:a14="http://schemas.microsoft.com/office/drawing/2010/main">
+                <a:solidFill>
+                  <a:srgbClr val="FFFFFF"/>
+                </a:solidFill>
+              </a14:hiddenFill>
+            </a:ext>
+          </a:extLst>
+        </p:spPr>
+        <p:txBody>
+          <a:bodyPr vert="horz" wrap="square" lIns="91440" tIns="45720" rIns="91440" bIns="45720" numCol="1" anchor="t" anchorCtr="0" compatLnSpc="1">
+            <a:prstTxWarp prst="textNoShape">
+              <a:avLst/>
+            </a:prstTxWarp>
+          </a:bodyPr>
+          <a:lstStyle/>
+          <a:p>
+            <a:endParaRPr lang="pt-BR"/>
+          </a:p>
+        </p:txBody>
+      </p:sp>
+      <p:pic>
+        <p:nvPicPr>
+          <p:cNvPr id="11296" name="Picture 32" descr="http://static1.1.sqspcdn.com/static/f/594174/22378989/1365192538357/PRNews-CMYK-as-of-2-6-13.png?token=gKIRe1wQZ7rymqRZ5XLx7%2BjeYwQ%3D"/>
+          <p:cNvPicPr>
+            <a:picLocks noChangeAspect="1" noChangeArrowheads="1"/>
+          </p:cNvPicPr>
+          <p:nvPr/>
+        </p:nvPicPr>
+        <p:blipFill>
+          <a:blip r:embed="rId12" cstate="print">
+            <a:extLst>
+              <a:ext uri="{28A0092B-C50C-407E-A947-70E740481C1C}">
+                <a14:useLocalDpi xmlns:a14="http://schemas.microsoft.com/office/drawing/2010/main" val="0"/>
+              </a:ext>
+            </a:extLst>
+          </a:blip>
+          <a:srcRect/>
+          <a:stretch>
+            <a:fillRect/>
+          </a:stretch>
+        </p:blipFill>
+        <p:spPr bwMode="auto">
+          <a:xfrm>
+            <a:off x="5820184" y="3357264"/>
+            <a:ext cx="1904181" cy="542959"/>
+          </a:xfrm>
+          <a:prstGeom prst="rect">
+            <a:avLst/>
+          </a:prstGeom>
+          <a:noFill/>
+          <a:extLst>
+            <a:ext uri="{909E8E84-426E-40DD-AFC4-6F175D3DCCD1}">
+              <a14:hiddenFill xmlns:a14="http://schemas.microsoft.com/office/drawing/2010/main">
+                <a:solidFill>
+                  <a:srgbClr val="FFFFFF"/>
+                </a:solidFill>
+              </a14:hiddenFill>
+            </a:ext>
+          </a:extLst>
+        </p:spPr>
+      </p:pic>
+    </p:spTree>
+    <p:extLst>
+      <p:ext uri="{BB962C8B-B14F-4D97-AF65-F5344CB8AC3E}">
+        <p14:creationId xmlns:p14="http://schemas.microsoft.com/office/powerpoint/2010/main" val="3491238429"/>
       </p:ext>
     </p:extLst>
   </p:cSld>
@@ -13934,6 +17992,13 @@
   <p:clrMapOvr>
     <a:masterClrMapping/>
   </p:clrMapOvr>
+  <p:timing>
+    <p:tnLst>
+      <p:par>
+        <p:cTn id="1" dur="indefinite" restart="never" nodeType="tmRoot"/>
+      </p:par>
+    </p:tnLst>
+  </p:timing>
 </p:sld>
 </file>
 
@@ -13989,10 +18054,101 @@
         </p:nvSpPr>
         <p:spPr/>
         <p:txBody>
-          <a:bodyPr/>
+          <a:bodyPr>
+            <a:normAutofit fontScale="77500" lnSpcReduction="20000"/>
+          </a:bodyPr>
           <a:lstStyle/>
           <a:p>
-            <a:endParaRPr lang="pt-BR" dirty="0"/>
+            <a:r>
+              <a:rPr lang="pt-BR" dirty="0" smtClean="0"/>
+              <a:t>A tecnologia Java</a:t>
+            </a:r>
+            <a:r>
+              <a:rPr lang="pt-BR" dirty="0"/>
+              <a:t/>
+            </a:r>
+            <a:br>
+              <a:rPr lang="pt-BR" dirty="0"/>
+            </a:br>
+            <a:r>
+              <a:rPr lang="pt-BR" dirty="0" smtClean="0"/>
+              <a:t>- O que é?</a:t>
+            </a:r>
+            <a:br>
+              <a:rPr lang="pt-BR" dirty="0" smtClean="0"/>
+            </a:br>
+            <a:r>
+              <a:rPr lang="pt-BR" dirty="0" smtClean="0"/>
+              <a:t>- História</a:t>
+            </a:r>
+            <a:br>
+              <a:rPr lang="pt-BR" dirty="0" smtClean="0"/>
+            </a:br>
+            <a:r>
+              <a:rPr lang="pt-BR" dirty="0" smtClean="0"/>
+              <a:t>- Presente</a:t>
+            </a:r>
+            <a:br>
+              <a:rPr lang="pt-BR" dirty="0" smtClean="0"/>
+            </a:br>
+            <a:r>
+              <a:rPr lang="pt-BR" dirty="0" smtClean="0"/>
+              <a:t>- Futuro</a:t>
+            </a:r>
+            <a:br>
+              <a:rPr lang="pt-BR" dirty="0" smtClean="0"/>
+            </a:br>
+            <a:r>
+              <a:rPr lang="pt-BR" dirty="0" smtClean="0"/>
+              <a:t>- Mercado de Trabalho</a:t>
+            </a:r>
+          </a:p>
+          <a:p>
+            <a:r>
+              <a:rPr lang="pt-BR" dirty="0" smtClean="0"/>
+              <a:t>Performance</a:t>
+            </a:r>
+          </a:p>
+          <a:p>
+            <a:r>
+              <a:rPr lang="pt-BR" dirty="0" smtClean="0"/>
+              <a:t>Arquitetura da JVM</a:t>
+            </a:r>
+          </a:p>
+          <a:p>
+            <a:r>
+              <a:rPr lang="pt-BR" dirty="0" smtClean="0"/>
+              <a:t>O Modelo de Memória</a:t>
+            </a:r>
+          </a:p>
+          <a:p>
+            <a:r>
+              <a:rPr lang="pt-BR" dirty="0" smtClean="0"/>
+              <a:t>Web</a:t>
+            </a:r>
+          </a:p>
+          <a:p>
+            <a:r>
+              <a:rPr lang="pt-BR" dirty="0" smtClean="0"/>
+              <a:t>Agilidade</a:t>
+            </a:r>
+          </a:p>
+          <a:p>
+            <a:r>
+              <a:rPr lang="pt-BR" dirty="0" smtClean="0"/>
+              <a:t>Clean </a:t>
+            </a:r>
+            <a:r>
+              <a:rPr lang="pt-BR" dirty="0" err="1" smtClean="0"/>
+              <a:t>Code</a:t>
+            </a:r>
+            <a:endParaRPr lang="pt-BR" dirty="0" smtClean="0"/>
+          </a:p>
+          <a:p>
+            <a:r>
+              <a:rPr lang="pt-BR" dirty="0" smtClean="0"/>
+              <a:t>Entrega Contínua</a:t>
+            </a:r>
           </a:p>
         </p:txBody>
       </p:sp>
@@ -14006,6 +18162,13 @@
   <p:clrMapOvr>
     <a:masterClrMapping/>
   </p:clrMapOvr>
+  <p:timing>
+    <p:tnLst>
+      <p:par>
+        <p:cTn id="1" dur="indefinite" restart="never" nodeType="tmRoot"/>
+      </p:par>
+    </p:tnLst>
+  </p:timing>
 </p:sld>
 </file>
 
@@ -14061,8 +18224,380 @@
         </p:nvSpPr>
         <p:spPr/>
         <p:txBody>
+          <a:bodyPr>
+            <a:normAutofit fontScale="77500" lnSpcReduction="20000"/>
+          </a:bodyPr>
+          <a:lstStyle/>
+          <a:p>
+            <a:r>
+              <a:rPr lang="pt-BR" dirty="0" smtClean="0"/>
+              <a:t>A tecnologia Java</a:t>
+            </a:r>
+            <a:r>
+              <a:rPr lang="pt-BR" dirty="0"/>
+              <a:t/>
+            </a:r>
+            <a:br>
+              <a:rPr lang="pt-BR" dirty="0"/>
+            </a:br>
+            <a:r>
+              <a:rPr lang="pt-BR" dirty="0" smtClean="0"/>
+              <a:t>- O que é?</a:t>
+            </a:r>
+            <a:br>
+              <a:rPr lang="pt-BR" dirty="0" smtClean="0"/>
+            </a:br>
+            <a:r>
+              <a:rPr lang="pt-BR" dirty="0" smtClean="0"/>
+              <a:t>- História</a:t>
+            </a:r>
+            <a:br>
+              <a:rPr lang="pt-BR" dirty="0" smtClean="0"/>
+            </a:br>
+            <a:r>
+              <a:rPr lang="pt-BR" dirty="0" smtClean="0"/>
+              <a:t>- Presente</a:t>
+            </a:r>
+            <a:br>
+              <a:rPr lang="pt-BR" dirty="0" smtClean="0"/>
+            </a:br>
+            <a:r>
+              <a:rPr lang="pt-BR" dirty="0" smtClean="0"/>
+              <a:t>- Futuro</a:t>
+            </a:r>
+            <a:br>
+              <a:rPr lang="pt-BR" dirty="0" smtClean="0"/>
+            </a:br>
+            <a:r>
+              <a:rPr lang="pt-BR" dirty="0" smtClean="0"/>
+              <a:t>- Mercado de Trabalho</a:t>
+            </a:r>
+          </a:p>
+          <a:p>
+            <a:r>
+              <a:rPr lang="pt-BR" dirty="0" smtClean="0"/>
+              <a:t>Performance</a:t>
+            </a:r>
+          </a:p>
+          <a:p>
+            <a:r>
+              <a:rPr lang="pt-BR" dirty="0" smtClean="0"/>
+              <a:t>Arquitetura da JVM</a:t>
+            </a:r>
+          </a:p>
+          <a:p>
+            <a:r>
+              <a:rPr lang="pt-BR" dirty="0" smtClean="0"/>
+              <a:t>O Modelo de Memória</a:t>
+            </a:r>
+          </a:p>
+          <a:p>
+            <a:r>
+              <a:rPr lang="pt-BR" dirty="0" smtClean="0"/>
+              <a:t>Web</a:t>
+            </a:r>
+          </a:p>
+          <a:p>
+            <a:r>
+              <a:rPr lang="pt-BR" dirty="0" smtClean="0"/>
+              <a:t>Agilidade</a:t>
+            </a:r>
+          </a:p>
+          <a:p>
+            <a:r>
+              <a:rPr lang="pt-BR" dirty="0" smtClean="0"/>
+              <a:t>Clean </a:t>
+            </a:r>
+            <a:r>
+              <a:rPr lang="pt-BR" dirty="0" err="1" smtClean="0"/>
+              <a:t>Code</a:t>
+            </a:r>
+            <a:endParaRPr lang="pt-BR" dirty="0" smtClean="0"/>
+          </a:p>
+          <a:p>
+            <a:r>
+              <a:rPr lang="pt-BR" dirty="0" smtClean="0"/>
+              <a:t>Entrega Contínua</a:t>
+            </a:r>
+          </a:p>
+        </p:txBody>
+      </p:sp>
+    </p:spTree>
+    <p:extLst>
+      <p:ext uri="{BB962C8B-B14F-4D97-AF65-F5344CB8AC3E}">
+        <p14:creationId xmlns:p14="http://schemas.microsoft.com/office/powerpoint/2010/main" val="722320637"/>
+      </p:ext>
+    </p:extLst>
+  </p:cSld>
+  <p:clrMapOvr>
+    <a:masterClrMapping/>
+  </p:clrMapOvr>
+  <p:timing>
+    <p:tnLst>
+      <p:par>
+        <p:cTn id="1" dur="indefinite" restart="never" nodeType="tmRoot"/>
+      </p:par>
+    </p:tnLst>
+  </p:timing>
+</p:sld>
+</file>
+
+<file path=ppt/slides/slide6.xml><?xml version="1.0" encoding="utf-8"?>
+<p:sld xmlns:a="http://schemas.openxmlformats.org/drawingml/2006/main" xmlns:r="http://schemas.openxmlformats.org/officeDocument/2006/relationships" xmlns:p="http://schemas.openxmlformats.org/presentationml/2006/main">
+  <p:cSld>
+    <p:spTree>
+      <p:nvGrpSpPr>
+        <p:cNvPr id="1" name=""/>
+        <p:cNvGrpSpPr/>
+        <p:nvPr/>
+      </p:nvGrpSpPr>
+      <p:grpSpPr>
+        <a:xfrm>
+          <a:off x="0" y="0"/>
+          <a:ext cx="0" cy="0"/>
+          <a:chOff x="0" y="0"/>
+          <a:chExt cx="0" cy="0"/>
+        </a:xfrm>
+      </p:grpSpPr>
+      <p:sp>
+        <p:nvSpPr>
+          <p:cNvPr id="4" name="Título 3"/>
+          <p:cNvSpPr>
+            <a:spLocks noGrp="1"/>
+          </p:cNvSpPr>
+          <p:nvPr>
+            <p:ph type="ctrTitle"/>
+          </p:nvPr>
+        </p:nvSpPr>
+        <p:spPr/>
+        <p:txBody>
           <a:bodyPr/>
           <a:lstStyle/>
+          <a:p>
+            <a:r>
+              <a:rPr lang="pt-BR" dirty="0" smtClean="0"/>
+              <a:t>História do Java</a:t>
+            </a:r>
+            <a:endParaRPr lang="pt-BR" dirty="0"/>
+          </a:p>
+        </p:txBody>
+      </p:sp>
+      <p:sp>
+        <p:nvSpPr>
+          <p:cNvPr id="5" name="Subtítulo 4"/>
+          <p:cNvSpPr>
+            <a:spLocks noGrp="1"/>
+          </p:cNvSpPr>
+          <p:nvPr>
+            <p:ph type="subTitle" idx="1"/>
+          </p:nvPr>
+        </p:nvSpPr>
+        <p:spPr/>
+        <p:txBody>
+          <a:bodyPr/>
+          <a:lstStyle/>
+          <a:p>
+            <a:r>
+              <a:rPr lang="pt-BR" dirty="0"/>
+              <a:t>http://www.javatpoint.com/history-of-java</a:t>
+            </a:r>
+          </a:p>
+        </p:txBody>
+      </p:sp>
+    </p:spTree>
+    <p:extLst>
+      <p:ext uri="{BB962C8B-B14F-4D97-AF65-F5344CB8AC3E}">
+        <p14:creationId xmlns:p14="http://schemas.microsoft.com/office/powerpoint/2010/main" val="73453370"/>
+      </p:ext>
+    </p:extLst>
+  </p:cSld>
+  <p:clrMapOvr>
+    <a:masterClrMapping/>
+  </p:clrMapOvr>
+  <p:timing>
+    <p:tnLst>
+      <p:par>
+        <p:cTn id="1" dur="indefinite" restart="never" nodeType="tmRoot"/>
+      </p:par>
+    </p:tnLst>
+  </p:timing>
+</p:sld>
+</file>
+
+<file path=ppt/slides/slide7.xml><?xml version="1.0" encoding="utf-8"?>
+<p:sld xmlns:a="http://schemas.openxmlformats.org/drawingml/2006/main" xmlns:r="http://schemas.openxmlformats.org/officeDocument/2006/relationships" xmlns:p="http://schemas.openxmlformats.org/presentationml/2006/main">
+  <p:cSld>
+    <p:spTree>
+      <p:nvGrpSpPr>
+        <p:cNvPr id="1" name=""/>
+        <p:cNvGrpSpPr/>
+        <p:nvPr/>
+      </p:nvGrpSpPr>
+      <p:grpSpPr>
+        <a:xfrm>
+          <a:off x="0" y="0"/>
+          <a:ext cx="0" cy="0"/>
+          <a:chOff x="0" y="0"/>
+          <a:chExt cx="0" cy="0"/>
+        </a:xfrm>
+      </p:grpSpPr>
+      <p:sp>
+        <p:nvSpPr>
+          <p:cNvPr id="2" name="Título 1"/>
+          <p:cNvSpPr>
+            <a:spLocks noGrp="1"/>
+          </p:cNvSpPr>
+          <p:nvPr>
+            <p:ph type="title"/>
+          </p:nvPr>
+        </p:nvSpPr>
+        <p:spPr/>
+        <p:txBody>
+          <a:bodyPr/>
+          <a:lstStyle/>
+          <a:p>
+            <a:r>
+              <a:rPr lang="pt-BR" dirty="0" smtClean="0"/>
+              <a:t>Green Team</a:t>
+            </a:r>
+            <a:endParaRPr lang="pt-BR" dirty="0"/>
+          </a:p>
+        </p:txBody>
+      </p:sp>
+      <p:sp>
+        <p:nvSpPr>
+          <p:cNvPr id="3" name="Espaço Reservado para Conteúdo 2"/>
+          <p:cNvSpPr>
+            <a:spLocks noGrp="1"/>
+          </p:cNvSpPr>
+          <p:nvPr>
+            <p:ph idx="1"/>
+          </p:nvPr>
+        </p:nvSpPr>
+        <p:spPr/>
+        <p:txBody>
+          <a:bodyPr>
+            <a:normAutofit fontScale="77500" lnSpcReduction="20000"/>
+          </a:bodyPr>
+          <a:lstStyle/>
+          <a:p>
+            <a:r>
+              <a:rPr lang="en-US" b="1" dirty="0" smtClean="0"/>
+              <a:t>James </a:t>
+            </a:r>
+            <a:r>
+              <a:rPr lang="en-US" b="1" dirty="0"/>
+              <a:t>Gosling</a:t>
+            </a:r>
+            <a:r>
+              <a:rPr lang="en-US" dirty="0"/>
+              <a:t>, </a:t>
+            </a:r>
+            <a:r>
+              <a:rPr lang="en-US" b="1" dirty="0"/>
+              <a:t>Mike Sheridan</a:t>
+            </a:r>
+            <a:r>
+              <a:rPr lang="en-US" dirty="0"/>
+              <a:t>, and </a:t>
+            </a:r>
+            <a:r>
+              <a:rPr lang="en-US" b="1" dirty="0"/>
+              <a:t>Patrick </a:t>
+            </a:r>
+            <a:r>
+              <a:rPr lang="en-US" b="1" dirty="0" err="1"/>
+              <a:t>Naughton</a:t>
+            </a:r>
+            <a:r>
+              <a:rPr lang="en-US" dirty="0"/>
+              <a:t> initiated the Java language project in June 1991. The small team of sun engineers called </a:t>
+            </a:r>
+            <a:r>
+              <a:rPr lang="en-US" b="1" dirty="0"/>
+              <a:t>Green Team</a:t>
+            </a:r>
+            <a:r>
+              <a:rPr lang="en-US" dirty="0" smtClean="0"/>
+              <a:t>.</a:t>
+            </a:r>
+          </a:p>
+          <a:p>
+            <a:endParaRPr lang="en-US" dirty="0"/>
+          </a:p>
+          <a:p>
+            <a:r>
+              <a:rPr lang="en-US" dirty="0" smtClean="0"/>
+              <a:t>Originally </a:t>
+            </a:r>
+            <a:r>
+              <a:rPr lang="en-US" dirty="0"/>
+              <a:t>designed for small, embedded systems in electronic appliances like set-top boxes</a:t>
+            </a:r>
+            <a:r>
+              <a:rPr lang="en-US" dirty="0" smtClean="0"/>
+              <a:t>.</a:t>
+            </a:r>
+          </a:p>
+          <a:p>
+            <a:endParaRPr lang="en-US" dirty="0"/>
+          </a:p>
+          <a:p>
+            <a:r>
+              <a:rPr lang="en-US" dirty="0" smtClean="0"/>
+              <a:t>Firstly</a:t>
+            </a:r>
+            <a:r>
+              <a:rPr lang="en-US" dirty="0"/>
+              <a:t>, it was called </a:t>
+            </a:r>
+            <a:r>
+              <a:rPr lang="en-US" b="1" dirty="0"/>
+              <a:t>"</a:t>
+            </a:r>
+            <a:r>
+              <a:rPr lang="en-US" b="1" dirty="0" err="1"/>
+              <a:t>Greentalk</a:t>
+            </a:r>
+            <a:r>
+              <a:rPr lang="en-US" b="1" dirty="0"/>
+              <a:t>"</a:t>
+            </a:r>
+            <a:r>
+              <a:rPr lang="en-US" dirty="0"/>
+              <a:t> by James Gosling and file extension was .</a:t>
+            </a:r>
+            <a:r>
+              <a:rPr lang="en-US" dirty="0" err="1"/>
+              <a:t>gt</a:t>
+            </a:r>
+            <a:r>
+              <a:rPr lang="en-US" dirty="0" err="1" smtClean="0"/>
+              <a:t>.</a:t>
+            </a:r>
+            <a:endParaRPr lang="en-US" dirty="0" smtClean="0"/>
+          </a:p>
+          <a:p>
+            <a:endParaRPr lang="en-US" dirty="0"/>
+          </a:p>
+          <a:p>
+            <a:r>
+              <a:rPr lang="en-US" dirty="0" smtClean="0"/>
+              <a:t>After </a:t>
+            </a:r>
+            <a:r>
+              <a:rPr lang="en-US" dirty="0"/>
+              <a:t>that, it was called </a:t>
+            </a:r>
+            <a:r>
+              <a:rPr lang="en-US" b="1" dirty="0"/>
+              <a:t>Oak</a:t>
+            </a:r>
+            <a:r>
+              <a:rPr lang="en-US" dirty="0"/>
+              <a:t> and was developed as a part of the Green project.</a:t>
+            </a:r>
+          </a:p>
           <a:p>
             <a:endParaRPr lang="pt-BR" dirty="0"/>
           </a:p>
@@ -14078,6 +18613,256 @@
   <p:clrMapOvr>
     <a:masterClrMapping/>
   </p:clrMapOvr>
+  <p:timing>
+    <p:tnLst>
+      <p:par>
+        <p:cTn id="1" dur="indefinite" restart="never" nodeType="tmRoot"/>
+      </p:par>
+    </p:tnLst>
+  </p:timing>
+</p:sld>
+</file>
+
+<file path=ppt/slides/slide8.xml><?xml version="1.0" encoding="utf-8"?>
+<p:sld xmlns:a="http://schemas.openxmlformats.org/drawingml/2006/main" xmlns:r="http://schemas.openxmlformats.org/officeDocument/2006/relationships" xmlns:p="http://schemas.openxmlformats.org/presentationml/2006/main">
+  <p:cSld>
+    <p:spTree>
+      <p:nvGrpSpPr>
+        <p:cNvPr id="1" name=""/>
+        <p:cNvGrpSpPr/>
+        <p:nvPr/>
+      </p:nvGrpSpPr>
+      <p:grpSpPr>
+        <a:xfrm>
+          <a:off x="0" y="0"/>
+          <a:ext cx="0" cy="0"/>
+          <a:chOff x="0" y="0"/>
+          <a:chExt cx="0" cy="0"/>
+        </a:xfrm>
+      </p:grpSpPr>
+      <p:sp>
+        <p:nvSpPr>
+          <p:cNvPr id="2" name="Título 1"/>
+          <p:cNvSpPr>
+            <a:spLocks noGrp="1"/>
+          </p:cNvSpPr>
+          <p:nvPr>
+            <p:ph type="title"/>
+          </p:nvPr>
+        </p:nvSpPr>
+        <p:spPr/>
+        <p:txBody>
+          <a:bodyPr/>
+          <a:lstStyle/>
+          <a:p>
+            <a:r>
+              <a:rPr lang="pt-BR" dirty="0" smtClean="0"/>
+              <a:t>Green Team</a:t>
+            </a:r>
+            <a:endParaRPr lang="pt-BR" dirty="0"/>
+          </a:p>
+        </p:txBody>
+      </p:sp>
+      <p:pic>
+        <p:nvPicPr>
+          <p:cNvPr id="3074" name="Picture 2"/>
+          <p:cNvPicPr>
+            <a:picLocks noGrp="1" noChangeAspect="1" noChangeArrowheads="1"/>
+          </p:cNvPicPr>
+          <p:nvPr>
+            <p:ph idx="1"/>
+          </p:nvPr>
+        </p:nvPicPr>
+        <p:blipFill>
+          <a:blip r:embed="rId2">
+            <a:extLst>
+              <a:ext uri="{28A0092B-C50C-407E-A947-70E740481C1C}">
+                <a14:useLocalDpi xmlns:a14="http://schemas.microsoft.com/office/drawing/2010/main" val="0"/>
+              </a:ext>
+            </a:extLst>
+          </a:blip>
+          <a:srcRect/>
+          <a:stretch>
+            <a:fillRect/>
+          </a:stretch>
+        </p:blipFill>
+        <p:spPr bwMode="auto">
+          <a:xfrm>
+            <a:off x="1042988" y="2472568"/>
+            <a:ext cx="6777037" cy="3211439"/>
+          </a:xfrm>
+          <a:prstGeom prst="rect">
+            <a:avLst/>
+          </a:prstGeom>
+          <a:noFill/>
+          <a:ln>
+            <a:noFill/>
+          </a:ln>
+          <a:extLst>
+            <a:ext uri="{909E8E84-426E-40DD-AFC4-6F175D3DCCD1}">
+              <a14:hiddenFill xmlns:a14="http://schemas.microsoft.com/office/drawing/2010/main">
+                <a:solidFill>
+                  <a:schemeClr val="accent1"/>
+                </a:solidFill>
+              </a14:hiddenFill>
+            </a:ext>
+            <a:ext uri="{91240B29-F687-4F45-9708-019B960494DF}">
+              <a14:hiddenLine xmlns:a14="http://schemas.microsoft.com/office/drawing/2010/main" w="9525">
+                <a:solidFill>
+                  <a:schemeClr val="tx1"/>
+                </a:solidFill>
+                <a:miter lim="800000"/>
+                <a:headEnd/>
+                <a:tailEnd/>
+              </a14:hiddenLine>
+            </a:ext>
+          </a:extLst>
+        </p:spPr>
+      </p:pic>
+    </p:spTree>
+    <p:extLst>
+      <p:ext uri="{BB962C8B-B14F-4D97-AF65-F5344CB8AC3E}">
+        <p14:creationId xmlns:p14="http://schemas.microsoft.com/office/powerpoint/2010/main" val="1069202304"/>
+      </p:ext>
+    </p:extLst>
+  </p:cSld>
+  <p:clrMapOvr>
+    <a:masterClrMapping/>
+  </p:clrMapOvr>
+  <p:timing>
+    <p:tnLst>
+      <p:par>
+        <p:cTn id="1" dur="indefinite" restart="never" nodeType="tmRoot"/>
+      </p:par>
+    </p:tnLst>
+  </p:timing>
+</p:sld>
+</file>
+
+<file path=ppt/slides/slide9.xml><?xml version="1.0" encoding="utf-8"?>
+<p:sld xmlns:a="http://schemas.openxmlformats.org/drawingml/2006/main" xmlns:r="http://schemas.openxmlformats.org/officeDocument/2006/relationships" xmlns:p="http://schemas.openxmlformats.org/presentationml/2006/main">
+  <p:cSld>
+    <p:spTree>
+      <p:nvGrpSpPr>
+        <p:cNvPr id="1" name=""/>
+        <p:cNvGrpSpPr/>
+        <p:nvPr/>
+      </p:nvGrpSpPr>
+      <p:grpSpPr>
+        <a:xfrm>
+          <a:off x="0" y="0"/>
+          <a:ext cx="0" cy="0"/>
+          <a:chOff x="0" y="0"/>
+          <a:chExt cx="0" cy="0"/>
+        </a:xfrm>
+      </p:grpSpPr>
+      <p:sp>
+        <p:nvSpPr>
+          <p:cNvPr id="2" name="Título 1"/>
+          <p:cNvSpPr>
+            <a:spLocks noGrp="1"/>
+          </p:cNvSpPr>
+          <p:nvPr>
+            <p:ph type="title"/>
+          </p:nvPr>
+        </p:nvSpPr>
+        <p:spPr/>
+        <p:txBody>
+          <a:bodyPr/>
+          <a:lstStyle/>
+          <a:p>
+            <a:r>
+              <a:rPr lang="pt-BR" dirty="0" smtClean="0"/>
+              <a:t>Porque OAK</a:t>
+            </a:r>
+            <a:endParaRPr lang="pt-BR" dirty="0"/>
+          </a:p>
+        </p:txBody>
+      </p:sp>
+      <p:sp>
+        <p:nvSpPr>
+          <p:cNvPr id="3" name="Espaço Reservado para Conteúdo 2"/>
+          <p:cNvSpPr>
+            <a:spLocks noGrp="1"/>
+          </p:cNvSpPr>
+          <p:nvPr>
+            <p:ph idx="1"/>
+          </p:nvPr>
+        </p:nvSpPr>
+        <p:spPr/>
+        <p:txBody>
+          <a:bodyPr>
+            <a:normAutofit/>
+          </a:bodyPr>
+          <a:lstStyle/>
+          <a:p>
+            <a:r>
+              <a:rPr lang="en-US" dirty="0" smtClean="0"/>
+              <a:t>Oak </a:t>
+            </a:r>
+            <a:r>
+              <a:rPr lang="en-US" dirty="0"/>
+              <a:t>is a symbol of strength and </a:t>
+            </a:r>
+            <a:r>
+              <a:rPr lang="en-US" dirty="0" err="1"/>
+              <a:t>choosen</a:t>
+            </a:r>
+            <a:r>
+              <a:rPr lang="en-US" dirty="0"/>
+              <a:t> as a national tree of many countries like U.S.A., France, Germany, Romania etc</a:t>
+            </a:r>
+            <a:r>
+              <a:rPr lang="en-US" dirty="0" smtClean="0"/>
+              <a:t>.</a:t>
+            </a:r>
+          </a:p>
+          <a:p>
+            <a:endParaRPr lang="en-US" dirty="0"/>
+          </a:p>
+          <a:p>
+            <a:r>
+              <a:rPr lang="en-US" dirty="0" smtClean="0"/>
+              <a:t>In </a:t>
+            </a:r>
+            <a:r>
+              <a:rPr lang="en-US" dirty="0"/>
+              <a:t>1995, Oak was renamed as </a:t>
+            </a:r>
+            <a:r>
+              <a:rPr lang="en-US" b="1" dirty="0"/>
+              <a:t>"Java"</a:t>
+            </a:r>
+            <a:r>
+              <a:rPr lang="en-US" dirty="0"/>
+              <a:t> because it was already a trademark by Oak Technologies.</a:t>
+            </a:r>
+          </a:p>
+          <a:p>
+            <a:pPr marL="68580" indent="0">
+              <a:buNone/>
+            </a:pPr>
+            <a:endParaRPr lang="pt-BR" dirty="0"/>
+          </a:p>
+        </p:txBody>
+      </p:sp>
+    </p:spTree>
+    <p:extLst>
+      <p:ext uri="{BB962C8B-B14F-4D97-AF65-F5344CB8AC3E}">
+        <p14:creationId xmlns:p14="http://schemas.microsoft.com/office/powerpoint/2010/main" val="1034579143"/>
+      </p:ext>
+    </p:extLst>
+  </p:cSld>
+  <p:clrMapOvr>
+    <a:masterClrMapping/>
+  </p:clrMapOvr>
+  <p:timing>
+    <p:tnLst>
+      <p:par>
+        <p:cTn id="1" dur="indefinite" restart="never" nodeType="tmRoot"/>
+      </p:par>
+    </p:tnLst>
+  </p:timing>
 </p:sld>
 </file>
 

--- a/doc/Alta Performance com Java.pptx
+++ b/doc/Alta Performance com Java.pptx
@@ -17,19 +17,19 @@
     <p:sldId id="264" r:id="rId11"/>
     <p:sldId id="265" r:id="rId12"/>
     <p:sldId id="266" r:id="rId13"/>
-    <p:sldId id="267" r:id="rId14"/>
-    <p:sldId id="278" r:id="rId15"/>
-    <p:sldId id="279" r:id="rId16"/>
-    <p:sldId id="280" r:id="rId17"/>
-    <p:sldId id="269" r:id="rId18"/>
-    <p:sldId id="271" r:id="rId19"/>
-    <p:sldId id="272" r:id="rId20"/>
-    <p:sldId id="274" r:id="rId21"/>
-    <p:sldId id="275" r:id="rId22"/>
-    <p:sldId id="270" r:id="rId23"/>
-    <p:sldId id="273" r:id="rId24"/>
-    <p:sldId id="276" r:id="rId25"/>
-    <p:sldId id="277" r:id="rId26"/>
+    <p:sldId id="281" r:id="rId14"/>
+    <p:sldId id="267" r:id="rId15"/>
+    <p:sldId id="278" r:id="rId16"/>
+    <p:sldId id="279" r:id="rId17"/>
+    <p:sldId id="280" r:id="rId18"/>
+    <p:sldId id="269" r:id="rId19"/>
+    <p:sldId id="271" r:id="rId20"/>
+    <p:sldId id="272" r:id="rId21"/>
+    <p:sldId id="274" r:id="rId22"/>
+    <p:sldId id="275" r:id="rId23"/>
+    <p:sldId id="270" r:id="rId24"/>
+    <p:sldId id="273" r:id="rId25"/>
+    <p:sldId id="276" r:id="rId26"/>
   </p:sldIdLst>
   <p:sldSz cx="9144000" cy="6858000" type="screen4x3"/>
   <p:notesSz cx="6858000" cy="9144000"/>
@@ -128,6 +128,22 @@
       </a:defRPr>
     </a:lvl9pPr>
   </p:defaultTextStyle>
+  <p:extLst>
+    <p:ext uri="{EFAFB233-063F-42B5-8137-9DF3F51BA10A}">
+      <p15:sldGuideLst xmlns:p15="http://schemas.microsoft.com/office/powerpoint/2012/main">
+        <p15:guide id="1" orient="horz" pos="2160">
+          <p15:clr>
+            <a:srgbClr val="A4A3A4"/>
+          </p15:clr>
+        </p15:guide>
+        <p15:guide id="2" pos="2880">
+          <p15:clr>
+            <a:srgbClr val="A4A3A4"/>
+          </p15:clr>
+        </p15:guide>
+      </p15:sldGuideLst>
+    </p:ext>
+  </p:extLst>
 </p:presentation>
 </file>
 
@@ -2888,7 +2904,7 @@
           <a:p>
             <a:fld id="{4C5098E7-BB1A-40A0-B4E6-3A66C38275E1}" type="datetimeFigureOut">
               <a:rPr lang="pt-BR" smtClean="0"/>
-              <a:t>10/05/2015</a:t>
+              <a:t>11/05/2015</a:t>
             </a:fld>
             <a:endParaRPr lang="pt-BR"/>
           </a:p>
@@ -3004,7 +3020,7 @@
           <a:p>
             <a:fld id="{FB54A442-3526-405F-B53C-7A2F10C1A640}" type="slidenum">
               <a:rPr lang="pt-BR" smtClean="0"/>
-              <a:t>‹nº›</a:t>
+              <a:t>‹#›</a:t>
             </a:fld>
             <a:endParaRPr lang="pt-BR"/>
           </a:p>
@@ -3173,7 +3189,7 @@
           <a:p>
             <a:fld id="{4C5098E7-BB1A-40A0-B4E6-3A66C38275E1}" type="datetimeFigureOut">
               <a:rPr lang="pt-BR" smtClean="0"/>
-              <a:t>10/05/2015</a:t>
+              <a:t>11/05/2015</a:t>
             </a:fld>
             <a:endParaRPr lang="pt-BR"/>
           </a:p>
@@ -3215,7 +3231,7 @@
           <a:p>
             <a:fld id="{FB54A442-3526-405F-B53C-7A2F10C1A640}" type="slidenum">
               <a:rPr lang="pt-BR" smtClean="0"/>
-              <a:t>‹nº›</a:t>
+              <a:t>‹#›</a:t>
             </a:fld>
             <a:endParaRPr lang="pt-BR"/>
           </a:p>
@@ -3348,7 +3364,7 @@
           <a:p>
             <a:fld id="{4C5098E7-BB1A-40A0-B4E6-3A66C38275E1}" type="datetimeFigureOut">
               <a:rPr lang="pt-BR" smtClean="0"/>
-              <a:t>10/05/2015</a:t>
+              <a:t>11/05/2015</a:t>
             </a:fld>
             <a:endParaRPr lang="pt-BR"/>
           </a:p>
@@ -3390,7 +3406,7 @@
           <a:p>
             <a:fld id="{FB54A442-3526-405F-B53C-7A2F10C1A640}" type="slidenum">
               <a:rPr lang="pt-BR" smtClean="0"/>
-              <a:t>‹nº›</a:t>
+              <a:t>‹#›</a:t>
             </a:fld>
             <a:endParaRPr lang="pt-BR"/>
           </a:p>
@@ -3513,7 +3529,7 @@
           <a:p>
             <a:fld id="{4C5098E7-BB1A-40A0-B4E6-3A66C38275E1}" type="datetimeFigureOut">
               <a:rPr lang="pt-BR" smtClean="0"/>
-              <a:t>10/05/2015</a:t>
+              <a:t>11/05/2015</a:t>
             </a:fld>
             <a:endParaRPr lang="pt-BR"/>
           </a:p>
@@ -3555,7 +3571,7 @@
           <a:p>
             <a:fld id="{FB54A442-3526-405F-B53C-7A2F10C1A640}" type="slidenum">
               <a:rPr lang="pt-BR" smtClean="0"/>
-              <a:t>‹nº›</a:t>
+              <a:t>‹#›</a:t>
             </a:fld>
             <a:endParaRPr lang="pt-BR"/>
           </a:p>
@@ -3754,7 +3770,7 @@
           <a:p>
             <a:fld id="{4C5098E7-BB1A-40A0-B4E6-3A66C38275E1}" type="datetimeFigureOut">
               <a:rPr lang="pt-BR" smtClean="0"/>
-              <a:t>10/05/2015</a:t>
+              <a:t>11/05/2015</a:t>
             </a:fld>
             <a:endParaRPr lang="pt-BR"/>
           </a:p>
@@ -3796,7 +3812,7 @@
           <a:p>
             <a:fld id="{FB54A442-3526-405F-B53C-7A2F10C1A640}" type="slidenum">
               <a:rPr lang="pt-BR" smtClean="0"/>
-              <a:t>‹nº›</a:t>
+              <a:t>‹#›</a:t>
             </a:fld>
             <a:endParaRPr lang="pt-BR"/>
           </a:p>
@@ -3867,7 +3883,7 @@
           <a:p>
             <a:fld id="{4C5098E7-BB1A-40A0-B4E6-3A66C38275E1}" type="datetimeFigureOut">
               <a:rPr lang="pt-BR" smtClean="0"/>
-              <a:t>10/05/2015</a:t>
+              <a:t>11/05/2015</a:t>
             </a:fld>
             <a:endParaRPr lang="pt-BR"/>
           </a:p>
@@ -3909,7 +3925,7 @@
           <a:p>
             <a:fld id="{FB54A442-3526-405F-B53C-7A2F10C1A640}" type="slidenum">
               <a:rPr lang="pt-BR" smtClean="0"/>
-              <a:t>‹nº›</a:t>
+              <a:t>‹#›</a:t>
             </a:fld>
             <a:endParaRPr lang="pt-BR"/>
           </a:p>
@@ -4406,7 +4422,7 @@
           <a:p>
             <a:fld id="{4C5098E7-BB1A-40A0-B4E6-3A66C38275E1}" type="datetimeFigureOut">
               <a:rPr lang="pt-BR" smtClean="0"/>
-              <a:t>10/05/2015</a:t>
+              <a:t>11/05/2015</a:t>
             </a:fld>
             <a:endParaRPr lang="pt-BR"/>
           </a:p>
@@ -4448,7 +4464,7 @@
           <a:p>
             <a:fld id="{FB54A442-3526-405F-B53C-7A2F10C1A640}" type="slidenum">
               <a:rPr lang="pt-BR" smtClean="0"/>
-              <a:t>‹nº›</a:t>
+              <a:t>‹#›</a:t>
             </a:fld>
             <a:endParaRPr lang="pt-BR"/>
           </a:p>
@@ -4519,7 +4535,7 @@
           <a:p>
             <a:fld id="{4C5098E7-BB1A-40A0-B4E6-3A66C38275E1}" type="datetimeFigureOut">
               <a:rPr lang="pt-BR" smtClean="0"/>
-              <a:t>10/05/2015</a:t>
+              <a:t>11/05/2015</a:t>
             </a:fld>
             <a:endParaRPr lang="pt-BR"/>
           </a:p>
@@ -4561,7 +4577,7 @@
           <a:p>
             <a:fld id="{FB54A442-3526-405F-B53C-7A2F10C1A640}" type="slidenum">
               <a:rPr lang="pt-BR" smtClean="0"/>
-              <a:t>‹nº›</a:t>
+              <a:t>‹#›</a:t>
             </a:fld>
             <a:endParaRPr lang="pt-BR"/>
           </a:p>
@@ -4609,7 +4625,7 @@
           <a:p>
             <a:fld id="{4C5098E7-BB1A-40A0-B4E6-3A66C38275E1}" type="datetimeFigureOut">
               <a:rPr lang="pt-BR" smtClean="0"/>
-              <a:t>10/05/2015</a:t>
+              <a:t>11/05/2015</a:t>
             </a:fld>
             <a:endParaRPr lang="pt-BR"/>
           </a:p>
@@ -4651,7 +4667,7 @@
           <a:p>
             <a:fld id="{FB54A442-3526-405F-B53C-7A2F10C1A640}" type="slidenum">
               <a:rPr lang="pt-BR" smtClean="0"/>
-              <a:t>‹nº›</a:t>
+              <a:t>‹#›</a:t>
             </a:fld>
             <a:endParaRPr lang="pt-BR"/>
           </a:p>
@@ -7260,7 +7276,7 @@
           <a:p>
             <a:fld id="{4C5098E7-BB1A-40A0-B4E6-3A66C38275E1}" type="datetimeFigureOut">
               <a:rPr lang="pt-BR" smtClean="0"/>
-              <a:t>10/05/2015</a:t>
+              <a:t>11/05/2015</a:t>
             </a:fld>
             <a:endParaRPr lang="pt-BR"/>
           </a:p>
@@ -7283,7 +7299,7 @@
           <a:p>
             <a:fld id="{FB54A442-3526-405F-B53C-7A2F10C1A640}" type="slidenum">
               <a:rPr lang="pt-BR" smtClean="0"/>
-              <a:t>‹nº›</a:t>
+              <a:t>‹#›</a:t>
             </a:fld>
             <a:endParaRPr lang="pt-BR"/>
           </a:p>
@@ -10472,7 +10488,7 @@
           <a:p>
             <a:fld id="{4C5098E7-BB1A-40A0-B4E6-3A66C38275E1}" type="datetimeFigureOut">
               <a:rPr lang="pt-BR" smtClean="0"/>
-              <a:t>10/05/2015</a:t>
+              <a:t>11/05/2015</a:t>
             </a:fld>
             <a:endParaRPr lang="pt-BR"/>
           </a:p>
@@ -10521,7 +10537,7 @@
           <a:p>
             <a:fld id="{FB54A442-3526-405F-B53C-7A2F10C1A640}" type="slidenum">
               <a:rPr lang="pt-BR" smtClean="0"/>
-              <a:t>‹nº›</a:t>
+              <a:t>‹#›</a:t>
             </a:fld>
             <a:endParaRPr lang="pt-BR"/>
           </a:p>
@@ -13294,7 +13310,7 @@
           <a:p>
             <a:fld id="{4C5098E7-BB1A-40A0-B4E6-3A66C38275E1}" type="datetimeFigureOut">
               <a:rPr lang="pt-BR" smtClean="0"/>
-              <a:t>10/05/2015</a:t>
+              <a:t>11/05/2015</a:t>
             </a:fld>
             <a:endParaRPr lang="pt-BR"/>
           </a:p>
@@ -13368,7 +13384,7 @@
           <a:p>
             <a:fld id="{FB54A442-3526-405F-B53C-7A2F10C1A640}" type="slidenum">
               <a:rPr lang="pt-BR" smtClean="0"/>
-              <a:t>‹nº›</a:t>
+              <a:t>‹#›</a:t>
             </a:fld>
             <a:endParaRPr lang="pt-BR"/>
           </a:p>
@@ -14018,7 +14034,7 @@
             <p:ph idx="1"/>
             <p:extLst>
               <p:ext uri="{D42A27DB-BD31-4B8C-83A1-F6EECF244321}">
-                <p14:modId xmlns:p14="http://schemas.microsoft.com/office/powerpoint/2010/main" val="37560792"/>
+                <p14:modId xmlns:p14="http://schemas.microsoft.com/office/powerpoint/2010/main" val="3476889767"/>
               </p:ext>
             </p:extLst>
           </p:nvPr>
@@ -14695,7 +14711,7 @@
                         <a:defRPr/>
                       </a:pPr>
                       <a:r>
-                        <a:rPr lang="pt-BR" sz="1800" b="0" i="0" kern="1200" dirty="0" smtClean="0">
+                        <a:rPr lang="pt-BR" sz="1800" b="1" i="0" kern="1200" dirty="0" smtClean="0">
                           <a:solidFill>
                             <a:schemeClr val="dk1"/>
                           </a:solidFill>
@@ -14704,10 +14720,10 @@
                           <a:ea typeface="+mn-ea"/>
                           <a:cs typeface="+mn-cs"/>
                         </a:rPr>
-                        <a:t>--- Oracle---</a:t>
+                        <a:t>Oracle</a:t>
                       </a:r>
                       <a:r>
-                        <a:rPr lang="pt-BR" sz="1800" b="0" i="0" kern="1200" baseline="0" dirty="0" smtClean="0">
+                        <a:rPr lang="pt-BR" sz="1800" b="1" i="0" kern="1200" baseline="0" dirty="0" smtClean="0">
                           <a:solidFill>
                             <a:schemeClr val="dk1"/>
                           </a:solidFill>
@@ -14716,9 +14732,21 @@
                           <a:ea typeface="+mn-ea"/>
                           <a:cs typeface="+mn-cs"/>
                         </a:rPr>
-                        <a:t> 2010</a:t>
+                        <a:t> </a:t>
                       </a:r>
-                      <a:endParaRPr lang="pt-BR" sz="1800" b="0" i="0" kern="1200" dirty="0" smtClean="0">
+                      <a:r>
+                        <a:rPr lang="pt-BR" sz="1800" b="1" i="0" kern="1200" baseline="0" dirty="0" smtClean="0">
+                          <a:solidFill>
+                            <a:schemeClr val="dk1"/>
+                          </a:solidFill>
+                          <a:effectLst/>
+                          <a:latin typeface="+mn-lt"/>
+                          <a:ea typeface="+mn-ea"/>
+                          <a:cs typeface="+mn-cs"/>
+                        </a:rPr>
+                        <a:t>2010</a:t>
+                      </a:r>
+                      <a:endParaRPr lang="pt-BR" sz="1800" b="1" i="0" kern="1200" dirty="0" smtClean="0">
                         <a:solidFill>
                           <a:schemeClr val="dk1"/>
                         </a:solidFill>
@@ -15064,37 +15092,12 @@
       </p:grpSpPr>
       <p:sp>
         <p:nvSpPr>
-          <p:cNvPr id="2" name="Título 1"/>
+          <p:cNvPr id="3" name="Espaço Reservado para Conteúdo 2"/>
           <p:cNvSpPr>
             <a:spLocks noGrp="1"/>
           </p:cNvSpPr>
           <p:nvPr>
-            <p:ph type="ctrTitle"/>
-          </p:nvPr>
-        </p:nvSpPr>
-        <p:spPr/>
-        <p:txBody>
-          <a:bodyPr>
-            <a:normAutofit/>
-          </a:bodyPr>
-          <a:lstStyle/>
-          <a:p>
-            <a:r>
-              <a:rPr lang="pt-BR" dirty="0" smtClean="0"/>
-              <a:t>Presente</a:t>
-            </a:r>
-            <a:endParaRPr lang="pt-BR" dirty="0"/>
-          </a:p>
-        </p:txBody>
-      </p:sp>
-      <p:sp>
-        <p:nvSpPr>
-          <p:cNvPr id="4" name="Espaço Reservado para Conteúdo 3"/>
-          <p:cNvSpPr>
-            <a:spLocks noGrp="1"/>
-          </p:cNvSpPr>
-          <p:nvPr>
-            <p:ph type="subTitle" idx="1"/>
+            <p:ph idx="1"/>
           </p:nvPr>
         </p:nvSpPr>
         <p:spPr/>
@@ -15102,9 +15105,69 @@
           <a:bodyPr/>
           <a:lstStyle/>
           <a:p>
+            <a:endParaRPr lang="pt-BR"/>
+          </a:p>
+        </p:txBody>
+      </p:sp>
+      <p:pic>
+        <p:nvPicPr>
+          <p:cNvPr id="1026" name="Picture 2" descr="https://lh5.googleusercontent.com/3S7lOL8p7b15IEgh2GwhAlSlljOV5O9CJLT8AOZg2dw_hrwUOjP8szJbINpPaeJjWaAo1rkUW4OR7kh7RWtx0Wbe7z9MkVImp4069OseEKURMrNqQ4l-ikyjHDmwUOxbww"/>
+          <p:cNvPicPr>
+            <a:picLocks noChangeAspect="1" noChangeArrowheads="1"/>
+          </p:cNvPicPr>
+          <p:nvPr/>
+        </p:nvPicPr>
+        <p:blipFill>
+          <a:blip r:embed="rId2">
+            <a:extLst>
+              <a:ext uri="{28A0092B-C50C-407E-A947-70E740481C1C}">
+                <a14:useLocalDpi xmlns:a14="http://schemas.microsoft.com/office/drawing/2010/main" val="0"/>
+              </a:ext>
+            </a:extLst>
+          </a:blip>
+          <a:srcRect/>
+          <a:stretch>
+            <a:fillRect/>
+          </a:stretch>
+        </p:blipFill>
+        <p:spPr bwMode="auto">
+          <a:xfrm>
+            <a:off x="611560" y="2636912"/>
+            <a:ext cx="7814043" cy="2520280"/>
+          </a:xfrm>
+          <a:prstGeom prst="rect">
+            <a:avLst/>
+          </a:prstGeom>
+          <a:noFill/>
+          <a:extLst>
+            <a:ext uri="{909E8E84-426E-40DD-AFC4-6F175D3DCCD1}">
+              <a14:hiddenFill xmlns:a14="http://schemas.microsoft.com/office/drawing/2010/main">
+                <a:solidFill>
+                  <a:srgbClr val="FFFFFF"/>
+                </a:solidFill>
+              </a14:hiddenFill>
+            </a:ext>
+          </a:extLst>
+        </p:spPr>
+      </p:pic>
+      <p:sp>
+        <p:nvSpPr>
+          <p:cNvPr id="4" name="Title 3"/>
+          <p:cNvSpPr>
+            <a:spLocks noGrp="1"/>
+          </p:cNvSpPr>
+          <p:nvPr>
+            <p:ph type="title"/>
+          </p:nvPr>
+        </p:nvSpPr>
+        <p:spPr/>
+        <p:txBody>
+          <a:bodyPr/>
+          <a:lstStyle/>
+          <a:p>
             <a:r>
               <a:rPr lang="pt-BR" dirty="0" smtClean="0"/>
-              <a:t>Java hoje</a:t>
+              <a:t>Codebase OpenJdk</a:t>
             </a:r>
             <a:endParaRPr lang="pt-BR" dirty="0"/>
           </a:p>
@@ -15113,7 +15176,7 @@
     </p:spTree>
     <p:extLst>
       <p:ext uri="{BB962C8B-B14F-4D97-AF65-F5344CB8AC3E}">
-        <p14:creationId xmlns:p14="http://schemas.microsoft.com/office/powerpoint/2010/main" val="899771645"/>
+        <p14:creationId xmlns:p14="http://schemas.microsoft.com/office/powerpoint/2010/main" val="2945829438"/>
       </p:ext>
     </p:extLst>
   </p:cSld>
@@ -15154,7 +15217,7 @@
             <a:spLocks noGrp="1"/>
           </p:cNvSpPr>
           <p:nvPr>
-            <p:ph type="title"/>
+            <p:ph type="ctrTitle"/>
           </p:nvPr>
         </p:nvSpPr>
         <p:spPr/>
@@ -15166,7 +15229,7 @@
           <a:p>
             <a:r>
               <a:rPr lang="pt-BR" dirty="0" smtClean="0"/>
-              <a:t>JCP e JSR</a:t>
+              <a:t>Presente</a:t>
             </a:r>
             <a:endParaRPr lang="pt-BR" dirty="0"/>
           </a:p>
@@ -15179,39 +15242,17 @@
             <a:spLocks noGrp="1"/>
           </p:cNvSpPr>
           <p:nvPr>
-            <p:ph idx="1"/>
+            <p:ph type="subTitle" idx="1"/>
           </p:nvPr>
         </p:nvSpPr>
         <p:spPr/>
         <p:txBody>
-          <a:bodyPr>
-            <a:normAutofit fontScale="92500" lnSpcReduction="10000"/>
-          </a:bodyPr>
+          <a:bodyPr/>
           <a:lstStyle/>
           <a:p>
             <a:r>
-              <a:rPr lang="en-US" dirty="0"/>
-              <a:t>Welcome to jcp.org, home of the Java Community </a:t>
-            </a:r>
-            <a:r>
-              <a:rPr lang="en-US" dirty="0" err="1"/>
-              <a:t>Process</a:t>
-            </a:r>
-            <a:r>
-              <a:rPr lang="en-US" baseline="30000" dirty="0" err="1"/>
-              <a:t>SM</a:t>
-            </a:r>
-            <a:r>
-              <a:rPr lang="en-US" dirty="0"/>
-              <a:t> (JCP</a:t>
-            </a:r>
-            <a:r>
-              <a:rPr lang="en-US" baseline="30000" dirty="0"/>
-              <a:t>SM</a:t>
-            </a:r>
-            <a:r>
-              <a:rPr lang="en-US" dirty="0"/>
-              <a:t>) Program. The JCP is the mechanism for developing standard technical specifications for Java technology. Anyone can register for the site and participate in reviewing and providing feedback for the Java Specification Requests (JSRs), and anyone can sign up to become a JCP Member and then participate on the Expert Group of a JSR or even submit their own JSR Proposals.</a:t>
+              <a:rPr lang="pt-BR" dirty="0" smtClean="0"/>
+              <a:t>Java hoje</a:t>
             </a:r>
             <a:endParaRPr lang="pt-BR" dirty="0"/>
           </a:p>
@@ -15220,7 +15261,7 @@
     </p:spTree>
     <p:extLst>
       <p:ext uri="{BB962C8B-B14F-4D97-AF65-F5344CB8AC3E}">
-        <p14:creationId xmlns:p14="http://schemas.microsoft.com/office/powerpoint/2010/main" val="3289232690"/>
+        <p14:creationId xmlns:p14="http://schemas.microsoft.com/office/powerpoint/2010/main" val="899771645"/>
       </p:ext>
     </p:extLst>
   </p:cSld>
@@ -15272,20 +15313,8 @@
           <a:lstStyle/>
           <a:p>
             <a:r>
-              <a:rPr lang="pt-BR" dirty="0"/>
-              <a:t>JDK </a:t>
-            </a:r>
-            <a:r>
-              <a:rPr lang="pt-BR" dirty="0" err="1"/>
-              <a:t>Enhancement</a:t>
-            </a:r>
-            <a:r>
-              <a:rPr lang="pt-BR" dirty="0"/>
-              <a:t> </a:t>
-            </a:r>
-            <a:r>
-              <a:rPr lang="pt-BR" dirty="0" err="1" smtClean="0"/>
-              <a:t>Proposal</a:t>
+              <a:rPr lang="pt-BR" dirty="0" smtClean="0"/>
+              <a:t>JCP e JSR</a:t>
             </a:r>
             <a:endParaRPr lang="pt-BR" dirty="0"/>
           </a:p>
@@ -15304,61 +15333,33 @@
         <p:spPr/>
         <p:txBody>
           <a:bodyPr>
-            <a:normAutofit/>
+            <a:normAutofit fontScale="92500" lnSpcReduction="10000"/>
           </a:bodyPr>
           <a:lstStyle/>
           <a:p>
             <a:r>
               <a:rPr lang="en-US" dirty="0"/>
-              <a:t>The </a:t>
-            </a:r>
-            <a:r>
-              <a:rPr lang="en-US" b="1" dirty="0"/>
-              <a:t>JDK Enhancement Proposal</a:t>
+              <a:t>Welcome to jcp.org, home of the Java Community </a:t>
+            </a:r>
+            <a:r>
+              <a:rPr lang="en-US" dirty="0" err="1"/>
+              <a:t>Process</a:t>
+            </a:r>
+            <a:r>
+              <a:rPr lang="en-US" baseline="30000" dirty="0" err="1"/>
+              <a:t>SM</a:t>
             </a:r>
             <a:r>
               <a:rPr lang="en-US" dirty="0"/>
-              <a:t> (or </a:t>
-            </a:r>
-            <a:r>
-              <a:rPr lang="en-US" b="1" dirty="0"/>
-              <a:t>JEP</a:t>
+              <a:t> (JCP</a:t>
+            </a:r>
+            <a:r>
+              <a:rPr lang="en-US" baseline="30000" dirty="0"/>
+              <a:t>SM</a:t>
             </a:r>
             <a:r>
               <a:rPr lang="en-US" dirty="0"/>
-              <a:t>) is a process drafted by </a:t>
-            </a:r>
-            <a:r>
-              <a:rPr lang="en-US" dirty="0" smtClean="0"/>
-              <a:t>Oracle Corporation</a:t>
-            </a:r>
-            <a:r>
-              <a:rPr lang="en-US" dirty="0"/>
-              <a:t> for collecting proposals for enhancements to </a:t>
-            </a:r>
-            <a:r>
-              <a:rPr lang="en-US" dirty="0" smtClean="0"/>
-              <a:t>the Java Development Kit</a:t>
-            </a:r>
-            <a:r>
-              <a:rPr lang="en-US" dirty="0"/>
-              <a:t> </a:t>
-            </a:r>
-            <a:r>
-              <a:rPr lang="en-US" dirty="0" smtClean="0"/>
-              <a:t>and</a:t>
-            </a:r>
-            <a:r>
-              <a:rPr lang="en-US" dirty="0"/>
-              <a:t> </a:t>
-            </a:r>
-            <a:r>
-              <a:rPr lang="en-US" dirty="0" err="1" smtClean="0"/>
-              <a:t>OpenDK</a:t>
-            </a:r>
-            <a:r>
-              <a:rPr lang="en-US" dirty="0" smtClean="0"/>
-              <a:t>.</a:t>
+              <a:t>) Program. The JCP is the mechanism for developing standard technical specifications for Java technology. Anyone can register for the site and participate in reviewing and providing feedback for the Java Specification Requests (JSRs), and anyone can sign up to become a JCP Member and then participate on the Expert Group of a JSR or even submit their own JSR Proposals.</a:t>
             </a:r>
             <a:endParaRPr lang="pt-BR" dirty="0"/>
           </a:p>
@@ -15367,7 +15368,7 @@
     </p:spTree>
     <p:extLst>
       <p:ext uri="{BB962C8B-B14F-4D97-AF65-F5344CB8AC3E}">
-        <p14:creationId xmlns:p14="http://schemas.microsoft.com/office/powerpoint/2010/main" val="264998169"/>
+        <p14:creationId xmlns:p14="http://schemas.microsoft.com/office/powerpoint/2010/main" val="3289232690"/>
       </p:ext>
     </p:extLst>
   </p:cSld>
@@ -15414,21 +15415,25 @@
         <p:spPr/>
         <p:txBody>
           <a:bodyPr>
-            <a:normAutofit fontScale="90000"/>
+            <a:normAutofit/>
           </a:bodyPr>
           <a:lstStyle/>
           <a:p>
             <a:r>
-              <a:rPr lang="pt-BR" dirty="0" smtClean="0"/>
-              <a:t>Meta-circular</a:t>
-            </a:r>
-            <a:r>
-              <a:rPr lang="pt-BR" dirty="0" smtClean="0"/>
-              <a:t> / </a:t>
-            </a:r>
-            <a:r>
               <a:rPr lang="pt-BR" dirty="0"/>
-              <a:t>Linguagens Dinâmicas </a:t>
+              <a:t>JDK </a:t>
+            </a:r>
+            <a:r>
+              <a:rPr lang="pt-BR" dirty="0" err="1"/>
+              <a:t>Enhancement</a:t>
+            </a:r>
+            <a:r>
+              <a:rPr lang="pt-BR" dirty="0"/>
+              <a:t> </a:t>
+            </a:r>
+            <a:r>
+              <a:rPr lang="pt-BR" dirty="0" err="1" smtClean="0"/>
+              <a:t>Proposal</a:t>
             </a:r>
             <a:endParaRPr lang="pt-BR" dirty="0"/>
           </a:p>
@@ -15452,64 +15457,56 @@
           <a:lstStyle/>
           <a:p>
             <a:r>
+              <a:rPr lang="en-US" dirty="0"/>
+              <a:t>The </a:t>
+            </a:r>
+            <a:r>
+              <a:rPr lang="en-US" b="1" dirty="0"/>
+              <a:t>JDK Enhancement Proposal</a:t>
+            </a:r>
+            <a:r>
+              <a:rPr lang="en-US" dirty="0"/>
+              <a:t> (or </a:t>
+            </a:r>
+            <a:r>
+              <a:rPr lang="en-US" b="1" dirty="0"/>
+              <a:t>JEP</a:t>
+            </a:r>
+            <a:r>
+              <a:rPr lang="en-US" dirty="0"/>
+              <a:t>) is a process drafted by </a:t>
+            </a:r>
+            <a:r>
               <a:rPr lang="en-US" dirty="0" smtClean="0"/>
-              <a:t>Maxine - JVM</a:t>
-            </a:r>
-          </a:p>
-          <a:p>
+              <a:t>Oracle Corporation</a:t>
+            </a:r>
+            <a:r>
+              <a:rPr lang="en-US" dirty="0"/>
+              <a:t> for collecting proposals for enhancements to </a:t>
+            </a:r>
+            <a:r>
+              <a:rPr lang="en-US" dirty="0" smtClean="0"/>
+              <a:t>the Java Development Kit</a:t>
+            </a:r>
+            <a:r>
+              <a:rPr lang="en-US" dirty="0"/>
+              <a:t> </a:t>
+            </a:r>
+            <a:r>
+              <a:rPr lang="en-US" dirty="0" smtClean="0"/>
+              <a:t>and</a:t>
+            </a:r>
+            <a:r>
+              <a:rPr lang="en-US" dirty="0"/>
+              <a:t> </a:t>
+            </a:r>
             <a:r>
               <a:rPr lang="en-US" dirty="0" err="1" smtClean="0"/>
-              <a:t>Graal</a:t>
+              <a:t>OpenDK</a:t>
             </a:r>
             <a:r>
               <a:rPr lang="en-US" dirty="0" smtClean="0"/>
-              <a:t> VM – </a:t>
-            </a:r>
-            <a:r>
-              <a:rPr lang="en-US" dirty="0" err="1" smtClean="0"/>
-              <a:t>compilador</a:t>
-            </a:r>
-            <a:r>
-              <a:rPr lang="en-US" dirty="0" smtClean="0"/>
-              <a:t> e </a:t>
-            </a:r>
-            <a:r>
-              <a:rPr lang="en-US" dirty="0" err="1" smtClean="0"/>
-              <a:t>interpretador</a:t>
-            </a:r>
-            <a:endParaRPr lang="en-US" dirty="0" smtClean="0"/>
-          </a:p>
-          <a:p>
-            <a:r>
-              <a:rPr lang="en-US" dirty="0" err="1" smtClean="0"/>
-              <a:t>Jruby</a:t>
-            </a:r>
-            <a:endParaRPr lang="en-US" dirty="0" smtClean="0"/>
-          </a:p>
-          <a:p>
-            <a:r>
-              <a:rPr lang="en-US" dirty="0" err="1" smtClean="0"/>
-              <a:t>Jython</a:t>
-            </a:r>
-            <a:endParaRPr lang="en-US" dirty="0" smtClean="0"/>
-          </a:p>
-          <a:p>
-            <a:r>
-              <a:rPr lang="en-US" dirty="0" err="1" smtClean="0"/>
-              <a:t>Nashorn</a:t>
-            </a:r>
-            <a:endParaRPr lang="en-US" dirty="0" smtClean="0"/>
-          </a:p>
-          <a:p>
-            <a:r>
-              <a:rPr lang="en-US" dirty="0" smtClean="0"/>
-              <a:t>Scala</a:t>
-            </a:r>
-          </a:p>
-          <a:p>
-            <a:r>
-              <a:rPr lang="en-US" smtClean="0"/>
-              <a:t>Groovy</a:t>
+              <a:t>.</a:t>
             </a:r>
             <a:endParaRPr lang="pt-BR" dirty="0"/>
           </a:p>
@@ -15518,7 +15515,7 @@
     </p:spTree>
     <p:extLst>
       <p:ext uri="{BB962C8B-B14F-4D97-AF65-F5344CB8AC3E}">
-        <p14:creationId xmlns:p14="http://schemas.microsoft.com/office/powerpoint/2010/main" val="4260718970"/>
+        <p14:creationId xmlns:p14="http://schemas.microsoft.com/office/powerpoint/2010/main" val="264998169"/>
       </p:ext>
     </p:extLst>
   </p:cSld>
@@ -15554,7 +15551,39 @@
       </p:grpSpPr>
       <p:sp>
         <p:nvSpPr>
-          <p:cNvPr id="3" name="Espaço Reservado para Conteúdo 2"/>
+          <p:cNvPr id="2" name="Título 1"/>
+          <p:cNvSpPr>
+            <a:spLocks noGrp="1"/>
+          </p:cNvSpPr>
+          <p:nvPr>
+            <p:ph type="title"/>
+          </p:nvPr>
+        </p:nvSpPr>
+        <p:spPr/>
+        <p:txBody>
+          <a:bodyPr>
+            <a:normAutofit fontScale="90000"/>
+          </a:bodyPr>
+          <a:lstStyle/>
+          <a:p>
+            <a:r>
+              <a:rPr lang="pt-BR" dirty="0" smtClean="0"/>
+              <a:t>Meta-circular </a:t>
+            </a:r>
+            <a:r>
+              <a:rPr lang="pt-BR" dirty="0" smtClean="0"/>
+              <a:t>e </a:t>
+            </a:r>
+            <a:r>
+              <a:rPr lang="pt-BR" dirty="0"/>
+              <a:t>Linguagens Dinâmicas </a:t>
+            </a:r>
+          </a:p>
+        </p:txBody>
+      </p:sp>
+      <p:sp>
+        <p:nvSpPr>
+          <p:cNvPr id="4" name="Espaço Reservado para Conteúdo 3"/>
           <p:cNvSpPr>
             <a:spLocks noGrp="1"/>
           </p:cNvSpPr>
@@ -15564,90 +15593,79 @@
         </p:nvSpPr>
         <p:spPr/>
         <p:txBody>
-          <a:bodyPr/>
+          <a:bodyPr>
+            <a:normAutofit/>
+          </a:bodyPr>
           <a:lstStyle/>
           <a:p>
-            <a:endParaRPr lang="pt-BR"/>
+            <a:r>
+              <a:rPr lang="en-US" dirty="0" smtClean="0"/>
+              <a:t>Maxine - JVM</a:t>
+            </a:r>
+          </a:p>
+          <a:p>
+            <a:r>
+              <a:rPr lang="en-US" dirty="0" err="1" smtClean="0"/>
+              <a:t>Graal</a:t>
+            </a:r>
+            <a:r>
+              <a:rPr lang="en-US" dirty="0" smtClean="0"/>
+              <a:t> VM – </a:t>
+            </a:r>
+            <a:r>
+              <a:rPr lang="en-US" dirty="0" err="1" smtClean="0"/>
+              <a:t>compilador</a:t>
+            </a:r>
+            <a:r>
+              <a:rPr lang="en-US" dirty="0" smtClean="0"/>
+              <a:t> e </a:t>
+            </a:r>
+            <a:r>
+              <a:rPr lang="en-US" dirty="0" err="1" smtClean="0"/>
+              <a:t>interpretador</a:t>
+            </a:r>
+            <a:endParaRPr lang="en-US" dirty="0" smtClean="0"/>
+          </a:p>
+          <a:p>
+            <a:r>
+              <a:rPr lang="en-US" dirty="0" err="1" smtClean="0"/>
+              <a:t>Jruby</a:t>
+            </a:r>
+            <a:endParaRPr lang="en-US" dirty="0" smtClean="0"/>
+          </a:p>
+          <a:p>
+            <a:r>
+              <a:rPr lang="en-US" dirty="0" err="1" smtClean="0"/>
+              <a:t>Jython</a:t>
+            </a:r>
+            <a:endParaRPr lang="en-US" dirty="0" smtClean="0"/>
+          </a:p>
+          <a:p>
+            <a:r>
+              <a:rPr lang="en-US" dirty="0" err="1" smtClean="0"/>
+              <a:t>Nashorn</a:t>
+            </a:r>
+            <a:endParaRPr lang="en-US" dirty="0" smtClean="0"/>
+          </a:p>
+          <a:p>
+            <a:r>
+              <a:rPr lang="en-US" dirty="0" smtClean="0"/>
+              <a:t>Scala</a:t>
+            </a:r>
+          </a:p>
+          <a:p>
+            <a:r>
+              <a:rPr lang="en-US" smtClean="0"/>
+              <a:t>Groovy</a:t>
+            </a:r>
+            <a:endParaRPr lang="pt-BR" dirty="0"/>
           </a:p>
         </p:txBody>
       </p:sp>
-      <p:sp>
-        <p:nvSpPr>
-          <p:cNvPr id="4" name="Título 3"/>
-          <p:cNvSpPr>
-            <a:spLocks noGrp="1"/>
-          </p:cNvSpPr>
-          <p:nvPr>
-            <p:ph type="title"/>
-          </p:nvPr>
-        </p:nvSpPr>
-        <p:spPr/>
-        <p:txBody>
-          <a:bodyPr/>
-          <a:lstStyle/>
-          <a:p>
-            <a:endParaRPr lang="pt-BR"/>
-          </a:p>
-        </p:txBody>
-      </p:sp>
-      <p:pic>
-        <p:nvPicPr>
-          <p:cNvPr id="5123" name="Picture 3"/>
-          <p:cNvPicPr>
-            <a:picLocks noChangeAspect="1" noChangeArrowheads="1"/>
-          </p:cNvPicPr>
-          <p:nvPr/>
-        </p:nvPicPr>
-        <p:blipFill>
-          <a:blip r:embed="rId2">
-            <a:extLst>
-              <a:ext uri="{28A0092B-C50C-407E-A947-70E740481C1C}">
-                <a14:useLocalDpi xmlns:a14="http://schemas.microsoft.com/office/drawing/2010/main" val="0"/>
-              </a:ext>
-            </a:extLst>
-          </a:blip>
-          <a:srcRect/>
-          <a:stretch>
-            <a:fillRect/>
-          </a:stretch>
-        </p:blipFill>
-        <p:spPr bwMode="auto">
-          <a:xfrm>
-            <a:off x="1259632" y="729382"/>
-            <a:ext cx="6495676" cy="5795962"/>
-          </a:xfrm>
-          <a:prstGeom prst="rect">
-            <a:avLst/>
-          </a:prstGeom>
-          <a:noFill/>
-          <a:ln>
-            <a:noFill/>
-          </a:ln>
-          <a:extLst>
-            <a:ext uri="{909E8E84-426E-40DD-AFC4-6F175D3DCCD1}">
-              <a14:hiddenFill xmlns:a14="http://schemas.microsoft.com/office/drawing/2010/main">
-                <a:solidFill>
-                  <a:schemeClr val="accent1"/>
-                </a:solidFill>
-              </a14:hiddenFill>
-            </a:ext>
-            <a:ext uri="{91240B29-F687-4F45-9708-019B960494DF}">
-              <a14:hiddenLine xmlns:a14="http://schemas.microsoft.com/office/drawing/2010/main" w="9525">
-                <a:solidFill>
-                  <a:schemeClr val="tx1"/>
-                </a:solidFill>
-                <a:miter lim="800000"/>
-                <a:headEnd/>
-                <a:tailEnd/>
-              </a14:hiddenLine>
-            </a:ext>
-          </a:extLst>
-        </p:spPr>
-      </p:pic>
     </p:spTree>
     <p:extLst>
       <p:ext uri="{BB962C8B-B14F-4D97-AF65-F5344CB8AC3E}">
-        <p14:creationId xmlns:p14="http://schemas.microsoft.com/office/powerpoint/2010/main" val="4053640432"/>
+        <p14:creationId xmlns:p14="http://schemas.microsoft.com/office/powerpoint/2010/main" val="4260718970"/>
       </p:ext>
     </p:extLst>
   </p:cSld>
@@ -15710,21 +15728,158 @@
             <p:ph type="title"/>
           </p:nvPr>
         </p:nvSpPr>
+        <p:spPr/>
+        <p:txBody>
+          <a:bodyPr/>
+          <a:lstStyle/>
+          <a:p>
+            <a:r>
+              <a:rPr lang="pt-BR" dirty="0" smtClean="0"/>
+              <a:t>GitHub</a:t>
+            </a:r>
+            <a:endParaRPr lang="pt-BR" dirty="0"/>
+          </a:p>
+        </p:txBody>
+      </p:sp>
+      <p:pic>
+        <p:nvPicPr>
+          <p:cNvPr id="2" name="Picture 1"/>
+          <p:cNvPicPr>
+            <a:picLocks noChangeAspect="1"/>
+          </p:cNvPicPr>
+          <p:nvPr/>
+        </p:nvPicPr>
+        <p:blipFill>
+          <a:blip r:embed="rId2"/>
+          <a:stretch>
+            <a:fillRect/>
+          </a:stretch>
+        </p:blipFill>
         <p:spPr>
           <a:xfrm>
-            <a:off x="1014493" y="404664"/>
-            <a:ext cx="4896662" cy="1143000"/>
+            <a:off x="1385887" y="2314575"/>
+            <a:ext cx="6372225" cy="2228850"/>
+          </a:xfrm>
+          <a:prstGeom prst="rect">
+            <a:avLst/>
+          </a:prstGeom>
+        </p:spPr>
+      </p:pic>
+    </p:spTree>
+    <p:extLst>
+      <p:ext uri="{BB962C8B-B14F-4D97-AF65-F5344CB8AC3E}">
+        <p14:creationId xmlns:p14="http://schemas.microsoft.com/office/powerpoint/2010/main" val="4053640432"/>
+      </p:ext>
+    </p:extLst>
+  </p:cSld>
+  <p:clrMapOvr>
+    <a:masterClrMapping/>
+  </p:clrMapOvr>
+  <p:timing>
+    <p:tnLst>
+      <p:par>
+        <p:cTn id="1" dur="indefinite" restart="never" nodeType="tmRoot"/>
+      </p:par>
+    </p:tnLst>
+  </p:timing>
+</p:sld>
+</file>
+
+<file path=ppt/slides/slide19.xml><?xml version="1.0" encoding="utf-8"?>
+<p:sld xmlns:a="http://schemas.openxmlformats.org/drawingml/2006/main" xmlns:r="http://schemas.openxmlformats.org/officeDocument/2006/relationships" xmlns:p="http://schemas.openxmlformats.org/presentationml/2006/main">
+  <p:cSld>
+    <p:spTree>
+      <p:nvGrpSpPr>
+        <p:cNvPr id="1" name=""/>
+        <p:cNvGrpSpPr/>
+        <p:nvPr/>
+      </p:nvGrpSpPr>
+      <p:grpSpPr>
+        <a:xfrm>
+          <a:off x="0" y="0"/>
+          <a:ext cx="0" cy="0"/>
+          <a:chOff x="0" y="0"/>
+          <a:chExt cx="0" cy="0"/>
+        </a:xfrm>
+      </p:grpSpPr>
+      <p:sp>
+        <p:nvSpPr>
+          <p:cNvPr id="3" name="Espaço Reservado para Conteúdo 2"/>
+          <p:cNvSpPr>
+            <a:spLocks noGrp="1"/>
+          </p:cNvSpPr>
+          <p:nvPr>
+            <p:ph idx="1"/>
+          </p:nvPr>
+        </p:nvSpPr>
+        <p:spPr/>
+        <p:txBody>
+          <a:bodyPr/>
+          <a:lstStyle/>
+          <a:p>
+            <a:endParaRPr lang="pt-BR"/>
+          </a:p>
+        </p:txBody>
+      </p:sp>
+      <p:sp>
+        <p:nvSpPr>
+          <p:cNvPr id="4" name="Título 3"/>
+          <p:cNvSpPr>
+            <a:spLocks noGrp="1"/>
+          </p:cNvSpPr>
+          <p:nvPr>
+            <p:ph type="title"/>
+          </p:nvPr>
+        </p:nvSpPr>
+        <p:spPr>
+          <a:xfrm>
+            <a:off x="1014492" y="404664"/>
+            <a:ext cx="7013891" cy="1143000"/>
           </a:xfrm>
         </p:spPr>
         <p:txBody>
-          <a:bodyPr/>
+          <a:bodyPr>
+            <a:normAutofit/>
+          </a:bodyPr>
           <a:lstStyle/>
           <a:p>
             <a:r>
               <a:rPr lang="pt-BR" dirty="0" smtClean="0"/>
-              <a:t>TIOB</a:t>
-            </a:r>
-            <a:endParaRPr lang="pt-BR" dirty="0"/>
+              <a:t>TIOB </a:t>
+            </a:r>
+            <a:r>
+              <a:rPr lang="en-US" dirty="0"/>
+              <a:t>TIOBE </a:t>
+            </a:r>
+            <a:r>
+              <a:rPr lang="en-US" sz="1300" dirty="0"/>
+              <a:t>checks more than </a:t>
+            </a:r>
+            <a:r>
+              <a:rPr lang="en-US" sz="1300" b="1" dirty="0"/>
+              <a:t>300 million lines of software </a:t>
+            </a:r>
+            <a:r>
+              <a:rPr lang="en-US" sz="1300" b="1" dirty="0" smtClean="0"/>
+              <a:t>code </a:t>
+            </a:r>
+            <a:r>
+              <a:rPr lang="en-US" sz="1300" dirty="0" smtClean="0"/>
+              <a:t>for its</a:t>
+            </a:r>
+            <a:r>
+              <a:rPr lang="en-US" sz="1300" dirty="0"/>
+              <a:t> </a:t>
+            </a:r>
+            <a:r>
+              <a:rPr lang="en-US" sz="1300" dirty="0" smtClean="0"/>
+              <a:t>customers</a:t>
+            </a:r>
+            <a:r>
+              <a:rPr lang="en-US" sz="1300" dirty="0"/>
+              <a:t> world-wide, real-time, each day.</a:t>
+            </a:r>
+            <a:endParaRPr lang="pt-BR" sz="1300" dirty="0"/>
           </a:p>
         </p:txBody>
       </p:sp>
@@ -15802,7 +15957,136 @@
 </p:sld>
 </file>
 
-<file path=ppt/slides/slide19.xml><?xml version="1.0" encoding="utf-8"?>
+<file path=ppt/slides/slide2.xml><?xml version="1.0" encoding="utf-8"?>
+<p:sld xmlns:a="http://schemas.openxmlformats.org/drawingml/2006/main" xmlns:r="http://schemas.openxmlformats.org/officeDocument/2006/relationships" xmlns:p="http://schemas.openxmlformats.org/presentationml/2006/main">
+  <p:cSld>
+    <p:spTree>
+      <p:nvGrpSpPr>
+        <p:cNvPr id="1" name=""/>
+        <p:cNvGrpSpPr/>
+        <p:nvPr/>
+      </p:nvGrpSpPr>
+      <p:grpSpPr>
+        <a:xfrm>
+          <a:off x="0" y="0"/>
+          <a:ext cx="0" cy="0"/>
+          <a:chOff x="0" y="0"/>
+          <a:chExt cx="0" cy="0"/>
+        </a:xfrm>
+      </p:grpSpPr>
+      <p:sp>
+        <p:nvSpPr>
+          <p:cNvPr id="2" name="Título 1"/>
+          <p:cNvSpPr>
+            <a:spLocks noGrp="1"/>
+          </p:cNvSpPr>
+          <p:nvPr>
+            <p:ph type="title"/>
+          </p:nvPr>
+        </p:nvSpPr>
+        <p:spPr/>
+        <p:txBody>
+          <a:bodyPr/>
+          <a:lstStyle/>
+          <a:p>
+            <a:r>
+              <a:rPr lang="pt-BR" dirty="0" smtClean="0"/>
+              <a:t>Apresentação</a:t>
+            </a:r>
+            <a:endParaRPr lang="pt-BR" dirty="0"/>
+          </a:p>
+        </p:txBody>
+      </p:sp>
+      <p:sp>
+        <p:nvSpPr>
+          <p:cNvPr id="3" name="Espaço Reservado para Conteúdo 2"/>
+          <p:cNvSpPr>
+            <a:spLocks noGrp="1"/>
+          </p:cNvSpPr>
+          <p:nvPr>
+            <p:ph idx="1"/>
+          </p:nvPr>
+        </p:nvSpPr>
+        <p:spPr/>
+        <p:txBody>
+          <a:bodyPr>
+            <a:normAutofit/>
+          </a:bodyPr>
+          <a:lstStyle/>
+          <a:p>
+            <a:r>
+              <a:rPr lang="pt-BR" sz="1600" dirty="0"/>
+              <a:t>Atuo na área de TI desde 1996 e com Java e aplicações corporativas desde 2004. Tive a oportunidade de participar de grandes projetos para clientes como: HP, EDS, Bosch, Mitsubhishi e para os Governos de Santa Catarina, São Paulo e Mato Grosso do Sul. Atualmente me encontro imerso na cultura Ágil e palestrando em importantes eventos como </a:t>
+            </a:r>
+            <a:r>
+              <a:rPr lang="pt-BR" sz="1600" dirty="0" smtClean="0"/>
+              <a:t>Javaneiros</a:t>
+            </a:r>
+            <a:r>
+              <a:rPr lang="pt-BR" sz="1600" dirty="0"/>
+              <a:t> e Flisol</a:t>
+            </a:r>
+            <a:r>
+              <a:rPr lang="pt-BR" sz="1600" dirty="0" smtClean="0"/>
+              <a:t>.</a:t>
+            </a:r>
+          </a:p>
+          <a:p>
+            <a:endParaRPr lang="pt-BR" sz="1600" dirty="0" smtClean="0"/>
+          </a:p>
+          <a:p>
+            <a:r>
+              <a:rPr lang="pt-BR" sz="1600" dirty="0" smtClean="0"/>
+              <a:t>@apedrina</a:t>
+            </a:r>
+          </a:p>
+          <a:p>
+            <a:r>
+              <a:rPr lang="pt-BR" sz="1600" dirty="0" smtClean="0">
+                <a:hlinkClick r:id="rId2"/>
+              </a:rPr>
+              <a:t>pedrina.alisson@gmail.com</a:t>
+            </a:r>
+            <a:endParaRPr lang="pt-BR" sz="1600" dirty="0" smtClean="0"/>
+          </a:p>
+          <a:p>
+            <a:r>
+              <a:rPr lang="pt-BR" sz="1600" dirty="0" smtClean="0">
+                <a:hlinkClick r:id="rId3"/>
+              </a:rPr>
+              <a:t>www.alissonpedrina.wordpress.com</a:t>
+            </a:r>
+            <a:endParaRPr lang="pt-BR" sz="1600" dirty="0" smtClean="0"/>
+          </a:p>
+          <a:p>
+            <a:pPr marL="68580" indent="0">
+              <a:buNone/>
+            </a:pPr>
+            <a:endParaRPr lang="pt-BR" sz="1600" dirty="0"/>
+          </a:p>
+        </p:txBody>
+      </p:sp>
+    </p:spTree>
+    <p:extLst>
+      <p:ext uri="{BB962C8B-B14F-4D97-AF65-F5344CB8AC3E}">
+        <p14:creationId xmlns:p14="http://schemas.microsoft.com/office/powerpoint/2010/main" val="1912956617"/>
+      </p:ext>
+    </p:extLst>
+  </p:cSld>
+  <p:clrMapOvr>
+    <a:masterClrMapping/>
+  </p:clrMapOvr>
+  <p:timing>
+    <p:tnLst>
+      <p:par>
+        <p:cTn id="1" dur="indefinite" restart="never" nodeType="tmRoot"/>
+      </p:par>
+    </p:tnLst>
+  </p:timing>
+</p:sld>
+</file>
+
+<file path=ppt/slides/slide20.xml><?xml version="1.0" encoding="utf-8"?>
 <p:sld xmlns:a="http://schemas.openxmlformats.org/drawingml/2006/main" xmlns:r="http://schemas.openxmlformats.org/officeDocument/2006/relationships" xmlns:p="http://schemas.openxmlformats.org/presentationml/2006/main">
   <p:cSld>
     <p:spTree>
@@ -15851,18 +16135,28 @@
         <p:spPr>
           <a:xfrm>
             <a:off x="1014493" y="404664"/>
-            <a:ext cx="4896662" cy="1143000"/>
+            <a:ext cx="6806316" cy="1143000"/>
           </a:xfrm>
         </p:spPr>
         <p:txBody>
-          <a:bodyPr/>
+          <a:bodyPr>
+            <a:normAutofit/>
+          </a:bodyPr>
           <a:lstStyle/>
           <a:p>
             <a:r>
               <a:rPr lang="pt-BR" dirty="0" smtClean="0"/>
-              <a:t>IEEE</a:t>
-            </a:r>
-            <a:endParaRPr lang="pt-BR" dirty="0"/>
+              <a:t>IEEE </a:t>
+            </a:r>
+            <a:r>
+              <a:rPr lang="en-US" sz="1200" dirty="0" smtClean="0"/>
+              <a:t>is </a:t>
+            </a:r>
+            <a:r>
+              <a:rPr lang="en-US" sz="1200" dirty="0"/>
+              <a:t>the world's largest professional association dedicated to advancing technological innovation and excellence for the benefit of humanity.</a:t>
+            </a:r>
+            <a:endParaRPr lang="pt-BR" sz="1200" dirty="0"/>
           </a:p>
         </p:txBody>
       </p:sp>
@@ -15927,86 +16221,7 @@
 </p:sld>
 </file>
 
-<file path=ppt/slides/slide2.xml><?xml version="1.0" encoding="utf-8"?>
-<p:sld xmlns:a="http://schemas.openxmlformats.org/drawingml/2006/main" xmlns:r="http://schemas.openxmlformats.org/officeDocument/2006/relationships" xmlns:p="http://schemas.openxmlformats.org/presentationml/2006/main">
-  <p:cSld>
-    <p:spTree>
-      <p:nvGrpSpPr>
-        <p:cNvPr id="1" name=""/>
-        <p:cNvGrpSpPr/>
-        <p:nvPr/>
-      </p:nvGrpSpPr>
-      <p:grpSpPr>
-        <a:xfrm>
-          <a:off x="0" y="0"/>
-          <a:ext cx="0" cy="0"/>
-          <a:chOff x="0" y="0"/>
-          <a:chExt cx="0" cy="0"/>
-        </a:xfrm>
-      </p:grpSpPr>
-      <p:sp>
-        <p:nvSpPr>
-          <p:cNvPr id="2" name="Título 1"/>
-          <p:cNvSpPr>
-            <a:spLocks noGrp="1"/>
-          </p:cNvSpPr>
-          <p:nvPr>
-            <p:ph type="title"/>
-          </p:nvPr>
-        </p:nvSpPr>
-        <p:spPr/>
-        <p:txBody>
-          <a:bodyPr/>
-          <a:lstStyle/>
-          <a:p>
-            <a:r>
-              <a:rPr lang="pt-BR" dirty="0" smtClean="0"/>
-              <a:t>Apresentação</a:t>
-            </a:r>
-            <a:endParaRPr lang="pt-BR" dirty="0"/>
-          </a:p>
-        </p:txBody>
-      </p:sp>
-      <p:sp>
-        <p:nvSpPr>
-          <p:cNvPr id="3" name="Espaço Reservado para Conteúdo 2"/>
-          <p:cNvSpPr>
-            <a:spLocks noGrp="1"/>
-          </p:cNvSpPr>
-          <p:nvPr>
-            <p:ph idx="1"/>
-          </p:nvPr>
-        </p:nvSpPr>
-        <p:spPr/>
-        <p:txBody>
-          <a:bodyPr/>
-          <a:lstStyle/>
-          <a:p>
-            <a:endParaRPr lang="pt-BR" dirty="0"/>
-          </a:p>
-        </p:txBody>
-      </p:sp>
-    </p:spTree>
-    <p:extLst>
-      <p:ext uri="{BB962C8B-B14F-4D97-AF65-F5344CB8AC3E}">
-        <p14:creationId xmlns:p14="http://schemas.microsoft.com/office/powerpoint/2010/main" val="1912956617"/>
-      </p:ext>
-    </p:extLst>
-  </p:cSld>
-  <p:clrMapOvr>
-    <a:masterClrMapping/>
-  </p:clrMapOvr>
-  <p:timing>
-    <p:tnLst>
-      <p:par>
-        <p:cTn id="1" dur="indefinite" restart="never" nodeType="tmRoot"/>
-      </p:par>
-    </p:tnLst>
-  </p:timing>
-</p:sld>
-</file>
-
-<file path=ppt/slides/slide20.xml><?xml version="1.0" encoding="utf-8"?>
+<file path=ppt/slides/slide21.xml><?xml version="1.0" encoding="utf-8"?>
 <p:sld xmlns:a="http://schemas.openxmlformats.org/drawingml/2006/main" xmlns:r="http://schemas.openxmlformats.org/officeDocument/2006/relationships" xmlns:p="http://schemas.openxmlformats.org/presentationml/2006/main">
   <p:cSld>
     <p:spTree>
@@ -16143,7 +16358,7 @@
 </p:sld>
 </file>
 
-<file path=ppt/slides/slide21.xml><?xml version="1.0" encoding="utf-8"?>
+<file path=ppt/slides/slide22.xml><?xml version="1.0" encoding="utf-8"?>
 <p:sld xmlns:a="http://schemas.openxmlformats.org/drawingml/2006/main" xmlns:r="http://schemas.openxmlformats.org/officeDocument/2006/relationships" xmlns:p="http://schemas.openxmlformats.org/presentationml/2006/main">
   <p:cSld>
     <p:spTree>
@@ -16216,10 +16431,17 @@
   <p:clrMapOvr>
     <a:masterClrMapping/>
   </p:clrMapOvr>
+  <p:timing>
+    <p:tnLst>
+      <p:par>
+        <p:cTn id="1" dur="indefinite" restart="never" nodeType="tmRoot"/>
+      </p:par>
+    </p:tnLst>
+  </p:timing>
 </p:sld>
 </file>
 
-<file path=ppt/slides/slide22.xml><?xml version="1.0" encoding="utf-8"?>
+<file path=ppt/slides/slide23.xml><?xml version="1.0" encoding="utf-8"?>
 <p:sld xmlns:a="http://schemas.openxmlformats.org/drawingml/2006/main" xmlns:r="http://schemas.openxmlformats.org/officeDocument/2006/relationships" xmlns:p="http://schemas.openxmlformats.org/presentationml/2006/main">
   <p:cSld>
     <p:spTree>
@@ -16427,10 +16649,17 @@
   <p:clrMapOvr>
     <a:masterClrMapping/>
   </p:clrMapOvr>
+  <p:timing>
+    <p:tnLst>
+      <p:par>
+        <p:cTn id="1" dur="indefinite" restart="never" nodeType="tmRoot"/>
+      </p:par>
+    </p:tnLst>
+  </p:timing>
 </p:sld>
 </file>
 
-<file path=ppt/slides/slide23.xml><?xml version="1.0" encoding="utf-8"?>
+<file path=ppt/slides/slide24.xml><?xml version="1.0" encoding="utf-8"?>
 <p:sld xmlns:a="http://schemas.openxmlformats.org/drawingml/2006/main" xmlns:r="http://schemas.openxmlformats.org/officeDocument/2006/relationships" xmlns:p="http://schemas.openxmlformats.org/presentationml/2006/main">
   <p:cSld>
     <p:spTree>
@@ -16558,10 +16787,17 @@
   <p:clrMapOvr>
     <a:masterClrMapping/>
   </p:clrMapOvr>
+  <p:timing>
+    <p:tnLst>
+      <p:par>
+        <p:cTn id="1" dur="indefinite" restart="never" nodeType="tmRoot"/>
+      </p:par>
+    </p:tnLst>
+  </p:timing>
 </p:sld>
 </file>
 
-<file path=ppt/slides/slide24.xml><?xml version="1.0" encoding="utf-8"?>
+<file path=ppt/slides/slide25.xml><?xml version="1.0" encoding="utf-8"?>
 <p:sld xmlns:a="http://schemas.openxmlformats.org/drawingml/2006/main" xmlns:r="http://schemas.openxmlformats.org/officeDocument/2006/relationships" xmlns:p="http://schemas.openxmlformats.org/presentationml/2006/main">
   <p:cSld>
     <p:spTree>
@@ -16891,7 +17127,7 @@
         </p:blipFill>
         <p:spPr bwMode="auto">
           <a:xfrm>
-            <a:off x="5868144" y="4653135"/>
+            <a:off x="5873879" y="4697280"/>
             <a:ext cx="1850486" cy="1110480"/>
           </a:xfrm>
           <a:prstGeom prst="rect">
@@ -16932,7 +17168,7 @@
         </p:blipFill>
         <p:spPr bwMode="auto">
           <a:xfrm>
-            <a:off x="4716016" y="3694790"/>
+            <a:off x="4463988" y="3706576"/>
             <a:ext cx="1800200" cy="870065"/>
           </a:xfrm>
           <a:prstGeom prst="rect">
@@ -17229,90 +17465,16 @@
           </a:extLst>
         </p:spPr>
       </p:pic>
-    </p:spTree>
-    <p:extLst>
-      <p:ext uri="{BB962C8B-B14F-4D97-AF65-F5344CB8AC3E}">
-        <p14:creationId xmlns:p14="http://schemas.microsoft.com/office/powerpoint/2010/main" val="1499758657"/>
-      </p:ext>
-    </p:extLst>
-  </p:cSld>
-  <p:clrMapOvr>
-    <a:masterClrMapping/>
-  </p:clrMapOvr>
-</p:sld>
-</file>
-
-<file path=ppt/slides/slide25.xml><?xml version="1.0" encoding="utf-8"?>
-<p:sld xmlns:a="http://schemas.openxmlformats.org/drawingml/2006/main" xmlns:r="http://schemas.openxmlformats.org/officeDocument/2006/relationships" xmlns:p="http://schemas.openxmlformats.org/presentationml/2006/main">
-  <p:cSld>
-    <p:spTree>
-      <p:nvGrpSpPr>
-        <p:cNvPr id="1" name=""/>
-        <p:cNvGrpSpPr/>
-        <p:nvPr/>
-      </p:nvGrpSpPr>
-      <p:grpSpPr>
-        <a:xfrm>
-          <a:off x="0" y="0"/>
-          <a:ext cx="0" cy="0"/>
-          <a:chOff x="0" y="0"/>
-          <a:chExt cx="0" cy="0"/>
-        </a:xfrm>
-      </p:grpSpPr>
-      <p:sp>
-        <p:nvSpPr>
-          <p:cNvPr id="2" name="Título 1"/>
-          <p:cNvSpPr>
-            <a:spLocks noGrp="1"/>
-          </p:cNvSpPr>
-          <p:nvPr>
-            <p:ph type="title"/>
-          </p:nvPr>
-        </p:nvSpPr>
-        <p:spPr/>
-        <p:txBody>
-          <a:bodyPr>
-            <a:normAutofit/>
-          </a:bodyPr>
-          <a:lstStyle/>
-          <a:p>
-            <a:r>
-              <a:rPr lang="pt-BR" dirty="0" smtClean="0"/>
-              <a:t>Algumas empresas</a:t>
-            </a:r>
-            <a:endParaRPr lang="pt-BR" dirty="0"/>
-          </a:p>
-        </p:txBody>
-      </p:sp>
-      <p:sp>
-        <p:nvSpPr>
-          <p:cNvPr id="3" name="Espaço Reservado para Conteúdo 2"/>
-          <p:cNvSpPr>
-            <a:spLocks noGrp="1"/>
-          </p:cNvSpPr>
-          <p:nvPr>
-            <p:ph idx="1"/>
-          </p:nvPr>
-        </p:nvSpPr>
-        <p:spPr/>
-        <p:txBody>
-          <a:bodyPr/>
-          <a:lstStyle/>
-          <a:p>
-            <a:endParaRPr lang="pt-BR" dirty="0"/>
-          </a:p>
-        </p:txBody>
-      </p:sp>
       <p:pic>
         <p:nvPicPr>
-          <p:cNvPr id="11266" name="Picture 2" descr="Mitsubishi Logo"/>
+          <p:cNvPr id="2050" name="Picture 2" descr="http://adonline1.tempsite.ws/ad2005/upload/000089.jpg"/>
           <p:cNvPicPr>
             <a:picLocks noChangeAspect="1" noChangeArrowheads="1"/>
           </p:cNvPicPr>
           <p:nvPr/>
         </p:nvPicPr>
         <p:blipFill>
-          <a:blip r:embed="rId2">
+          <a:blip r:embed="rId13" cstate="print">
             <a:extLst>
               <a:ext uri="{28A0092B-C50C-407E-A947-70E740481C1C}">
                 <a14:useLocalDpi xmlns:a14="http://schemas.microsoft.com/office/drawing/2010/main" val="0"/>
@@ -17326,574 +17488,8 @@
         </p:blipFill>
         <p:spPr bwMode="auto">
           <a:xfrm>
-            <a:off x="467544" y="2348880"/>
-            <a:ext cx="2016224" cy="1172223"/>
-          </a:xfrm>
-          <a:prstGeom prst="rect">
-            <a:avLst/>
-          </a:prstGeom>
-          <a:noFill/>
-          <a:extLst>
-            <a:ext uri="{909E8E84-426E-40DD-AFC4-6F175D3DCCD1}">
-              <a14:hiddenFill xmlns:a14="http://schemas.microsoft.com/office/drawing/2010/main">
-                <a:solidFill>
-                  <a:srgbClr val="FFFFFF"/>
-                </a:solidFill>
-              </a14:hiddenFill>
-            </a:ext>
-          </a:extLst>
-        </p:spPr>
-      </p:pic>
-      <p:pic>
-        <p:nvPicPr>
-          <p:cNvPr id="11268" name="Picture 4" descr="CCEE e adimplência"/>
-          <p:cNvPicPr>
-            <a:picLocks noChangeAspect="1" noChangeArrowheads="1"/>
-          </p:cNvPicPr>
-          <p:nvPr/>
-        </p:nvPicPr>
-        <p:blipFill>
-          <a:blip r:embed="rId3" cstate="print">
-            <a:extLst>
-              <a:ext uri="{28A0092B-C50C-407E-A947-70E740481C1C}">
-                <a14:useLocalDpi xmlns:a14="http://schemas.microsoft.com/office/drawing/2010/main" val="0"/>
-              </a:ext>
-            </a:extLst>
-          </a:blip>
-          <a:srcRect/>
-          <a:stretch>
-            <a:fillRect/>
-          </a:stretch>
-        </p:blipFill>
-        <p:spPr bwMode="auto">
-          <a:xfrm>
-            <a:off x="755576" y="3521103"/>
-            <a:ext cx="2016224" cy="1282723"/>
-          </a:xfrm>
-          <a:prstGeom prst="rect">
-            <a:avLst/>
-          </a:prstGeom>
-          <a:noFill/>
-          <a:extLst>
-            <a:ext uri="{909E8E84-426E-40DD-AFC4-6F175D3DCCD1}">
-              <a14:hiddenFill xmlns:a14="http://schemas.microsoft.com/office/drawing/2010/main">
-                <a:solidFill>
-                  <a:srgbClr val="FFFFFF"/>
-                </a:solidFill>
-              </a14:hiddenFill>
-            </a:ext>
-          </a:extLst>
-        </p:spPr>
-      </p:pic>
-      <p:pic>
-        <p:nvPicPr>
-          <p:cNvPr id="11270" name="Picture 6" descr="http://baixae.org/wp-content/uploads/2015/02/Bosch.jpg"/>
-          <p:cNvPicPr>
-            <a:picLocks noChangeAspect="1" noChangeArrowheads="1"/>
-          </p:cNvPicPr>
-          <p:nvPr/>
-        </p:nvPicPr>
-        <p:blipFill>
-          <a:blip r:embed="rId4" cstate="print">
-            <a:extLst>
-              <a:ext uri="{28A0092B-C50C-407E-A947-70E740481C1C}">
-                <a14:useLocalDpi xmlns:a14="http://schemas.microsoft.com/office/drawing/2010/main" val="0"/>
-              </a:ext>
-            </a:extLst>
-          </a:blip>
-          <a:srcRect/>
-          <a:stretch>
-            <a:fillRect/>
-          </a:stretch>
-        </p:blipFill>
-        <p:spPr bwMode="auto">
-          <a:xfrm>
-            <a:off x="827584" y="4653135"/>
-            <a:ext cx="2104066" cy="1306043"/>
-          </a:xfrm>
-          <a:prstGeom prst="rect">
-            <a:avLst/>
-          </a:prstGeom>
-          <a:noFill/>
-          <a:extLst>
-            <a:ext uri="{909E8E84-426E-40DD-AFC4-6F175D3DCCD1}">
-              <a14:hiddenFill xmlns:a14="http://schemas.microsoft.com/office/drawing/2010/main">
-                <a:solidFill>
-                  <a:srgbClr val="FFFFFF"/>
-                </a:solidFill>
-              </a14:hiddenFill>
-            </a:ext>
-          </a:extLst>
-        </p:spPr>
-      </p:pic>
-      <p:pic>
-        <p:nvPicPr>
-          <p:cNvPr id="11272" name="Picture 8" descr="https://pbs.twimg.com/profile_images/3540976963/ccf11950bf0bc7e8bef76a8eb7b5a0f0_400x400.jpeg"/>
-          <p:cNvPicPr>
-            <a:picLocks noChangeAspect="1" noChangeArrowheads="1"/>
-          </p:cNvPicPr>
-          <p:nvPr/>
-        </p:nvPicPr>
-        <p:blipFill>
-          <a:blip r:embed="rId5" cstate="print">
-            <a:extLst>
-              <a:ext uri="{28A0092B-C50C-407E-A947-70E740481C1C}">
-                <a14:useLocalDpi xmlns:a14="http://schemas.microsoft.com/office/drawing/2010/main" val="0"/>
-              </a:ext>
-            </a:extLst>
-          </a:blip>
-          <a:srcRect/>
-          <a:stretch>
-            <a:fillRect/>
-          </a:stretch>
-        </p:blipFill>
-        <p:spPr bwMode="auto">
-          <a:xfrm>
-            <a:off x="2411760" y="2391785"/>
-            <a:ext cx="965479" cy="965479"/>
-          </a:xfrm>
-          <a:prstGeom prst="rect">
-            <a:avLst/>
-          </a:prstGeom>
-          <a:noFill/>
-          <a:extLst>
-            <a:ext uri="{909E8E84-426E-40DD-AFC4-6F175D3DCCD1}">
-              <a14:hiddenFill xmlns:a14="http://schemas.microsoft.com/office/drawing/2010/main">
-                <a:solidFill>
-                  <a:srgbClr val="FFFFFF"/>
-                </a:solidFill>
-              </a14:hiddenFill>
-            </a:ext>
-          </a:extLst>
-        </p:spPr>
-      </p:pic>
-      <p:pic>
-        <p:nvPicPr>
-          <p:cNvPr id="11276" name="Picture 12" descr="http://www.mastercssa.com.br/wp-content/uploads/2015/04/Dell_SonicWALL_Bradesco.jpg"/>
-          <p:cNvPicPr>
-            <a:picLocks noChangeAspect="1" noChangeArrowheads="1"/>
-          </p:cNvPicPr>
-          <p:nvPr/>
-        </p:nvPicPr>
-        <p:blipFill>
-          <a:blip r:embed="rId6" cstate="print">
-            <a:extLst>
-              <a:ext uri="{28A0092B-C50C-407E-A947-70E740481C1C}">
-                <a14:useLocalDpi xmlns:a14="http://schemas.microsoft.com/office/drawing/2010/main" val="0"/>
-              </a:ext>
-            </a:extLst>
-          </a:blip>
-          <a:srcRect/>
-          <a:stretch>
-            <a:fillRect/>
-          </a:stretch>
-        </p:blipFill>
-        <p:spPr bwMode="auto">
-          <a:xfrm>
-            <a:off x="3347864" y="4803826"/>
-            <a:ext cx="2304256" cy="1072919"/>
-          </a:xfrm>
-          <a:prstGeom prst="rect">
-            <a:avLst/>
-          </a:prstGeom>
-          <a:noFill/>
-          <a:extLst>
-            <a:ext uri="{909E8E84-426E-40DD-AFC4-6F175D3DCCD1}">
-              <a14:hiddenFill xmlns:a14="http://schemas.microsoft.com/office/drawing/2010/main">
-                <a:solidFill>
-                  <a:srgbClr val="FFFFFF"/>
-                </a:solidFill>
-              </a14:hiddenFill>
-            </a:ext>
-          </a:extLst>
-        </p:spPr>
-      </p:pic>
-      <p:pic>
-        <p:nvPicPr>
-          <p:cNvPr id="11278" name="Picture 14" descr="http://upload.wikimedia.org/wikipedia/commons/thumb/0/0f/General_Motors.svg/150px-General_Motors.svg.png"/>
-          <p:cNvPicPr>
-            <a:picLocks noChangeAspect="1" noChangeArrowheads="1"/>
-          </p:cNvPicPr>
-          <p:nvPr/>
-        </p:nvPicPr>
-        <p:blipFill>
-          <a:blip r:embed="rId7">
-            <a:extLst>
-              <a:ext uri="{28A0092B-C50C-407E-A947-70E740481C1C}">
-                <a14:useLocalDpi xmlns:a14="http://schemas.microsoft.com/office/drawing/2010/main" val="0"/>
-              </a:ext>
-            </a:extLst>
-          </a:blip>
-          <a:srcRect/>
-          <a:stretch>
-            <a:fillRect/>
-          </a:stretch>
-        </p:blipFill>
-        <p:spPr bwMode="auto">
-          <a:xfrm>
-            <a:off x="3167093" y="3491146"/>
-            <a:ext cx="1214228" cy="1206134"/>
-          </a:xfrm>
-          <a:prstGeom prst="rect">
-            <a:avLst/>
-          </a:prstGeom>
-          <a:noFill/>
-          <a:extLst>
-            <a:ext uri="{909E8E84-426E-40DD-AFC4-6F175D3DCCD1}">
-              <a14:hiddenFill xmlns:a14="http://schemas.microsoft.com/office/drawing/2010/main">
-                <a:solidFill>
-                  <a:srgbClr val="FFFFFF"/>
-                </a:solidFill>
-              </a14:hiddenFill>
-            </a:ext>
-          </a:extLst>
-        </p:spPr>
-      </p:pic>
-      <p:pic>
-        <p:nvPicPr>
-          <p:cNvPr id="11280" name="Picture 16" descr="https://valberlucio.files.wordpress.com/2014/10/basa.jpg"/>
-          <p:cNvPicPr>
-            <a:picLocks noChangeAspect="1" noChangeArrowheads="1"/>
-          </p:cNvPicPr>
-          <p:nvPr/>
-        </p:nvPicPr>
-        <p:blipFill>
-          <a:blip r:embed="rId8" cstate="print">
-            <a:extLst>
-              <a:ext uri="{28A0092B-C50C-407E-A947-70E740481C1C}">
-                <a14:useLocalDpi xmlns:a14="http://schemas.microsoft.com/office/drawing/2010/main" val="0"/>
-              </a:ext>
-            </a:extLst>
-          </a:blip>
-          <a:srcRect/>
-          <a:stretch>
-            <a:fillRect/>
-          </a:stretch>
-        </p:blipFill>
-        <p:spPr bwMode="auto">
-          <a:xfrm>
-            <a:off x="5868144" y="4653135"/>
-            <a:ext cx="1850486" cy="1110480"/>
-          </a:xfrm>
-          <a:prstGeom prst="rect">
-            <a:avLst/>
-          </a:prstGeom>
-          <a:noFill/>
-          <a:extLst>
-            <a:ext uri="{909E8E84-426E-40DD-AFC4-6F175D3DCCD1}">
-              <a14:hiddenFill xmlns:a14="http://schemas.microsoft.com/office/drawing/2010/main">
-                <a:solidFill>
-                  <a:srgbClr val="FFFFFF"/>
-                </a:solidFill>
-              </a14:hiddenFill>
-            </a:ext>
-          </a:extLst>
-        </p:spPr>
-      </p:pic>
-      <p:pic>
-        <p:nvPicPr>
-          <p:cNvPr id="11282" name="Picture 18" descr="http://imprensaoeste.com/wp-content/uploads/2013/09/prodesp.jpg"/>
-          <p:cNvPicPr>
-            <a:picLocks noChangeAspect="1" noChangeArrowheads="1"/>
-          </p:cNvPicPr>
-          <p:nvPr/>
-        </p:nvPicPr>
-        <p:blipFill>
-          <a:blip r:embed="rId9" cstate="print">
-            <a:extLst>
-              <a:ext uri="{28A0092B-C50C-407E-A947-70E740481C1C}">
-                <a14:useLocalDpi xmlns:a14="http://schemas.microsoft.com/office/drawing/2010/main" val="0"/>
-              </a:ext>
-            </a:extLst>
-          </a:blip>
-          <a:srcRect/>
-          <a:stretch>
-            <a:fillRect/>
-          </a:stretch>
-        </p:blipFill>
-        <p:spPr bwMode="auto">
-          <a:xfrm>
-            <a:off x="4716016" y="3694790"/>
-            <a:ext cx="1800200" cy="870065"/>
-          </a:xfrm>
-          <a:prstGeom prst="rect">
-            <a:avLst/>
-          </a:prstGeom>
-          <a:noFill/>
-          <a:extLst>
-            <a:ext uri="{909E8E84-426E-40DD-AFC4-6F175D3DCCD1}">
-              <a14:hiddenFill xmlns:a14="http://schemas.microsoft.com/office/drawing/2010/main">
-                <a:solidFill>
-                  <a:srgbClr val="FFFFFF"/>
-                </a:solidFill>
-              </a14:hiddenFill>
-            </a:ext>
-          </a:extLst>
-        </p:spPr>
-      </p:pic>
-      <p:pic>
-        <p:nvPicPr>
-          <p:cNvPr id="11284" name="Picture 20" descr="http://opnear.utdallas.edu/projects/int_coll_pix/cpqd.gif"/>
-          <p:cNvPicPr>
-            <a:picLocks noChangeAspect="1" noChangeArrowheads="1"/>
-          </p:cNvPicPr>
-          <p:nvPr/>
-        </p:nvPicPr>
-        <p:blipFill>
-          <a:blip r:embed="rId10" cstate="print">
-            <a:extLst>
-              <a:ext uri="{28A0092B-C50C-407E-A947-70E740481C1C}">
-                <a14:useLocalDpi xmlns:a14="http://schemas.microsoft.com/office/drawing/2010/main" val="0"/>
-              </a:ext>
-            </a:extLst>
-          </a:blip>
-          <a:srcRect/>
-          <a:stretch>
-            <a:fillRect/>
-          </a:stretch>
-        </p:blipFill>
-        <p:spPr bwMode="auto">
-          <a:xfrm>
-            <a:off x="3563888" y="2364082"/>
-            <a:ext cx="1634867" cy="993182"/>
-          </a:xfrm>
-          <a:prstGeom prst="rect">
-            <a:avLst/>
-          </a:prstGeom>
-          <a:noFill/>
-          <a:extLst>
-            <a:ext uri="{909E8E84-426E-40DD-AFC4-6F175D3DCCD1}">
-              <a14:hiddenFill xmlns:a14="http://schemas.microsoft.com/office/drawing/2010/main">
-                <a:solidFill>
-                  <a:srgbClr val="FFFFFF"/>
-                </a:solidFill>
-              </a14:hiddenFill>
-            </a:ext>
-          </a:extLst>
-        </p:spPr>
-      </p:pic>
-      <p:sp>
-        <p:nvSpPr>
-          <p:cNvPr id="4" name="AutoShape 22" descr="Resultado de imagem para governo de mato grosso do sul"/>
-          <p:cNvSpPr>
-            <a:spLocks noChangeAspect="1" noChangeArrowheads="1"/>
-          </p:cNvSpPr>
-          <p:nvPr/>
-        </p:nvSpPr>
-        <p:spPr bwMode="auto">
-          <a:xfrm>
-            <a:off x="155575" y="-144463"/>
-            <a:ext cx="304800" cy="304801"/>
-          </a:xfrm>
-          <a:prstGeom prst="rect">
-            <a:avLst/>
-          </a:prstGeom>
-          <a:noFill/>
-          <a:extLst>
-            <a:ext uri="{909E8E84-426E-40DD-AFC4-6F175D3DCCD1}">
-              <a14:hiddenFill xmlns:a14="http://schemas.microsoft.com/office/drawing/2010/main">
-                <a:solidFill>
-                  <a:srgbClr val="FFFFFF"/>
-                </a:solidFill>
-              </a14:hiddenFill>
-            </a:ext>
-          </a:extLst>
-        </p:spPr>
-        <p:txBody>
-          <a:bodyPr vert="horz" wrap="square" lIns="91440" tIns="45720" rIns="91440" bIns="45720" numCol="1" anchor="t" anchorCtr="0" compatLnSpc="1">
-            <a:prstTxWarp prst="textNoShape">
-              <a:avLst/>
-            </a:prstTxWarp>
-          </a:bodyPr>
-          <a:lstStyle/>
-          <a:p>
-            <a:endParaRPr lang="pt-BR"/>
-          </a:p>
-        </p:txBody>
-      </p:sp>
-      <p:sp>
-        <p:nvSpPr>
-          <p:cNvPr id="5" name="AutoShape 24" descr="Resultado de imagem para governo de mato grosso do sul"/>
-          <p:cNvSpPr>
-            <a:spLocks noChangeAspect="1" noChangeArrowheads="1"/>
-          </p:cNvSpPr>
-          <p:nvPr/>
-        </p:nvSpPr>
-        <p:spPr bwMode="auto">
-          <a:xfrm>
-            <a:off x="307975" y="7937"/>
-            <a:ext cx="304800" cy="304801"/>
-          </a:xfrm>
-          <a:prstGeom prst="rect">
-            <a:avLst/>
-          </a:prstGeom>
-          <a:noFill/>
-          <a:extLst>
-            <a:ext uri="{909E8E84-426E-40DD-AFC4-6F175D3DCCD1}">
-              <a14:hiddenFill xmlns:a14="http://schemas.microsoft.com/office/drawing/2010/main">
-                <a:solidFill>
-                  <a:srgbClr val="FFFFFF"/>
-                </a:solidFill>
-              </a14:hiddenFill>
-            </a:ext>
-          </a:extLst>
-        </p:spPr>
-        <p:txBody>
-          <a:bodyPr vert="horz" wrap="square" lIns="91440" tIns="45720" rIns="91440" bIns="45720" numCol="1" anchor="t" anchorCtr="0" compatLnSpc="1">
-            <a:prstTxWarp prst="textNoShape">
-              <a:avLst/>
-            </a:prstTxWarp>
-          </a:bodyPr>
-          <a:lstStyle/>
-          <a:p>
-            <a:endParaRPr lang="pt-BR"/>
-          </a:p>
-        </p:txBody>
-      </p:sp>
-      <p:pic>
-        <p:nvPicPr>
-          <p:cNvPr id="11290" name="Picture 26" descr="http://www.ivihoje.com.br/index.php/noticias/thumbs/arquivos-noticias-imagens-7a528f763b07665f37b769c19faec09f.jpg/300/300"/>
-          <p:cNvPicPr>
-            <a:picLocks noChangeAspect="1" noChangeArrowheads="1"/>
-          </p:cNvPicPr>
-          <p:nvPr/>
-        </p:nvPicPr>
-        <p:blipFill>
-          <a:blip r:embed="rId11">
-            <a:extLst>
-              <a:ext uri="{28A0092B-C50C-407E-A947-70E740481C1C}">
-                <a14:useLocalDpi xmlns:a14="http://schemas.microsoft.com/office/drawing/2010/main" val="0"/>
-              </a:ext>
-            </a:extLst>
-          </a:blip>
-          <a:srcRect/>
-          <a:stretch>
-            <a:fillRect/>
-          </a:stretch>
-        </p:blipFill>
-        <p:spPr bwMode="auto">
-          <a:xfrm>
-            <a:off x="5364088" y="2436477"/>
-            <a:ext cx="2304256" cy="729682"/>
-          </a:xfrm>
-          <a:prstGeom prst="rect">
-            <a:avLst/>
-          </a:prstGeom>
-          <a:noFill/>
-          <a:extLst>
-            <a:ext uri="{909E8E84-426E-40DD-AFC4-6F175D3DCCD1}">
-              <a14:hiddenFill xmlns:a14="http://schemas.microsoft.com/office/drawing/2010/main">
-                <a:solidFill>
-                  <a:srgbClr val="FFFFFF"/>
-                </a:solidFill>
-              </a14:hiddenFill>
-            </a:ext>
-          </a:extLst>
-        </p:spPr>
-      </p:pic>
-      <p:sp>
-        <p:nvSpPr>
-          <p:cNvPr id="6" name="AutoShape 28" descr="Resultado de imagem para pr news"/>
-          <p:cNvSpPr>
-            <a:spLocks noChangeAspect="1" noChangeArrowheads="1"/>
-          </p:cNvSpPr>
-          <p:nvPr/>
-        </p:nvSpPr>
-        <p:spPr bwMode="auto">
-          <a:xfrm>
-            <a:off x="460375" y="160337"/>
-            <a:ext cx="304800" cy="304801"/>
-          </a:xfrm>
-          <a:prstGeom prst="rect">
-            <a:avLst/>
-          </a:prstGeom>
-          <a:noFill/>
-          <a:extLst>
-            <a:ext uri="{909E8E84-426E-40DD-AFC4-6F175D3DCCD1}">
-              <a14:hiddenFill xmlns:a14="http://schemas.microsoft.com/office/drawing/2010/main">
-                <a:solidFill>
-                  <a:srgbClr val="FFFFFF"/>
-                </a:solidFill>
-              </a14:hiddenFill>
-            </a:ext>
-          </a:extLst>
-        </p:spPr>
-        <p:txBody>
-          <a:bodyPr vert="horz" wrap="square" lIns="91440" tIns="45720" rIns="91440" bIns="45720" numCol="1" anchor="t" anchorCtr="0" compatLnSpc="1">
-            <a:prstTxWarp prst="textNoShape">
-              <a:avLst/>
-            </a:prstTxWarp>
-          </a:bodyPr>
-          <a:lstStyle/>
-          <a:p>
-            <a:endParaRPr lang="pt-BR"/>
-          </a:p>
-        </p:txBody>
-      </p:sp>
-      <p:sp>
-        <p:nvSpPr>
-          <p:cNvPr id="7" name="AutoShape 30" descr="Resultado de imagem para pr news"/>
-          <p:cNvSpPr>
-            <a:spLocks noChangeAspect="1" noChangeArrowheads="1"/>
-          </p:cNvSpPr>
-          <p:nvPr/>
-        </p:nvSpPr>
-        <p:spPr bwMode="auto">
-          <a:xfrm>
-            <a:off x="612775" y="312737"/>
-            <a:ext cx="304800" cy="304801"/>
-          </a:xfrm>
-          <a:prstGeom prst="rect">
-            <a:avLst/>
-          </a:prstGeom>
-          <a:noFill/>
-          <a:extLst>
-            <a:ext uri="{909E8E84-426E-40DD-AFC4-6F175D3DCCD1}">
-              <a14:hiddenFill xmlns:a14="http://schemas.microsoft.com/office/drawing/2010/main">
-                <a:solidFill>
-                  <a:srgbClr val="FFFFFF"/>
-                </a:solidFill>
-              </a14:hiddenFill>
-            </a:ext>
-          </a:extLst>
-        </p:spPr>
-        <p:txBody>
-          <a:bodyPr vert="horz" wrap="square" lIns="91440" tIns="45720" rIns="91440" bIns="45720" numCol="1" anchor="t" anchorCtr="0" compatLnSpc="1">
-            <a:prstTxWarp prst="textNoShape">
-              <a:avLst/>
-            </a:prstTxWarp>
-          </a:bodyPr>
-          <a:lstStyle/>
-          <a:p>
-            <a:endParaRPr lang="pt-BR"/>
-          </a:p>
-        </p:txBody>
-      </p:sp>
-      <p:pic>
-        <p:nvPicPr>
-          <p:cNvPr id="11296" name="Picture 32" descr="http://static1.1.sqspcdn.com/static/f/594174/22378989/1365192538357/PRNews-CMYK-as-of-2-6-13.png?token=gKIRe1wQZ7rymqRZ5XLx7%2BjeYwQ%3D"/>
-          <p:cNvPicPr>
-            <a:picLocks noChangeAspect="1" noChangeArrowheads="1"/>
-          </p:cNvPicPr>
-          <p:nvPr/>
-        </p:nvPicPr>
-        <p:blipFill>
-          <a:blip r:embed="rId12" cstate="print">
-            <a:extLst>
-              <a:ext uri="{28A0092B-C50C-407E-A947-70E740481C1C}">
-                <a14:useLocalDpi xmlns:a14="http://schemas.microsoft.com/office/drawing/2010/main" val="0"/>
-              </a:ext>
-            </a:extLst>
-          </a:blip>
-          <a:srcRect/>
-          <a:stretch>
-            <a:fillRect/>
-          </a:stretch>
-        </p:blipFill>
-        <p:spPr bwMode="auto">
-          <a:xfrm>
-            <a:off x="5820184" y="3357264"/>
-            <a:ext cx="1904181" cy="542959"/>
+            <a:off x="6460701" y="4053212"/>
+            <a:ext cx="1360108" cy="472180"/>
           </a:xfrm>
           <a:prstGeom prst="rect">
             <a:avLst/>
@@ -17913,13 +17509,20 @@
     </p:spTree>
     <p:extLst>
       <p:ext uri="{BB962C8B-B14F-4D97-AF65-F5344CB8AC3E}">
-        <p14:creationId xmlns:p14="http://schemas.microsoft.com/office/powerpoint/2010/main" val="3491238429"/>
+        <p14:creationId xmlns:p14="http://schemas.microsoft.com/office/powerpoint/2010/main" val="1499758657"/>
       </p:ext>
     </p:extLst>
   </p:cSld>
   <p:clrMapOvr>
     <a:masterClrMapping/>
   </p:clrMapOvr>
+  <p:timing>
+    <p:tnLst>
+      <p:par>
+        <p:cTn id="1" dur="indefinite" restart="never" nodeType="tmRoot"/>
+      </p:par>
+    </p:tnLst>
+  </p:timing>
 </p:sld>
 </file>
 
@@ -17978,7 +17581,20 @@
           <a:bodyPr/>
           <a:lstStyle/>
           <a:p>
+            <a:r>
+              <a:rPr lang="pt-BR" dirty="0" smtClean="0"/>
+              <a:t>Como nasceu a idéia?</a:t>
+            </a:r>
             <a:endParaRPr lang="pt-BR" dirty="0"/>
+          </a:p>
+          <a:p>
+            <a:r>
+              <a:rPr lang="pt-BR" dirty="0" smtClean="0"/>
+              <a:t>E agora?</a:t>
+            </a:r>
+          </a:p>
+          <a:p>
+            <a:endParaRPr lang="pt-BR" dirty="0" smtClean="0"/>
           </a:p>
         </p:txBody>
       </p:sp>
@@ -18071,35 +17687,35 @@
               <a:rPr lang="pt-BR" dirty="0"/>
             </a:br>
             <a:r>
-              <a:rPr lang="pt-BR" dirty="0" smtClean="0"/>
+              <a:rPr lang="pt-BR" sz="2100" dirty="0" smtClean="0"/>
               <a:t>- O que é?</a:t>
             </a:r>
             <a:br>
-              <a:rPr lang="pt-BR" dirty="0" smtClean="0"/>
+              <a:rPr lang="pt-BR" sz="2100" dirty="0" smtClean="0"/>
             </a:br>
             <a:r>
-              <a:rPr lang="pt-BR" dirty="0" smtClean="0"/>
+              <a:rPr lang="pt-BR" sz="2100" dirty="0" smtClean="0"/>
               <a:t>- História</a:t>
             </a:r>
             <a:br>
-              <a:rPr lang="pt-BR" dirty="0" smtClean="0"/>
+              <a:rPr lang="pt-BR" sz="2100" dirty="0" smtClean="0"/>
             </a:br>
             <a:r>
-              <a:rPr lang="pt-BR" dirty="0" smtClean="0"/>
+              <a:rPr lang="pt-BR" sz="2100" dirty="0" smtClean="0"/>
               <a:t>- Presente</a:t>
             </a:r>
             <a:br>
-              <a:rPr lang="pt-BR" dirty="0" smtClean="0"/>
+              <a:rPr lang="pt-BR" sz="2100" dirty="0" smtClean="0"/>
             </a:br>
             <a:r>
-              <a:rPr lang="pt-BR" dirty="0" smtClean="0"/>
+              <a:rPr lang="pt-BR" sz="2100" dirty="0" smtClean="0"/>
               <a:t>- Futuro</a:t>
             </a:r>
             <a:br>
-              <a:rPr lang="pt-BR" dirty="0" smtClean="0"/>
+              <a:rPr lang="pt-BR" sz="2100" dirty="0" smtClean="0"/>
             </a:br>
             <a:r>
-              <a:rPr lang="pt-BR" dirty="0" smtClean="0"/>
+              <a:rPr lang="pt-BR" sz="2100" dirty="0" smtClean="0"/>
               <a:t>- Mercado de Trabalho</a:t>
             </a:r>
           </a:p>

--- a/doc/Alta Performance com Java.pptx
+++ b/doc/Alta Performance com Java.pptx
@@ -2904,7 +2904,7 @@
           <a:p>
             <a:fld id="{4C5098E7-BB1A-40A0-B4E6-3A66C38275E1}" type="datetimeFigureOut">
               <a:rPr lang="pt-BR" smtClean="0"/>
-              <a:t>11/05/2015</a:t>
+              <a:t>12/05/2015</a:t>
             </a:fld>
             <a:endParaRPr lang="pt-BR"/>
           </a:p>
@@ -3189,7 +3189,7 @@
           <a:p>
             <a:fld id="{4C5098E7-BB1A-40A0-B4E6-3A66C38275E1}" type="datetimeFigureOut">
               <a:rPr lang="pt-BR" smtClean="0"/>
-              <a:t>11/05/2015</a:t>
+              <a:t>12/05/2015</a:t>
             </a:fld>
             <a:endParaRPr lang="pt-BR"/>
           </a:p>
@@ -3364,7 +3364,7 @@
           <a:p>
             <a:fld id="{4C5098E7-BB1A-40A0-B4E6-3A66C38275E1}" type="datetimeFigureOut">
               <a:rPr lang="pt-BR" smtClean="0"/>
-              <a:t>11/05/2015</a:t>
+              <a:t>12/05/2015</a:t>
             </a:fld>
             <a:endParaRPr lang="pt-BR"/>
           </a:p>
@@ -3529,7 +3529,7 @@
           <a:p>
             <a:fld id="{4C5098E7-BB1A-40A0-B4E6-3A66C38275E1}" type="datetimeFigureOut">
               <a:rPr lang="pt-BR" smtClean="0"/>
-              <a:t>11/05/2015</a:t>
+              <a:t>12/05/2015</a:t>
             </a:fld>
             <a:endParaRPr lang="pt-BR"/>
           </a:p>
@@ -3770,7 +3770,7 @@
           <a:p>
             <a:fld id="{4C5098E7-BB1A-40A0-B4E6-3A66C38275E1}" type="datetimeFigureOut">
               <a:rPr lang="pt-BR" smtClean="0"/>
-              <a:t>11/05/2015</a:t>
+              <a:t>12/05/2015</a:t>
             </a:fld>
             <a:endParaRPr lang="pt-BR"/>
           </a:p>
@@ -3883,7 +3883,7 @@
           <a:p>
             <a:fld id="{4C5098E7-BB1A-40A0-B4E6-3A66C38275E1}" type="datetimeFigureOut">
               <a:rPr lang="pt-BR" smtClean="0"/>
-              <a:t>11/05/2015</a:t>
+              <a:t>12/05/2015</a:t>
             </a:fld>
             <a:endParaRPr lang="pt-BR"/>
           </a:p>
@@ -4422,7 +4422,7 @@
           <a:p>
             <a:fld id="{4C5098E7-BB1A-40A0-B4E6-3A66C38275E1}" type="datetimeFigureOut">
               <a:rPr lang="pt-BR" smtClean="0"/>
-              <a:t>11/05/2015</a:t>
+              <a:t>12/05/2015</a:t>
             </a:fld>
             <a:endParaRPr lang="pt-BR"/>
           </a:p>
@@ -4535,7 +4535,7 @@
           <a:p>
             <a:fld id="{4C5098E7-BB1A-40A0-B4E6-3A66C38275E1}" type="datetimeFigureOut">
               <a:rPr lang="pt-BR" smtClean="0"/>
-              <a:t>11/05/2015</a:t>
+              <a:t>12/05/2015</a:t>
             </a:fld>
             <a:endParaRPr lang="pt-BR"/>
           </a:p>
@@ -4625,7 +4625,7 @@
           <a:p>
             <a:fld id="{4C5098E7-BB1A-40A0-B4E6-3A66C38275E1}" type="datetimeFigureOut">
               <a:rPr lang="pt-BR" smtClean="0"/>
-              <a:t>11/05/2015</a:t>
+              <a:t>12/05/2015</a:t>
             </a:fld>
             <a:endParaRPr lang="pt-BR"/>
           </a:p>
@@ -7276,7 +7276,7 @@
           <a:p>
             <a:fld id="{4C5098E7-BB1A-40A0-B4E6-3A66C38275E1}" type="datetimeFigureOut">
               <a:rPr lang="pt-BR" smtClean="0"/>
-              <a:t>11/05/2015</a:t>
+              <a:t>12/05/2015</a:t>
             </a:fld>
             <a:endParaRPr lang="pt-BR"/>
           </a:p>
@@ -10488,7 +10488,7 @@
           <a:p>
             <a:fld id="{4C5098E7-BB1A-40A0-B4E6-3A66C38275E1}" type="datetimeFigureOut">
               <a:rPr lang="pt-BR" smtClean="0"/>
-              <a:t>11/05/2015</a:t>
+              <a:t>12/05/2015</a:t>
             </a:fld>
             <a:endParaRPr lang="pt-BR"/>
           </a:p>
@@ -13310,7 +13310,7 @@
           <a:p>
             <a:fld id="{4C5098E7-BB1A-40A0-B4E6-3A66C38275E1}" type="datetimeFigureOut">
               <a:rPr lang="pt-BR" smtClean="0"/>
-              <a:t>11/05/2015</a:t>
+              <a:t>12/05/2015</a:t>
             </a:fld>
             <a:endParaRPr lang="pt-BR"/>
           </a:p>
@@ -14732,19 +14732,7 @@
                           <a:ea typeface="+mn-ea"/>
                           <a:cs typeface="+mn-cs"/>
                         </a:rPr>
-                        <a:t> </a:t>
-                      </a:r>
-                      <a:r>
-                        <a:rPr lang="pt-BR" sz="1800" b="1" i="0" kern="1200" baseline="0" dirty="0" smtClean="0">
-                          <a:solidFill>
-                            <a:schemeClr val="dk1"/>
-                          </a:solidFill>
-                          <a:effectLst/>
-                          <a:latin typeface="+mn-lt"/>
-                          <a:ea typeface="+mn-ea"/>
-                          <a:cs typeface="+mn-cs"/>
-                        </a:rPr>
-                        <a:t>2010</a:t>
+                        <a:t> 2010</a:t>
                       </a:r>
                       <a:endParaRPr lang="pt-BR" sz="1800" b="1" i="0" kern="1200" dirty="0" smtClean="0">
                         <a:solidFill>
@@ -15568,11 +15556,7 @@
           <a:p>
             <a:r>
               <a:rPr lang="pt-BR" dirty="0" smtClean="0"/>
-              <a:t>Meta-circular </a:t>
-            </a:r>
-            <a:r>
-              <a:rPr lang="pt-BR" dirty="0" smtClean="0"/>
-              <a:t>e </a:t>
+              <a:t>Meta-circular e </a:t>
             </a:r>
             <a:r>
               <a:rPr lang="pt-BR" dirty="0"/>
@@ -17671,7 +17655,7 @@
         <p:spPr/>
         <p:txBody>
           <a:bodyPr>
-            <a:normAutofit fontScale="77500" lnSpcReduction="20000"/>
+            <a:normAutofit fontScale="55000" lnSpcReduction="20000"/>
           </a:bodyPr>
           <a:lstStyle/>
           <a:p>
@@ -17724,6 +17708,49 @@
               <a:rPr lang="pt-BR" dirty="0" smtClean="0"/>
               <a:t>Performance</a:t>
             </a:r>
+            <a:br>
+              <a:rPr lang="pt-BR" dirty="0" smtClean="0"/>
+            </a:br>
+            <a:r>
+              <a:rPr lang="pt-BR" dirty="0" smtClean="0"/>
+              <a:t>- O que é?</a:t>
+            </a:r>
+            <a:br>
+              <a:rPr lang="pt-BR" dirty="0" smtClean="0"/>
+            </a:br>
+            <a:r>
+              <a:rPr lang="pt-BR" dirty="0" smtClean="0"/>
+              <a:t>- Quando Testar?</a:t>
+            </a:r>
+            <a:br>
+              <a:rPr lang="pt-BR" dirty="0" smtClean="0"/>
+            </a:br>
+            <a:r>
+              <a:rPr lang="pt-BR" dirty="0" smtClean="0"/>
+              <a:t>- O que testar?</a:t>
+            </a:r>
+            <a:br>
+              <a:rPr lang="pt-BR" dirty="0" smtClean="0"/>
+            </a:br>
+            <a:r>
+              <a:rPr lang="pt-BR" smtClean="0"/>
+              <a:t>- Ferramentas</a:t>
+            </a:r>
+            <a:br>
+              <a:rPr lang="pt-BR" smtClean="0"/>
+            </a:br>
+            <a:r>
+              <a:rPr lang="pt-BR" dirty="0" smtClean="0"/>
+              <a:t>- Como testar?</a:t>
+            </a:r>
+            <a:r>
+              <a:rPr lang="pt-BR" dirty="0" smtClean="0"/>
+              <a:t/>
+            </a:r>
+            <a:br>
+              <a:rPr lang="pt-BR" dirty="0" smtClean="0"/>
+            </a:br>
+            <a:endParaRPr lang="pt-BR" dirty="0" smtClean="0"/>
           </a:p>
           <a:p>
             <a:r>
